--- a/svi/auto_thermal_reformer/LANL Symposium Poster.pptx
+++ b/svi/auto_thermal_reformer/LANL Symposium Poster.pptx
@@ -273,7 +273,7 @@
             <a:fld id="{C64D7CA3-7008-7349-8B55-6C7D24D241FF}" type="datetimeFigureOut">
               <a:rPr lang="en-US" smtClean="0"/>
               <a:pPr/>
-              <a:t>6/30/2023</a:t>
+              <a:t>7/3/2023</a:t>
             </a:fld>
             <a:endParaRPr lang="en-US" dirty="0"/>
           </a:p>
@@ -509,16 +509,7 @@
           <a:bodyPr/>
           <a:lstStyle/>
           <a:p>
-            <a:r>
-              <a:rPr lang="en-US" dirty="0"/>
-              <a:t>Add description for ENTIRE PROCESS. Block diagram. 897 vars, 895 constraints full space</a:t>
-            </a:r>
-          </a:p>
-          <a:p>
-            <a:r>
-              <a:rPr lang="en-US" dirty="0"/>
-              <a:t>451, 449</a:t>
-            </a:r>
+            <a:endParaRPr lang="en-US" dirty="0"/>
           </a:p>
         </p:txBody>
       </p:sp>
@@ -869,7 +860,7 @@
           <a:p>
             <a:fld id="{2FD8D12E-95C4-274C-8538-6990C022EAF5}" type="datetimeFigureOut">
               <a:rPr lang="en-US" smtClean="0"/>
-              <a:t>6/30/2023</a:t>
+              <a:t>7/3/2023</a:t>
             </a:fld>
             <a:endParaRPr lang="en-US"/>
           </a:p>
@@ -1077,7 +1068,7 @@
           <a:p>
             <a:fld id="{2FD8D12E-95C4-274C-8538-6990C022EAF5}" type="datetimeFigureOut">
               <a:rPr lang="en-US" smtClean="0"/>
-              <a:t>6/30/2023</a:t>
+              <a:t>7/3/2023</a:t>
             </a:fld>
             <a:endParaRPr lang="en-US"/>
           </a:p>
@@ -1285,7 +1276,7 @@
           <a:p>
             <a:fld id="{2FD8D12E-95C4-274C-8538-6990C022EAF5}" type="datetimeFigureOut">
               <a:rPr lang="en-US" smtClean="0"/>
-              <a:t>6/30/2023</a:t>
+              <a:t>7/3/2023</a:t>
             </a:fld>
             <a:endParaRPr lang="en-US"/>
           </a:p>
@@ -1560,7 +1551,7 @@
           <a:p>
             <a:fld id="{2FD8D12E-95C4-274C-8538-6990C022EAF5}" type="datetimeFigureOut">
               <a:rPr lang="en-US" smtClean="0"/>
-              <a:t>6/30/2023</a:t>
+              <a:t>7/3/2023</a:t>
             </a:fld>
             <a:endParaRPr lang="en-US"/>
           </a:p>
@@ -1883,7 +1874,7 @@
           <a:p>
             <a:fld id="{2FD8D12E-95C4-274C-8538-6990C022EAF5}" type="datetimeFigureOut">
               <a:rPr lang="en-US" smtClean="0"/>
-              <a:t>6/30/2023</a:t>
+              <a:t>7/3/2023</a:t>
             </a:fld>
             <a:endParaRPr lang="en-US"/>
           </a:p>
@@ -2346,7 +2337,7 @@
           <a:p>
             <a:fld id="{2FD8D12E-95C4-274C-8538-6990C022EAF5}" type="datetimeFigureOut">
               <a:rPr lang="en-US" smtClean="0"/>
-              <a:t>6/30/2023</a:t>
+              <a:t>7/3/2023</a:t>
             </a:fld>
             <a:endParaRPr lang="en-US"/>
           </a:p>
@@ -2495,7 +2486,7 @@
           <a:p>
             <a:fld id="{2FD8D12E-95C4-274C-8538-6990C022EAF5}" type="datetimeFigureOut">
               <a:rPr lang="en-US" smtClean="0"/>
-              <a:t>6/30/2023</a:t>
+              <a:t>7/3/2023</a:t>
             </a:fld>
             <a:endParaRPr lang="en-US"/>
           </a:p>
@@ -2614,7 +2605,7 @@
           <a:p>
             <a:fld id="{2FD8D12E-95C4-274C-8538-6990C022EAF5}" type="datetimeFigureOut">
               <a:rPr lang="en-US" smtClean="0"/>
-              <a:t>6/30/2023</a:t>
+              <a:t>7/3/2023</a:t>
             </a:fld>
             <a:endParaRPr lang="en-US"/>
           </a:p>
@@ -2922,7 +2913,7 @@
           <a:p>
             <a:fld id="{2FD8D12E-95C4-274C-8538-6990C022EAF5}" type="datetimeFigureOut">
               <a:rPr lang="en-US" smtClean="0"/>
-              <a:t>6/30/2023</a:t>
+              <a:t>7/3/2023</a:t>
             </a:fld>
             <a:endParaRPr lang="en-US"/>
           </a:p>
@@ -3207,7 +3198,7 @@
           <a:p>
             <a:fld id="{2FD8D12E-95C4-274C-8538-6990C022EAF5}" type="datetimeFigureOut">
               <a:rPr lang="en-US" smtClean="0"/>
-              <a:t>6/30/2023</a:t>
+              <a:t>7/3/2023</a:t>
             </a:fld>
             <a:endParaRPr lang="en-US"/>
           </a:p>
@@ -4046,7 +4037,7 @@
         </p:nvSpPr>
         <p:spPr>
           <a:xfrm>
-            <a:off x="1371600" y="4960612"/>
+            <a:off x="1371600" y="4770944"/>
             <a:ext cx="11887200" cy="7231660"/>
           </a:xfrm>
           <a:prstGeom prst="rect">
@@ -4336,8 +4327,8 @@
         </p:nvSpPr>
         <p:spPr bwMode="auto">
           <a:xfrm>
-            <a:off x="14775648" y="15969683"/>
-            <a:ext cx="3819611" cy="438569"/>
+            <a:off x="14488806" y="18167624"/>
+            <a:ext cx="10004830" cy="438569"/>
           </a:xfrm>
           <a:prstGeom prst="rect">
             <a:avLst/>
@@ -4377,7 +4368,7 @@
           </a:extLst>
         </p:spPr>
         <p:txBody>
-          <a:bodyPr wrap="none" lIns="68568" tIns="34284" rIns="68568" bIns="34284" anchor="ctr" anchorCtr="0">
+          <a:bodyPr wrap="square" lIns="68568" tIns="34284" rIns="68568" bIns="34284" anchor="ctr" anchorCtr="0">
             <a:spAutoFit/>
           </a:bodyPr>
           <a:lstStyle/>
@@ -4391,7 +4382,7 @@
                 <a:latin typeface="Arial" panose="020B0604020202020204" pitchFamily="34" charset="0"/>
                 <a:ea typeface="Source Sans Pro" panose="020B0503030403020204" pitchFamily="34" charset="0"/>
               </a:rPr>
-              <a:t>Chart 1. </a:t>
+              <a:t>Chart 2. </a:t>
             </a:r>
             <a:r>
               <a:rPr lang="en-US" sz="2400" kern="1200" dirty="0">
@@ -4401,53 +4392,11 @@
                 <a:latin typeface="Arial" panose="020B0604020202020204" pitchFamily="34" charset="0"/>
                 <a:ea typeface="Source Sans Pro" panose="020B0503030403020204" pitchFamily="34" charset="0"/>
               </a:rPr>
-              <a:t>Label in 24pt </a:t>
-            </a:r>
-            <a:r>
-              <a:rPr lang="en-US" sz="2400" dirty="0">
-                <a:solidFill>
-                  <a:srgbClr val="000F7E"/>
-                </a:solidFill>
-                <a:latin typeface="Arial" panose="020B0604020202020204" pitchFamily="34" charset="0"/>
-                <a:ea typeface="Source Sans Pro" panose="020B0503030403020204" pitchFamily="34" charset="0"/>
-                <a:cs typeface="Times"/>
-              </a:rPr>
-              <a:t>Arial</a:t>
-            </a:r>
-            <a:endParaRPr lang="en-US" sz="2400" kern="1200" dirty="0">
-              <a:solidFill>
-                <a:srgbClr val="000F7E"/>
-              </a:solidFill>
-              <a:latin typeface="Arial" panose="020B0604020202020204" pitchFamily="34" charset="0"/>
-              <a:ea typeface="Source Sans Pro" panose="020B0503030403020204" pitchFamily="34" charset="0"/>
-            </a:endParaRPr>
-          </a:p>
-        </p:txBody>
-      </p:sp>
-      <p:pic>
-        <p:nvPicPr>
-          <p:cNvPr id="49" name="Picture 48"/>
-          <p:cNvPicPr>
-            <a:picLocks noChangeAspect="1"/>
-          </p:cNvPicPr>
-          <p:nvPr/>
-        </p:nvPicPr>
-        <p:blipFill>
-          <a:blip r:embed="rId3"/>
-          <a:stretch>
-            <a:fillRect/>
-          </a:stretch>
-        </p:blipFill>
-        <p:spPr>
-          <a:xfrm>
-            <a:off x="27889200" y="28047314"/>
-            <a:ext cx="11887200" cy="463641"/>
-          </a:xfrm>
-          <a:prstGeom prst="rect">
-            <a:avLst/>
-          </a:prstGeom>
-        </p:spPr>
-      </p:pic>
+              <a:t>Full space ATR flowsheet displaying objective and constraints.</a:t>
+            </a:r>
+          </a:p>
+        </p:txBody>
+      </p:sp>
       <p:sp>
         <p:nvSpPr>
           <p:cNvPr id="36" name="TextBox 35">
@@ -4462,7 +4411,7 @@
         </p:nvSpPr>
         <p:spPr>
           <a:xfrm>
-            <a:off x="2568169" y="16793654"/>
+            <a:off x="2497438" y="16918299"/>
             <a:ext cx="9630239" cy="2585323"/>
           </a:xfrm>
           <a:prstGeom prst="rect">
@@ -4505,8 +4454,8 @@
         </p:nvSpPr>
         <p:spPr>
           <a:xfrm>
-            <a:off x="14775648" y="16403074"/>
-            <a:ext cx="11887200" cy="3046988"/>
+            <a:off x="14624186" y="18607925"/>
+            <a:ext cx="11887200" cy="2062103"/>
           </a:xfrm>
           <a:prstGeom prst="rect">
             <a:avLst/>
@@ -4531,507 +4480,15 @@
             </a:r>
           </a:p>
           <a:p>
+            <a:pPr algn="just"/>
             <a:r>
               <a:rPr lang="en-US" sz="3200" dirty="0">
                 <a:latin typeface="Arial" panose="020B0604020202020204" pitchFamily="34" charset="0"/>
                 <a:ea typeface="Source Sans Pro" panose="020B0503030403020204" pitchFamily="34" charset="0"/>
                 <a:cs typeface="Times"/>
               </a:rPr>
-              <a:t>Lorem ipsum dolor sit </a:t>
-            </a:r>
-            <a:r>
-              <a:rPr lang="en-US" sz="3200" dirty="0" err="1">
-                <a:latin typeface="Arial" panose="020B0604020202020204" pitchFamily="34" charset="0"/>
-                <a:ea typeface="Source Sans Pro" panose="020B0503030403020204" pitchFamily="34" charset="0"/>
-                <a:cs typeface="Times"/>
-              </a:rPr>
-              <a:t>amet</a:t>
-            </a:r>
-            <a:r>
-              <a:rPr lang="en-US" sz="3200" dirty="0">
-                <a:latin typeface="Arial" panose="020B0604020202020204" pitchFamily="34" charset="0"/>
-                <a:ea typeface="Source Sans Pro" panose="020B0503030403020204" pitchFamily="34" charset="0"/>
-                <a:cs typeface="Times"/>
-              </a:rPr>
-              <a:t>, </a:t>
-            </a:r>
-            <a:r>
-              <a:rPr lang="en-US" sz="3200" dirty="0" err="1">
-                <a:latin typeface="Arial" panose="020B0604020202020204" pitchFamily="34" charset="0"/>
-                <a:ea typeface="Source Sans Pro" panose="020B0503030403020204" pitchFamily="34" charset="0"/>
-                <a:cs typeface="Times"/>
-              </a:rPr>
-              <a:t>consectetuer</a:t>
-            </a:r>
-            <a:r>
-              <a:rPr lang="en-US" sz="3200" dirty="0">
-                <a:latin typeface="Arial" panose="020B0604020202020204" pitchFamily="34" charset="0"/>
-                <a:ea typeface="Source Sans Pro" panose="020B0503030403020204" pitchFamily="34" charset="0"/>
-                <a:cs typeface="Times"/>
-              </a:rPr>
-              <a:t> </a:t>
-            </a:r>
-            <a:r>
-              <a:rPr lang="en-US" sz="3200" dirty="0" err="1">
-                <a:latin typeface="Arial" panose="020B0604020202020204" pitchFamily="34" charset="0"/>
-                <a:ea typeface="Source Sans Pro" panose="020B0503030403020204" pitchFamily="34" charset="0"/>
-                <a:cs typeface="Times"/>
-              </a:rPr>
-              <a:t>adipiscing</a:t>
-            </a:r>
-            <a:r>
-              <a:rPr lang="en-US" sz="3200" dirty="0">
-                <a:latin typeface="Arial" panose="020B0604020202020204" pitchFamily="34" charset="0"/>
-                <a:ea typeface="Source Sans Pro" panose="020B0503030403020204" pitchFamily="34" charset="0"/>
-                <a:cs typeface="Times"/>
-              </a:rPr>
-              <a:t> </a:t>
-            </a:r>
-            <a:r>
-              <a:rPr lang="en-US" sz="3200" dirty="0" err="1">
-                <a:latin typeface="Arial" panose="020B0604020202020204" pitchFamily="34" charset="0"/>
-                <a:ea typeface="Source Sans Pro" panose="020B0503030403020204" pitchFamily="34" charset="0"/>
-                <a:cs typeface="Times"/>
-              </a:rPr>
-              <a:t>elit</a:t>
-            </a:r>
-            <a:r>
-              <a:rPr lang="en-US" sz="3200" dirty="0">
-                <a:latin typeface="Arial" panose="020B0604020202020204" pitchFamily="34" charset="0"/>
-                <a:ea typeface="Source Sans Pro" panose="020B0503030403020204" pitchFamily="34" charset="0"/>
-                <a:cs typeface="Times"/>
-              </a:rPr>
-              <a:t>, s </a:t>
-            </a:r>
-            <a:r>
-              <a:rPr lang="en-US" sz="3200" dirty="0" err="1">
-                <a:latin typeface="Arial" panose="020B0604020202020204" pitchFamily="34" charset="0"/>
-                <a:ea typeface="Source Sans Pro" panose="020B0503030403020204" pitchFamily="34" charset="0"/>
-                <a:cs typeface="Times"/>
-              </a:rPr>
-              <a:t>zzril</a:t>
-            </a:r>
-            <a:r>
-              <a:rPr lang="en-US" sz="3200" dirty="0">
-                <a:latin typeface="Arial" panose="020B0604020202020204" pitchFamily="34" charset="0"/>
-                <a:ea typeface="Source Sans Pro" panose="020B0503030403020204" pitchFamily="34" charset="0"/>
-                <a:cs typeface="Times"/>
-              </a:rPr>
-              <a:t> </a:t>
-            </a:r>
-            <a:r>
-              <a:rPr lang="en-US" sz="3200" dirty="0" err="1">
-                <a:latin typeface="Arial" panose="020B0604020202020204" pitchFamily="34" charset="0"/>
-                <a:ea typeface="Source Sans Pro" panose="020B0503030403020204" pitchFamily="34" charset="0"/>
-                <a:cs typeface="Times"/>
-              </a:rPr>
-              <a:t>delenit</a:t>
-            </a:r>
-            <a:r>
-              <a:rPr lang="en-US" sz="3200" dirty="0">
-                <a:latin typeface="Arial" panose="020B0604020202020204" pitchFamily="34" charset="0"/>
-                <a:ea typeface="Source Sans Pro" panose="020B0503030403020204" pitchFamily="34" charset="0"/>
-                <a:cs typeface="Times"/>
-              </a:rPr>
-              <a:t> </a:t>
-            </a:r>
-            <a:r>
-              <a:rPr lang="en-US" sz="3200" dirty="0" err="1">
-                <a:latin typeface="Arial" panose="020B0604020202020204" pitchFamily="34" charset="0"/>
-                <a:ea typeface="Source Sans Pro" panose="020B0503030403020204" pitchFamily="34" charset="0"/>
-                <a:cs typeface="Times"/>
-              </a:rPr>
-              <a:t>augue</a:t>
-            </a:r>
-            <a:r>
-              <a:rPr lang="en-US" sz="3200" dirty="0">
-                <a:latin typeface="Arial" panose="020B0604020202020204" pitchFamily="34" charset="0"/>
-                <a:ea typeface="Source Sans Pro" panose="020B0503030403020204" pitchFamily="34" charset="0"/>
-                <a:cs typeface="Times"/>
-              </a:rPr>
-              <a:t> </a:t>
-            </a:r>
-            <a:r>
-              <a:rPr lang="en-US" sz="3200" dirty="0" err="1">
-                <a:latin typeface="Arial" panose="020B0604020202020204" pitchFamily="34" charset="0"/>
-                <a:ea typeface="Source Sans Pro" panose="020B0503030403020204" pitchFamily="34" charset="0"/>
-                <a:cs typeface="Times"/>
-              </a:rPr>
-              <a:t>duis</a:t>
-            </a:r>
-            <a:r>
-              <a:rPr lang="en-US" sz="3200" dirty="0">
-                <a:latin typeface="Arial" panose="020B0604020202020204" pitchFamily="34" charset="0"/>
-                <a:ea typeface="Source Sans Pro" panose="020B0503030403020204" pitchFamily="34" charset="0"/>
-                <a:cs typeface="Times"/>
-              </a:rPr>
-              <a:t> dolore </a:t>
-            </a:r>
-            <a:r>
-              <a:rPr lang="en-US" sz="3200" dirty="0" err="1">
-                <a:latin typeface="Arial" panose="020B0604020202020204" pitchFamily="34" charset="0"/>
-                <a:ea typeface="Source Sans Pro" panose="020B0503030403020204" pitchFamily="34" charset="0"/>
-                <a:cs typeface="Times"/>
-              </a:rPr>
-              <a:t>te</a:t>
-            </a:r>
-            <a:r>
-              <a:rPr lang="en-US" sz="3200" dirty="0">
-                <a:latin typeface="Arial" panose="020B0604020202020204" pitchFamily="34" charset="0"/>
-                <a:ea typeface="Source Sans Pro" panose="020B0503030403020204" pitchFamily="34" charset="0"/>
-                <a:cs typeface="Times"/>
-              </a:rPr>
-              <a:t> </a:t>
-            </a:r>
-            <a:r>
-              <a:rPr lang="en-US" sz="3200" dirty="0" err="1">
-                <a:latin typeface="Arial" panose="020B0604020202020204" pitchFamily="34" charset="0"/>
-                <a:ea typeface="Source Sans Pro" panose="020B0503030403020204" pitchFamily="34" charset="0"/>
-                <a:cs typeface="Times"/>
-              </a:rPr>
-              <a:t>feugait</a:t>
-            </a:r>
-            <a:r>
-              <a:rPr lang="en-US" sz="3200" dirty="0">
-                <a:latin typeface="Arial" panose="020B0604020202020204" pitchFamily="34" charset="0"/>
-                <a:ea typeface="Source Sans Pro" panose="020B0503030403020204" pitchFamily="34" charset="0"/>
-                <a:cs typeface="Times"/>
-              </a:rPr>
-              <a:t> </a:t>
-            </a:r>
-            <a:r>
-              <a:rPr lang="en-US" sz="3200" dirty="0" err="1">
-                <a:latin typeface="Arial" panose="020B0604020202020204" pitchFamily="34" charset="0"/>
-                <a:ea typeface="Source Sans Pro" panose="020B0503030403020204" pitchFamily="34" charset="0"/>
-                <a:cs typeface="Times"/>
-              </a:rPr>
-              <a:t>nulla</a:t>
-            </a:r>
-            <a:r>
-              <a:rPr lang="en-US" sz="3200" dirty="0">
-                <a:latin typeface="Arial" panose="020B0604020202020204" pitchFamily="34" charset="0"/>
-                <a:ea typeface="Source Sans Pro" panose="020B0503030403020204" pitchFamily="34" charset="0"/>
-                <a:cs typeface="Times"/>
-              </a:rPr>
-              <a:t> </a:t>
-            </a:r>
-            <a:r>
-              <a:rPr lang="en-US" sz="3200" dirty="0" err="1">
-                <a:latin typeface="Arial" panose="020B0604020202020204" pitchFamily="34" charset="0"/>
-                <a:ea typeface="Source Sans Pro" panose="020B0503030403020204" pitchFamily="34" charset="0"/>
-                <a:cs typeface="Times"/>
-              </a:rPr>
-              <a:t>facilisi</a:t>
-            </a:r>
-            <a:r>
-              <a:rPr lang="en-US" sz="3200" dirty="0">
-                <a:latin typeface="Arial" panose="020B0604020202020204" pitchFamily="34" charset="0"/>
-                <a:ea typeface="Source Sans Pro" panose="020B0503030403020204" pitchFamily="34" charset="0"/>
-                <a:cs typeface="Times"/>
-              </a:rPr>
-              <a:t>. Lorem ipsum dolor sit </a:t>
-            </a:r>
-            <a:r>
-              <a:rPr lang="en-US" sz="3200" dirty="0" err="1">
-                <a:latin typeface="Arial" panose="020B0604020202020204" pitchFamily="34" charset="0"/>
-                <a:ea typeface="Source Sans Pro" panose="020B0503030403020204" pitchFamily="34" charset="0"/>
-                <a:cs typeface="Times"/>
-              </a:rPr>
-              <a:t>amet</a:t>
-            </a:r>
-            <a:r>
-              <a:rPr lang="en-US" sz="3200" dirty="0">
-                <a:latin typeface="Arial" panose="020B0604020202020204" pitchFamily="34" charset="0"/>
-                <a:ea typeface="Source Sans Pro" panose="020B0503030403020204" pitchFamily="34" charset="0"/>
-                <a:cs typeface="Times"/>
-              </a:rPr>
-              <a:t>, </a:t>
-            </a:r>
-            <a:r>
-              <a:rPr lang="en-US" sz="3200" dirty="0" err="1">
-                <a:latin typeface="Arial" panose="020B0604020202020204" pitchFamily="34" charset="0"/>
-                <a:ea typeface="Source Sans Pro" panose="020B0503030403020204" pitchFamily="34" charset="0"/>
-                <a:cs typeface="Times"/>
-              </a:rPr>
-              <a:t>consectetuer</a:t>
-            </a:r>
-            <a:r>
-              <a:rPr lang="en-US" sz="3200" dirty="0">
-                <a:latin typeface="Arial" panose="020B0604020202020204" pitchFamily="34" charset="0"/>
-                <a:ea typeface="Source Sans Pro" panose="020B0503030403020204" pitchFamily="34" charset="0"/>
-                <a:cs typeface="Times"/>
-              </a:rPr>
-              <a:t> </a:t>
-            </a:r>
-            <a:r>
-              <a:rPr lang="en-US" sz="3200" dirty="0" err="1">
-                <a:latin typeface="Arial" panose="020B0604020202020204" pitchFamily="34" charset="0"/>
-                <a:ea typeface="Source Sans Pro" panose="020B0503030403020204" pitchFamily="34" charset="0"/>
-                <a:cs typeface="Times"/>
-              </a:rPr>
-              <a:t>adipiscing</a:t>
-            </a:r>
-            <a:r>
-              <a:rPr lang="en-US" sz="3200" dirty="0">
-                <a:latin typeface="Arial" panose="020B0604020202020204" pitchFamily="34" charset="0"/>
-                <a:ea typeface="Source Sans Pro" panose="020B0503030403020204" pitchFamily="34" charset="0"/>
-                <a:cs typeface="Times"/>
-              </a:rPr>
-              <a:t> </a:t>
-            </a:r>
-            <a:r>
-              <a:rPr lang="en-US" sz="3200" dirty="0" err="1">
-                <a:latin typeface="Arial" panose="020B0604020202020204" pitchFamily="34" charset="0"/>
-                <a:ea typeface="Source Sans Pro" panose="020B0503030403020204" pitchFamily="34" charset="0"/>
-                <a:cs typeface="Times"/>
-              </a:rPr>
-              <a:t>elit</a:t>
-            </a:r>
-            <a:r>
-              <a:rPr lang="en-US" sz="3200" dirty="0">
-                <a:latin typeface="Arial" panose="020B0604020202020204" pitchFamily="34" charset="0"/>
-                <a:ea typeface="Source Sans Pro" panose="020B0503030403020204" pitchFamily="34" charset="0"/>
-                <a:cs typeface="Times"/>
-              </a:rPr>
-              <a:t>, sed diam </a:t>
-            </a:r>
-            <a:r>
-              <a:rPr lang="en-US" sz="3200" dirty="0" err="1">
-                <a:latin typeface="Arial" panose="020B0604020202020204" pitchFamily="34" charset="0"/>
-                <a:ea typeface="Source Sans Pro" panose="020B0503030403020204" pitchFamily="34" charset="0"/>
-                <a:cs typeface="Times"/>
-              </a:rPr>
-              <a:t>nonummy</a:t>
-            </a:r>
-            <a:r>
-              <a:rPr lang="en-US" sz="3200" dirty="0">
-                <a:latin typeface="Arial" panose="020B0604020202020204" pitchFamily="34" charset="0"/>
-                <a:ea typeface="Source Sans Pro" panose="020B0503030403020204" pitchFamily="34" charset="0"/>
-                <a:cs typeface="Times"/>
-              </a:rPr>
-              <a:t> </a:t>
-            </a:r>
-            <a:r>
-              <a:rPr lang="en-US" sz="3200" dirty="0" err="1">
-                <a:latin typeface="Arial" panose="020B0604020202020204" pitchFamily="34" charset="0"/>
-                <a:ea typeface="Source Sans Pro" panose="020B0503030403020204" pitchFamily="34" charset="0"/>
-                <a:cs typeface="Times"/>
-              </a:rPr>
-              <a:t>nibh</a:t>
-            </a:r>
-            <a:r>
-              <a:rPr lang="en-US" sz="3200" dirty="0">
-                <a:latin typeface="Arial" panose="020B0604020202020204" pitchFamily="34" charset="0"/>
-                <a:ea typeface="Source Sans Pro" panose="020B0503030403020204" pitchFamily="34" charset="0"/>
-                <a:cs typeface="Times"/>
-              </a:rPr>
-              <a:t> </a:t>
-            </a:r>
-            <a:r>
-              <a:rPr lang="en-US" sz="3200" dirty="0" err="1">
-                <a:latin typeface="Arial" panose="020B0604020202020204" pitchFamily="34" charset="0"/>
-                <a:ea typeface="Source Sans Pro" panose="020B0503030403020204" pitchFamily="34" charset="0"/>
-                <a:cs typeface="Times"/>
-              </a:rPr>
-              <a:t>euismod</a:t>
-            </a:r>
-            <a:r>
-              <a:rPr lang="en-US" sz="3200" dirty="0">
-                <a:latin typeface="Arial" panose="020B0604020202020204" pitchFamily="34" charset="0"/>
-                <a:ea typeface="Source Sans Pro" panose="020B0503030403020204" pitchFamily="34" charset="0"/>
-                <a:cs typeface="Times"/>
-              </a:rPr>
-              <a:t> </a:t>
-            </a:r>
-            <a:r>
-              <a:rPr lang="en-US" sz="3200" dirty="0" err="1">
-                <a:latin typeface="Arial" panose="020B0604020202020204" pitchFamily="34" charset="0"/>
-                <a:ea typeface="Source Sans Pro" panose="020B0503030403020204" pitchFamily="34" charset="0"/>
-                <a:cs typeface="Times"/>
-              </a:rPr>
-              <a:t>tincidunt</a:t>
-            </a:r>
-            <a:r>
-              <a:rPr lang="en-US" sz="3200" dirty="0">
-                <a:latin typeface="Arial" panose="020B0604020202020204" pitchFamily="34" charset="0"/>
-                <a:ea typeface="Source Sans Pro" panose="020B0503030403020204" pitchFamily="34" charset="0"/>
-                <a:cs typeface="Times"/>
-              </a:rPr>
-              <a:t> </a:t>
-            </a:r>
-            <a:r>
-              <a:rPr lang="en-US" sz="3200" dirty="0" err="1">
-                <a:latin typeface="Arial" panose="020B0604020202020204" pitchFamily="34" charset="0"/>
-                <a:ea typeface="Source Sans Pro" panose="020B0503030403020204" pitchFamily="34" charset="0"/>
-                <a:cs typeface="Times"/>
-              </a:rPr>
-              <a:t>ut</a:t>
-            </a:r>
-            <a:r>
-              <a:rPr lang="en-US" sz="3200" dirty="0">
-                <a:latin typeface="Arial" panose="020B0604020202020204" pitchFamily="34" charset="0"/>
-                <a:ea typeface="Source Sans Pro" panose="020B0503030403020204" pitchFamily="34" charset="0"/>
-                <a:cs typeface="Times"/>
-              </a:rPr>
-              <a:t> </a:t>
-            </a:r>
-            <a:r>
-              <a:rPr lang="en-US" sz="3200" dirty="0" err="1">
-                <a:latin typeface="Arial" panose="020B0604020202020204" pitchFamily="34" charset="0"/>
-                <a:ea typeface="Source Sans Pro" panose="020B0503030403020204" pitchFamily="34" charset="0"/>
-                <a:cs typeface="Times"/>
-              </a:rPr>
-              <a:t>laoreet</a:t>
-            </a:r>
-            <a:r>
-              <a:rPr lang="en-US" sz="3200" dirty="0">
-                <a:latin typeface="Arial" panose="020B0604020202020204" pitchFamily="34" charset="0"/>
-                <a:ea typeface="Source Sans Pro" panose="020B0503030403020204" pitchFamily="34" charset="0"/>
-                <a:cs typeface="Times"/>
-              </a:rPr>
-              <a:t> dolore magna </a:t>
-            </a:r>
-            <a:r>
-              <a:rPr lang="en-US" sz="3200" dirty="0" err="1">
-                <a:latin typeface="Arial" panose="020B0604020202020204" pitchFamily="34" charset="0"/>
-                <a:ea typeface="Source Sans Pro" panose="020B0503030403020204" pitchFamily="34" charset="0"/>
-                <a:cs typeface="Times"/>
-              </a:rPr>
-              <a:t>aliquam</a:t>
-            </a:r>
-            <a:r>
-              <a:rPr lang="en-US" sz="3200" dirty="0">
-                <a:latin typeface="Arial" panose="020B0604020202020204" pitchFamily="34" charset="0"/>
-                <a:ea typeface="Source Sans Pro" panose="020B0503030403020204" pitchFamily="34" charset="0"/>
-                <a:cs typeface="Times"/>
-              </a:rPr>
-              <a:t> </a:t>
-            </a:r>
-            <a:r>
-              <a:rPr lang="en-US" sz="3200" dirty="0" err="1">
-                <a:latin typeface="Arial" panose="020B0604020202020204" pitchFamily="34" charset="0"/>
-                <a:ea typeface="Source Sans Pro" panose="020B0503030403020204" pitchFamily="34" charset="0"/>
-                <a:cs typeface="Times"/>
-              </a:rPr>
-              <a:t>erat</a:t>
-            </a:r>
-            <a:r>
-              <a:rPr lang="en-US" sz="3200" dirty="0">
-                <a:latin typeface="Arial" panose="020B0604020202020204" pitchFamily="34" charset="0"/>
-                <a:ea typeface="Source Sans Pro" panose="020B0503030403020204" pitchFamily="34" charset="0"/>
-                <a:cs typeface="Times"/>
-              </a:rPr>
-              <a:t> </a:t>
-            </a:r>
-            <a:r>
-              <a:rPr lang="en-US" sz="3200" dirty="0" err="1">
-                <a:latin typeface="Arial" panose="020B0604020202020204" pitchFamily="34" charset="0"/>
-                <a:ea typeface="Source Sans Pro" panose="020B0503030403020204" pitchFamily="34" charset="0"/>
-                <a:cs typeface="Times"/>
-              </a:rPr>
-              <a:t>volutpat</a:t>
-            </a:r>
-            <a:r>
-              <a:rPr lang="en-US" sz="3200" dirty="0">
-                <a:latin typeface="Arial" panose="020B0604020202020204" pitchFamily="34" charset="0"/>
-                <a:ea typeface="Source Sans Pro" panose="020B0503030403020204" pitchFamily="34" charset="0"/>
-                <a:cs typeface="Times"/>
-              </a:rPr>
-              <a:t>. Ut </a:t>
-            </a:r>
-            <a:r>
-              <a:rPr lang="en-US" sz="3200" dirty="0" err="1">
-                <a:latin typeface="Arial" panose="020B0604020202020204" pitchFamily="34" charset="0"/>
-                <a:ea typeface="Source Sans Pro" panose="020B0503030403020204" pitchFamily="34" charset="0"/>
-                <a:cs typeface="Times"/>
-              </a:rPr>
-              <a:t>wisi</a:t>
-            </a:r>
-            <a:r>
-              <a:rPr lang="en-US" sz="3200" dirty="0">
-                <a:latin typeface="Arial" panose="020B0604020202020204" pitchFamily="34" charset="0"/>
-                <a:ea typeface="Source Sans Pro" panose="020B0503030403020204" pitchFamily="34" charset="0"/>
-                <a:cs typeface="Times"/>
-              </a:rPr>
-              <a:t> </a:t>
-            </a:r>
-            <a:r>
-              <a:rPr lang="en-US" sz="3200" dirty="0" err="1">
-                <a:latin typeface="Arial" panose="020B0604020202020204" pitchFamily="34" charset="0"/>
-                <a:ea typeface="Source Sans Pro" panose="020B0503030403020204" pitchFamily="34" charset="0"/>
-                <a:cs typeface="Times"/>
-              </a:rPr>
-              <a:t>enim</a:t>
-            </a:r>
-            <a:r>
-              <a:rPr lang="en-US" sz="3200" dirty="0">
-                <a:latin typeface="Arial" panose="020B0604020202020204" pitchFamily="34" charset="0"/>
-                <a:ea typeface="Source Sans Pro" panose="020B0503030403020204" pitchFamily="34" charset="0"/>
-                <a:cs typeface="Times"/>
-              </a:rPr>
-              <a:t> ad minim </a:t>
-            </a:r>
-            <a:r>
-              <a:rPr lang="en-US" sz="3200" dirty="0" err="1">
-                <a:latin typeface="Arial" panose="020B0604020202020204" pitchFamily="34" charset="0"/>
-                <a:ea typeface="Source Sans Pro" panose="020B0503030403020204" pitchFamily="34" charset="0"/>
-                <a:cs typeface="Times"/>
-              </a:rPr>
-              <a:t>veniam</a:t>
-            </a:r>
-            <a:r>
-              <a:rPr lang="en-US" sz="3200" dirty="0">
-                <a:latin typeface="Arial" panose="020B0604020202020204" pitchFamily="34" charset="0"/>
-                <a:ea typeface="Source Sans Pro" panose="020B0503030403020204" pitchFamily="34" charset="0"/>
-                <a:cs typeface="Times"/>
-              </a:rPr>
-              <a:t>, </a:t>
-            </a:r>
-            <a:r>
-              <a:rPr lang="en-US" sz="3200" dirty="0" err="1">
-                <a:latin typeface="Arial" panose="020B0604020202020204" pitchFamily="34" charset="0"/>
-                <a:ea typeface="Source Sans Pro" panose="020B0503030403020204" pitchFamily="34" charset="0"/>
-                <a:cs typeface="Times"/>
-              </a:rPr>
-              <a:t>quis</a:t>
-            </a:r>
-            <a:r>
-              <a:rPr lang="en-US" sz="3200" dirty="0">
-                <a:latin typeface="Arial" panose="020B0604020202020204" pitchFamily="34" charset="0"/>
-                <a:ea typeface="Source Sans Pro" panose="020B0503030403020204" pitchFamily="34" charset="0"/>
-                <a:cs typeface="Times"/>
-              </a:rPr>
-              <a:t> </a:t>
-            </a:r>
-            <a:r>
-              <a:rPr lang="en-US" sz="3200" dirty="0" err="1">
-                <a:latin typeface="Arial" panose="020B0604020202020204" pitchFamily="34" charset="0"/>
-                <a:ea typeface="Source Sans Pro" panose="020B0503030403020204" pitchFamily="34" charset="0"/>
-                <a:cs typeface="Times"/>
-              </a:rPr>
-              <a:t>nostrud</a:t>
-            </a:r>
-            <a:r>
-              <a:rPr lang="en-US" sz="3200" dirty="0">
-                <a:latin typeface="Arial" panose="020B0604020202020204" pitchFamily="34" charset="0"/>
-                <a:ea typeface="Source Sans Pro" panose="020B0503030403020204" pitchFamily="34" charset="0"/>
-                <a:cs typeface="Times"/>
-              </a:rPr>
-              <a:t> </a:t>
-            </a:r>
-            <a:r>
-              <a:rPr lang="en-US" sz="3200" dirty="0" err="1">
-                <a:latin typeface="Arial" panose="020B0604020202020204" pitchFamily="34" charset="0"/>
-                <a:ea typeface="Source Sans Pro" panose="020B0503030403020204" pitchFamily="34" charset="0"/>
-                <a:cs typeface="Times"/>
-              </a:rPr>
-              <a:t>exerci</a:t>
-            </a:r>
-            <a:endParaRPr lang="en-US" sz="3200" dirty="0">
-              <a:latin typeface="Arial" panose="020B0604020202020204" pitchFamily="34" charset="0"/>
-              <a:ea typeface="Source Sans Pro" panose="020B0503030403020204" pitchFamily="34" charset="0"/>
-              <a:cs typeface="Times"/>
-            </a:endParaRPr>
+              <a:t>This flowsheet was modeled exactly as the one in Chart 2. Main difference is that instead of using a first principles reactor, we use a surrogate model block consisting of simple polynomials.</a:t>
+            </a:r>
           </a:p>
         </p:txBody>
       </p:sp>
@@ -5049,7 +4506,7 @@
         </p:nvSpPr>
         <p:spPr>
           <a:xfrm>
-            <a:off x="1484934" y="19609178"/>
+            <a:off x="1510797" y="22159403"/>
             <a:ext cx="11887200" cy="6986528"/>
           </a:xfrm>
           <a:prstGeom prst="rect">
@@ -5177,8 +4634,8 @@
         </p:nvSpPr>
         <p:spPr>
           <a:xfrm>
-            <a:off x="14775648" y="4960612"/>
-            <a:ext cx="11887200" cy="3170099"/>
+            <a:off x="14488806" y="4764837"/>
+            <a:ext cx="11887200" cy="3416320"/>
           </a:xfrm>
           <a:prstGeom prst="rect">
             <a:avLst/>
@@ -5202,319 +4659,25 @@
               </a:rPr>
               <a:t>Methods</a:t>
             </a:r>
-            <a:endParaRPr lang="en-US" dirty="0">
+          </a:p>
+          <a:p>
+            <a:pPr lvl="0"/>
+            <a:endParaRPr lang="en-US" sz="7200" b="1" dirty="0">
               <a:solidFill>
                 <a:srgbClr val="000F7E"/>
               </a:solidFill>
               <a:latin typeface="Arial" panose="020B0604020202020204" pitchFamily="34" charset="0"/>
+              <a:cs typeface="Arial" panose="020B0604020202020204" pitchFamily="34" charset="0"/>
             </a:endParaRPr>
           </a:p>
           <a:p>
-            <a:r>
-              <a:rPr lang="en-US" sz="3200" b="1" spc="300" dirty="0">
-                <a:solidFill>
-                  <a:srgbClr val="000F7E"/>
-                </a:solidFill>
-                <a:latin typeface="Arial" panose="020B0604020202020204" pitchFamily="34" charset="0"/>
-                <a:ea typeface="Source Sans Pro" panose="020B0503030403020204" pitchFamily="34" charset="0"/>
-                <a:cs typeface="Arial" panose="020B0604020202020204" pitchFamily="34" charset="0"/>
-              </a:rPr>
-              <a:t>FULL SPACE ATR FLOWSHEET</a:t>
-            </a:r>
-          </a:p>
-          <a:p>
-            <a:r>
-              <a:rPr lang="en-US" sz="3200" dirty="0">
-                <a:latin typeface="Arial" panose="020B0604020202020204" pitchFamily="34" charset="0"/>
-                <a:ea typeface="Source Sans Pro" panose="020B0503030403020204" pitchFamily="34" charset="0"/>
-                <a:cs typeface="Times"/>
-              </a:rPr>
-              <a:t>Lorem ipsum dolor sit </a:t>
-            </a:r>
-            <a:r>
-              <a:rPr lang="en-US" sz="3200" dirty="0" err="1">
-                <a:latin typeface="Arial" panose="020B0604020202020204" pitchFamily="34" charset="0"/>
-                <a:ea typeface="Source Sans Pro" panose="020B0503030403020204" pitchFamily="34" charset="0"/>
-                <a:cs typeface="Times"/>
-              </a:rPr>
-              <a:t>amet</a:t>
-            </a:r>
-            <a:r>
-              <a:rPr lang="en-US" sz="3200" dirty="0">
-                <a:latin typeface="Arial" panose="020B0604020202020204" pitchFamily="34" charset="0"/>
-                <a:ea typeface="Source Sans Pro" panose="020B0503030403020204" pitchFamily="34" charset="0"/>
-                <a:cs typeface="Times"/>
-              </a:rPr>
-              <a:t>, </a:t>
-            </a:r>
-            <a:r>
-              <a:rPr lang="en-US" sz="3200" dirty="0" err="1">
-                <a:latin typeface="Arial" panose="020B0604020202020204" pitchFamily="34" charset="0"/>
-                <a:ea typeface="Source Sans Pro" panose="020B0503030403020204" pitchFamily="34" charset="0"/>
-                <a:cs typeface="Times"/>
-              </a:rPr>
-              <a:t>consectetuer</a:t>
-            </a:r>
-            <a:r>
-              <a:rPr lang="en-US" sz="3200" dirty="0">
-                <a:latin typeface="Arial" panose="020B0604020202020204" pitchFamily="34" charset="0"/>
-                <a:ea typeface="Source Sans Pro" panose="020B0503030403020204" pitchFamily="34" charset="0"/>
-                <a:cs typeface="Times"/>
-              </a:rPr>
-              <a:t> </a:t>
-            </a:r>
-            <a:r>
-              <a:rPr lang="en-US" sz="3200" dirty="0" err="1">
-                <a:latin typeface="Arial" panose="020B0604020202020204" pitchFamily="34" charset="0"/>
-                <a:ea typeface="Source Sans Pro" panose="020B0503030403020204" pitchFamily="34" charset="0"/>
-                <a:cs typeface="Times"/>
-              </a:rPr>
-              <a:t>adipiscing</a:t>
-            </a:r>
-            <a:r>
-              <a:rPr lang="en-US" sz="3200" dirty="0">
-                <a:latin typeface="Arial" panose="020B0604020202020204" pitchFamily="34" charset="0"/>
-                <a:ea typeface="Source Sans Pro" panose="020B0503030403020204" pitchFamily="34" charset="0"/>
-                <a:cs typeface="Times"/>
-              </a:rPr>
-              <a:t> </a:t>
-            </a:r>
-            <a:r>
-              <a:rPr lang="en-US" sz="3200" dirty="0" err="1">
-                <a:latin typeface="Arial" panose="020B0604020202020204" pitchFamily="34" charset="0"/>
-                <a:ea typeface="Source Sans Pro" panose="020B0503030403020204" pitchFamily="34" charset="0"/>
-                <a:cs typeface="Times"/>
-              </a:rPr>
-              <a:t>elit</a:t>
-            </a:r>
-            <a:r>
-              <a:rPr lang="en-US" sz="3200" dirty="0">
-                <a:latin typeface="Arial" panose="020B0604020202020204" pitchFamily="34" charset="0"/>
-                <a:ea typeface="Source Sans Pro" panose="020B0503030403020204" pitchFamily="34" charset="0"/>
-                <a:cs typeface="Times"/>
-              </a:rPr>
-              <a:t>, sed diam </a:t>
-            </a:r>
-            <a:r>
-              <a:rPr lang="en-US" sz="3200" dirty="0" err="1">
-                <a:latin typeface="Arial" panose="020B0604020202020204" pitchFamily="34" charset="0"/>
-                <a:ea typeface="Source Sans Pro" panose="020B0503030403020204" pitchFamily="34" charset="0"/>
-                <a:cs typeface="Times"/>
-              </a:rPr>
-              <a:t>nonummy</a:t>
-            </a:r>
-            <a:r>
-              <a:rPr lang="en-US" sz="3200" dirty="0">
-                <a:latin typeface="Arial" panose="020B0604020202020204" pitchFamily="34" charset="0"/>
-                <a:ea typeface="Source Sans Pro" panose="020B0503030403020204" pitchFamily="34" charset="0"/>
-                <a:cs typeface="Times"/>
-              </a:rPr>
-              <a:t> </a:t>
-            </a:r>
-            <a:r>
-              <a:rPr lang="en-US" sz="3200" dirty="0" err="1">
-                <a:latin typeface="Arial" panose="020B0604020202020204" pitchFamily="34" charset="0"/>
-                <a:ea typeface="Source Sans Pro" panose="020B0503030403020204" pitchFamily="34" charset="0"/>
-                <a:cs typeface="Times"/>
-              </a:rPr>
-              <a:t>nibh</a:t>
-            </a:r>
-            <a:r>
-              <a:rPr lang="en-US" sz="3200" dirty="0">
-                <a:latin typeface="Arial" panose="020B0604020202020204" pitchFamily="34" charset="0"/>
-                <a:ea typeface="Source Sans Pro" panose="020B0503030403020204" pitchFamily="34" charset="0"/>
-                <a:cs typeface="Times"/>
-              </a:rPr>
-              <a:t> </a:t>
-            </a:r>
-            <a:r>
-              <a:rPr lang="en-US" sz="3200" dirty="0" err="1">
-                <a:latin typeface="Arial" panose="020B0604020202020204" pitchFamily="34" charset="0"/>
-                <a:ea typeface="Source Sans Pro" panose="020B0503030403020204" pitchFamily="34" charset="0"/>
-                <a:cs typeface="Times"/>
-              </a:rPr>
-              <a:t>euismod</a:t>
-            </a:r>
-            <a:r>
-              <a:rPr lang="en-US" sz="3200" dirty="0">
-                <a:latin typeface="Arial" panose="020B0604020202020204" pitchFamily="34" charset="0"/>
-                <a:ea typeface="Source Sans Pro" panose="020B0503030403020204" pitchFamily="34" charset="0"/>
-                <a:cs typeface="Times"/>
-              </a:rPr>
-              <a:t> </a:t>
-            </a:r>
-            <a:r>
-              <a:rPr lang="en-US" sz="3200" dirty="0" err="1">
-                <a:latin typeface="Arial" panose="020B0604020202020204" pitchFamily="34" charset="0"/>
-                <a:ea typeface="Source Sans Pro" panose="020B0503030403020204" pitchFamily="34" charset="0"/>
-                <a:cs typeface="Times"/>
-              </a:rPr>
-              <a:t>tincidunt</a:t>
-            </a:r>
-            <a:r>
-              <a:rPr lang="en-US" sz="3200" dirty="0">
-                <a:latin typeface="Arial" panose="020B0604020202020204" pitchFamily="34" charset="0"/>
-                <a:ea typeface="Source Sans Pro" panose="020B0503030403020204" pitchFamily="34" charset="0"/>
-                <a:cs typeface="Times"/>
-              </a:rPr>
-              <a:t> </a:t>
-            </a:r>
-            <a:r>
-              <a:rPr lang="en-US" sz="3200" dirty="0" err="1">
-                <a:latin typeface="Arial" panose="020B0604020202020204" pitchFamily="34" charset="0"/>
-                <a:ea typeface="Source Sans Pro" panose="020B0503030403020204" pitchFamily="34" charset="0"/>
-                <a:cs typeface="Times"/>
-              </a:rPr>
-              <a:t>ut</a:t>
-            </a:r>
-            <a:r>
-              <a:rPr lang="en-US" sz="3200" dirty="0">
-                <a:latin typeface="Arial" panose="020B0604020202020204" pitchFamily="34" charset="0"/>
-                <a:ea typeface="Source Sans Pro" panose="020B0503030403020204" pitchFamily="34" charset="0"/>
-                <a:cs typeface="Times"/>
-              </a:rPr>
-              <a:t> </a:t>
-            </a:r>
-            <a:r>
-              <a:rPr lang="en-US" sz="3200" dirty="0" err="1">
-                <a:latin typeface="Arial" panose="020B0604020202020204" pitchFamily="34" charset="0"/>
-                <a:ea typeface="Source Sans Pro" panose="020B0503030403020204" pitchFamily="34" charset="0"/>
-                <a:cs typeface="Times"/>
-              </a:rPr>
-              <a:t>laoreet</a:t>
-            </a:r>
-            <a:r>
-              <a:rPr lang="en-US" sz="3200" dirty="0">
-                <a:latin typeface="Arial" panose="020B0604020202020204" pitchFamily="34" charset="0"/>
-                <a:ea typeface="Source Sans Pro" panose="020B0503030403020204" pitchFamily="34" charset="0"/>
-                <a:cs typeface="Times"/>
-              </a:rPr>
-              <a:t> dolore magna </a:t>
-            </a:r>
-            <a:r>
-              <a:rPr lang="en-US" sz="3200" dirty="0" err="1">
-                <a:latin typeface="Arial" panose="020B0604020202020204" pitchFamily="34" charset="0"/>
-                <a:ea typeface="Source Sans Pro" panose="020B0503030403020204" pitchFamily="34" charset="0"/>
-                <a:cs typeface="Times"/>
-              </a:rPr>
-              <a:t>aliquam</a:t>
-            </a:r>
-            <a:r>
-              <a:rPr lang="en-US" sz="3200" dirty="0">
-                <a:latin typeface="Arial" panose="020B0604020202020204" pitchFamily="34" charset="0"/>
-                <a:ea typeface="Source Sans Pro" panose="020B0503030403020204" pitchFamily="34" charset="0"/>
-                <a:cs typeface="Times"/>
-              </a:rPr>
-              <a:t> </a:t>
-            </a:r>
-            <a:r>
-              <a:rPr lang="en-US" sz="3200" dirty="0" err="1">
-                <a:latin typeface="Arial" panose="020B0604020202020204" pitchFamily="34" charset="0"/>
-                <a:ea typeface="Source Sans Pro" panose="020B0503030403020204" pitchFamily="34" charset="0"/>
-                <a:cs typeface="Times"/>
-              </a:rPr>
-              <a:t>erat</a:t>
-            </a:r>
-            <a:r>
-              <a:rPr lang="en-US" sz="3200" dirty="0">
-                <a:latin typeface="Arial" panose="020B0604020202020204" pitchFamily="34" charset="0"/>
-                <a:ea typeface="Source Sans Pro" panose="020B0503030403020204" pitchFamily="34" charset="0"/>
-                <a:cs typeface="Times"/>
-              </a:rPr>
-              <a:t> </a:t>
-            </a:r>
-            <a:r>
-              <a:rPr lang="en-US" sz="3200" dirty="0" err="1">
-                <a:latin typeface="Arial" panose="020B0604020202020204" pitchFamily="34" charset="0"/>
-                <a:ea typeface="Source Sans Pro" panose="020B0503030403020204" pitchFamily="34" charset="0"/>
-                <a:cs typeface="Times"/>
-              </a:rPr>
-              <a:t>volutpat</a:t>
-            </a:r>
-            <a:r>
-              <a:rPr lang="en-US" sz="3200" dirty="0">
-                <a:latin typeface="Arial" panose="020B0604020202020204" pitchFamily="34" charset="0"/>
-                <a:ea typeface="Source Sans Pro" panose="020B0503030403020204" pitchFamily="34" charset="0"/>
-                <a:cs typeface="Times"/>
-              </a:rPr>
-              <a:t>. Ut </a:t>
-            </a:r>
-            <a:r>
-              <a:rPr lang="en-US" sz="3200" dirty="0" err="1">
-                <a:latin typeface="Arial" panose="020B0604020202020204" pitchFamily="34" charset="0"/>
-                <a:ea typeface="Source Sans Pro" panose="020B0503030403020204" pitchFamily="34" charset="0"/>
-                <a:cs typeface="Times"/>
-              </a:rPr>
-              <a:t>wisi</a:t>
-            </a:r>
-            <a:r>
-              <a:rPr lang="en-US" sz="3200" dirty="0">
-                <a:latin typeface="Arial" panose="020B0604020202020204" pitchFamily="34" charset="0"/>
-                <a:ea typeface="Source Sans Pro" panose="020B0503030403020204" pitchFamily="34" charset="0"/>
-                <a:cs typeface="Times"/>
-              </a:rPr>
-              <a:t> </a:t>
-            </a:r>
-            <a:r>
-              <a:rPr lang="en-US" sz="3200" dirty="0" err="1">
-                <a:latin typeface="Arial" panose="020B0604020202020204" pitchFamily="34" charset="0"/>
-                <a:ea typeface="Source Sans Pro" panose="020B0503030403020204" pitchFamily="34" charset="0"/>
-                <a:cs typeface="Times"/>
-              </a:rPr>
-              <a:t>enim</a:t>
-            </a:r>
-            <a:r>
-              <a:rPr lang="en-US" sz="3200" dirty="0">
-                <a:latin typeface="Arial" panose="020B0604020202020204" pitchFamily="34" charset="0"/>
-                <a:ea typeface="Source Sans Pro" panose="020B0503030403020204" pitchFamily="34" charset="0"/>
-                <a:cs typeface="Times"/>
-              </a:rPr>
-              <a:t> ad minim </a:t>
-            </a:r>
-            <a:r>
-              <a:rPr lang="en-US" sz="3200" dirty="0" err="1">
-                <a:latin typeface="Arial" panose="020B0604020202020204" pitchFamily="34" charset="0"/>
-                <a:ea typeface="Source Sans Pro" panose="020B0503030403020204" pitchFamily="34" charset="0"/>
-                <a:cs typeface="Times"/>
-              </a:rPr>
-              <a:t>veniam</a:t>
-            </a:r>
-            <a:r>
-              <a:rPr lang="en-US" sz="3200" dirty="0">
-                <a:latin typeface="Arial" panose="020B0604020202020204" pitchFamily="34" charset="0"/>
-                <a:ea typeface="Source Sans Pro" panose="020B0503030403020204" pitchFamily="34" charset="0"/>
-                <a:cs typeface="Times"/>
-              </a:rPr>
-              <a:t>, </a:t>
-            </a:r>
-            <a:r>
-              <a:rPr lang="en-US" sz="3200" dirty="0" err="1">
-                <a:latin typeface="Arial" panose="020B0604020202020204" pitchFamily="34" charset="0"/>
-                <a:ea typeface="Source Sans Pro" panose="020B0503030403020204" pitchFamily="34" charset="0"/>
-                <a:cs typeface="Times"/>
-              </a:rPr>
-              <a:t>quis</a:t>
-            </a:r>
-            <a:r>
-              <a:rPr lang="en-US" sz="3200" dirty="0">
-                <a:latin typeface="Arial" panose="020B0604020202020204" pitchFamily="34" charset="0"/>
-                <a:ea typeface="Source Sans Pro" panose="020B0503030403020204" pitchFamily="34" charset="0"/>
-                <a:cs typeface="Times"/>
-              </a:rPr>
-              <a:t> </a:t>
-            </a:r>
-            <a:r>
-              <a:rPr lang="en-US" sz="3200" dirty="0" err="1">
-                <a:latin typeface="Arial" panose="020B0604020202020204" pitchFamily="34" charset="0"/>
-                <a:ea typeface="Source Sans Pro" panose="020B0503030403020204" pitchFamily="34" charset="0"/>
-                <a:cs typeface="Times"/>
-              </a:rPr>
-              <a:t>nostr</a:t>
-            </a:r>
-            <a:endParaRPr lang="en-US" sz="3200" dirty="0">
+            <a:pPr lvl="0"/>
+            <a:endParaRPr lang="en-US" sz="7200" b="1" dirty="0">
+              <a:solidFill>
+                <a:srgbClr val="000F7E"/>
+              </a:solidFill>
               <a:latin typeface="Arial" panose="020B0604020202020204" pitchFamily="34" charset="0"/>
-              <a:ea typeface="Source Sans Pro" panose="020B0503030403020204" pitchFamily="34" charset="0"/>
-              <a:cs typeface="Times"/>
+              <a:cs typeface="Arial" panose="020B0604020202020204" pitchFamily="34" charset="0"/>
             </a:endParaRPr>
           </a:p>
         </p:txBody>
@@ -5533,8 +4696,8 @@
         </p:nvSpPr>
         <p:spPr>
           <a:xfrm>
-            <a:off x="27798763" y="4960612"/>
-            <a:ext cx="11887200" cy="16958489"/>
+            <a:off x="27729106" y="4764837"/>
+            <a:ext cx="11887200" cy="15973604"/>
           </a:xfrm>
           <a:prstGeom prst="rect">
             <a:avLst/>
@@ -5578,278 +4741,17 @@
             </a:r>
           </a:p>
           <a:p>
+            <a:pPr algn="just"/>
             <a:r>
               <a:rPr lang="en-US" sz="3200" dirty="0">
                 <a:latin typeface="Arial" panose="020B0604020202020204" pitchFamily="34" charset="0"/>
                 <a:ea typeface="Source Sans Pro" panose="020B0503030403020204" pitchFamily="34" charset="0"/>
                 <a:cs typeface="Times"/>
               </a:rPr>
-              <a:t>Lorem ipsum dolor sit </a:t>
-            </a:r>
-            <a:r>
-              <a:rPr lang="en-US" sz="3200" dirty="0" err="1">
-                <a:latin typeface="Arial" panose="020B0604020202020204" pitchFamily="34" charset="0"/>
-                <a:ea typeface="Source Sans Pro" panose="020B0503030403020204" pitchFamily="34" charset="0"/>
-                <a:cs typeface="Times"/>
-              </a:rPr>
-              <a:t>amet</a:t>
-            </a:r>
-            <a:r>
-              <a:rPr lang="en-US" sz="3200" dirty="0">
-                <a:latin typeface="Arial" panose="020B0604020202020204" pitchFamily="34" charset="0"/>
-                <a:ea typeface="Source Sans Pro" panose="020B0503030403020204" pitchFamily="34" charset="0"/>
-                <a:cs typeface="Times"/>
-              </a:rPr>
-              <a:t>, </a:t>
-            </a:r>
-            <a:r>
-              <a:rPr lang="en-US" sz="3200" dirty="0" err="1">
-                <a:latin typeface="Arial" panose="020B0604020202020204" pitchFamily="34" charset="0"/>
-                <a:ea typeface="Source Sans Pro" panose="020B0503030403020204" pitchFamily="34" charset="0"/>
-                <a:cs typeface="Times"/>
-              </a:rPr>
-              <a:t>consectetuer</a:t>
-            </a:r>
-            <a:r>
-              <a:rPr lang="en-US" sz="3200" dirty="0">
-                <a:latin typeface="Arial" panose="020B0604020202020204" pitchFamily="34" charset="0"/>
-                <a:ea typeface="Source Sans Pro" panose="020B0503030403020204" pitchFamily="34" charset="0"/>
-                <a:cs typeface="Times"/>
-              </a:rPr>
-              <a:t> </a:t>
-            </a:r>
-            <a:r>
-              <a:rPr lang="en-US" sz="3200" dirty="0" err="1">
-                <a:latin typeface="Arial" panose="020B0604020202020204" pitchFamily="34" charset="0"/>
-                <a:ea typeface="Source Sans Pro" panose="020B0503030403020204" pitchFamily="34" charset="0"/>
-                <a:cs typeface="Times"/>
-              </a:rPr>
-              <a:t>adipiscing</a:t>
-            </a:r>
-            <a:r>
-              <a:rPr lang="en-US" sz="3200" dirty="0">
-                <a:latin typeface="Arial" panose="020B0604020202020204" pitchFamily="34" charset="0"/>
-                <a:ea typeface="Source Sans Pro" panose="020B0503030403020204" pitchFamily="34" charset="0"/>
-                <a:cs typeface="Times"/>
-              </a:rPr>
-              <a:t> </a:t>
-            </a:r>
-            <a:r>
-              <a:rPr lang="en-US" sz="3200" dirty="0" err="1">
-                <a:latin typeface="Arial" panose="020B0604020202020204" pitchFamily="34" charset="0"/>
-                <a:ea typeface="Source Sans Pro" panose="020B0503030403020204" pitchFamily="34" charset="0"/>
-                <a:cs typeface="Times"/>
-              </a:rPr>
-              <a:t>elit</a:t>
-            </a:r>
-            <a:r>
-              <a:rPr lang="en-US" sz="3200" dirty="0">
-                <a:latin typeface="Arial" panose="020B0604020202020204" pitchFamily="34" charset="0"/>
-                <a:ea typeface="Source Sans Pro" panose="020B0503030403020204" pitchFamily="34" charset="0"/>
-                <a:cs typeface="Times"/>
-              </a:rPr>
-              <a:t>, sed diam </a:t>
-            </a:r>
-            <a:r>
-              <a:rPr lang="en-US" sz="3200" dirty="0" err="1">
-                <a:latin typeface="Arial" panose="020B0604020202020204" pitchFamily="34" charset="0"/>
-                <a:ea typeface="Source Sans Pro" panose="020B0503030403020204" pitchFamily="34" charset="0"/>
-                <a:cs typeface="Times"/>
-              </a:rPr>
-              <a:t>nonummy</a:t>
-            </a:r>
-            <a:r>
-              <a:rPr lang="en-US" sz="3200" dirty="0">
-                <a:latin typeface="Arial" panose="020B0604020202020204" pitchFamily="34" charset="0"/>
-                <a:ea typeface="Source Sans Pro" panose="020B0503030403020204" pitchFamily="34" charset="0"/>
-                <a:cs typeface="Times"/>
-              </a:rPr>
-              <a:t> </a:t>
-            </a:r>
-            <a:r>
-              <a:rPr lang="en-US" sz="3200" dirty="0" err="1">
-                <a:latin typeface="Arial" panose="020B0604020202020204" pitchFamily="34" charset="0"/>
-                <a:ea typeface="Source Sans Pro" panose="020B0503030403020204" pitchFamily="34" charset="0"/>
-                <a:cs typeface="Times"/>
-              </a:rPr>
-              <a:t>nibh</a:t>
-            </a:r>
-            <a:r>
-              <a:rPr lang="en-US" sz="3200" dirty="0">
-                <a:latin typeface="Arial" panose="020B0604020202020204" pitchFamily="34" charset="0"/>
-                <a:ea typeface="Source Sans Pro" panose="020B0503030403020204" pitchFamily="34" charset="0"/>
-                <a:cs typeface="Times"/>
-              </a:rPr>
-              <a:t> </a:t>
-            </a:r>
-            <a:r>
-              <a:rPr lang="en-US" sz="3200" dirty="0" err="1">
-                <a:latin typeface="Arial" panose="020B0604020202020204" pitchFamily="34" charset="0"/>
-                <a:ea typeface="Source Sans Pro" panose="020B0503030403020204" pitchFamily="34" charset="0"/>
-                <a:cs typeface="Times"/>
-              </a:rPr>
-              <a:t>euismod</a:t>
-            </a:r>
-            <a:r>
-              <a:rPr lang="en-US" sz="3200" dirty="0">
-                <a:latin typeface="Arial" panose="020B0604020202020204" pitchFamily="34" charset="0"/>
-                <a:ea typeface="Source Sans Pro" panose="020B0503030403020204" pitchFamily="34" charset="0"/>
-                <a:cs typeface="Times"/>
-              </a:rPr>
-              <a:t> </a:t>
-            </a:r>
-            <a:r>
-              <a:rPr lang="en-US" sz="3200" dirty="0" err="1">
-                <a:latin typeface="Arial" panose="020B0604020202020204" pitchFamily="34" charset="0"/>
-                <a:ea typeface="Source Sans Pro" panose="020B0503030403020204" pitchFamily="34" charset="0"/>
-                <a:cs typeface="Times"/>
-              </a:rPr>
-              <a:t>tincidunt</a:t>
-            </a:r>
-            <a:r>
-              <a:rPr lang="en-US" sz="3200" dirty="0">
-                <a:latin typeface="Arial" panose="020B0604020202020204" pitchFamily="34" charset="0"/>
-                <a:ea typeface="Source Sans Pro" panose="020B0503030403020204" pitchFamily="34" charset="0"/>
-                <a:cs typeface="Times"/>
-              </a:rPr>
-              <a:t> </a:t>
-            </a:r>
-            <a:r>
-              <a:rPr lang="en-US" sz="3200" dirty="0" err="1">
-                <a:latin typeface="Arial" panose="020B0604020202020204" pitchFamily="34" charset="0"/>
-                <a:ea typeface="Source Sans Pro" panose="020B0503030403020204" pitchFamily="34" charset="0"/>
-                <a:cs typeface="Times"/>
-              </a:rPr>
-              <a:t>ut</a:t>
-            </a:r>
-            <a:r>
-              <a:rPr lang="en-US" sz="3200" dirty="0">
-                <a:latin typeface="Arial" panose="020B0604020202020204" pitchFamily="34" charset="0"/>
-                <a:ea typeface="Source Sans Pro" panose="020B0503030403020204" pitchFamily="34" charset="0"/>
-                <a:cs typeface="Times"/>
-              </a:rPr>
-              <a:t> </a:t>
-            </a:r>
-            <a:r>
-              <a:rPr lang="en-US" sz="3200" dirty="0" err="1">
-                <a:latin typeface="Arial" panose="020B0604020202020204" pitchFamily="34" charset="0"/>
-                <a:ea typeface="Source Sans Pro" panose="020B0503030403020204" pitchFamily="34" charset="0"/>
-                <a:cs typeface="Times"/>
-              </a:rPr>
-              <a:t>laoreet</a:t>
-            </a:r>
-            <a:r>
-              <a:rPr lang="en-US" sz="3200" dirty="0">
-                <a:latin typeface="Arial" panose="020B0604020202020204" pitchFamily="34" charset="0"/>
-                <a:ea typeface="Source Sans Pro" panose="020B0503030403020204" pitchFamily="34" charset="0"/>
-                <a:cs typeface="Times"/>
-              </a:rPr>
-              <a:t> dolore magna </a:t>
-            </a:r>
-            <a:r>
-              <a:rPr lang="en-US" sz="3200" dirty="0" err="1">
-                <a:latin typeface="Arial" panose="020B0604020202020204" pitchFamily="34" charset="0"/>
-                <a:ea typeface="Source Sans Pro" panose="020B0503030403020204" pitchFamily="34" charset="0"/>
-                <a:cs typeface="Times"/>
-              </a:rPr>
-              <a:t>aliquam</a:t>
-            </a:r>
-            <a:r>
-              <a:rPr lang="en-US" sz="3200" dirty="0">
-                <a:latin typeface="Arial" panose="020B0604020202020204" pitchFamily="34" charset="0"/>
-                <a:ea typeface="Source Sans Pro" panose="020B0503030403020204" pitchFamily="34" charset="0"/>
-                <a:cs typeface="Times"/>
-              </a:rPr>
-              <a:t> </a:t>
-            </a:r>
-            <a:r>
-              <a:rPr lang="en-US" sz="3200" dirty="0" err="1">
-                <a:latin typeface="Arial" panose="020B0604020202020204" pitchFamily="34" charset="0"/>
-                <a:ea typeface="Source Sans Pro" panose="020B0503030403020204" pitchFamily="34" charset="0"/>
-                <a:cs typeface="Times"/>
-              </a:rPr>
-              <a:t>erat</a:t>
-            </a:r>
-            <a:r>
-              <a:rPr lang="en-US" sz="3200" dirty="0">
-                <a:latin typeface="Arial" panose="020B0604020202020204" pitchFamily="34" charset="0"/>
-                <a:ea typeface="Source Sans Pro" panose="020B0503030403020204" pitchFamily="34" charset="0"/>
-                <a:cs typeface="Times"/>
-              </a:rPr>
-              <a:t> </a:t>
-            </a:r>
-            <a:r>
-              <a:rPr lang="en-US" sz="3200" dirty="0" err="1">
-                <a:latin typeface="Arial" panose="020B0604020202020204" pitchFamily="34" charset="0"/>
-                <a:ea typeface="Source Sans Pro" panose="020B0503030403020204" pitchFamily="34" charset="0"/>
-                <a:cs typeface="Times"/>
-              </a:rPr>
-              <a:t>volutpat</a:t>
-            </a:r>
-            <a:r>
-              <a:rPr lang="en-US" sz="3200" dirty="0">
-                <a:latin typeface="Arial" panose="020B0604020202020204" pitchFamily="34" charset="0"/>
-                <a:ea typeface="Source Sans Pro" panose="020B0503030403020204" pitchFamily="34" charset="0"/>
-                <a:cs typeface="Times"/>
-              </a:rPr>
-              <a:t>. Ut </a:t>
-            </a:r>
-            <a:r>
-              <a:rPr lang="en-US" sz="3200" dirty="0" err="1">
-                <a:latin typeface="Arial" panose="020B0604020202020204" pitchFamily="34" charset="0"/>
-                <a:ea typeface="Source Sans Pro" panose="020B0503030403020204" pitchFamily="34" charset="0"/>
-                <a:cs typeface="Times"/>
-              </a:rPr>
-              <a:t>wisi</a:t>
-            </a:r>
-            <a:r>
-              <a:rPr lang="en-US" sz="3200" dirty="0">
-                <a:latin typeface="Arial" panose="020B0604020202020204" pitchFamily="34" charset="0"/>
-                <a:ea typeface="Source Sans Pro" panose="020B0503030403020204" pitchFamily="34" charset="0"/>
-                <a:cs typeface="Times"/>
-              </a:rPr>
-              <a:t> </a:t>
-            </a:r>
-            <a:r>
-              <a:rPr lang="en-US" sz="3200" dirty="0" err="1">
-                <a:latin typeface="Arial" panose="020B0604020202020204" pitchFamily="34" charset="0"/>
-                <a:ea typeface="Source Sans Pro" panose="020B0503030403020204" pitchFamily="34" charset="0"/>
-                <a:cs typeface="Times"/>
-              </a:rPr>
-              <a:t>enim</a:t>
-            </a:r>
-            <a:r>
-              <a:rPr lang="en-US" sz="3200" dirty="0">
-                <a:latin typeface="Arial" panose="020B0604020202020204" pitchFamily="34" charset="0"/>
-                <a:ea typeface="Source Sans Pro" panose="020B0503030403020204" pitchFamily="34" charset="0"/>
-                <a:cs typeface="Times"/>
-              </a:rPr>
-              <a:t> ad minim </a:t>
-            </a:r>
-            <a:r>
-              <a:rPr lang="en-US" sz="3200" dirty="0" err="1">
-                <a:latin typeface="Arial" panose="020B0604020202020204" pitchFamily="34" charset="0"/>
-                <a:ea typeface="Source Sans Pro" panose="020B0503030403020204" pitchFamily="34" charset="0"/>
-                <a:cs typeface="Times"/>
-              </a:rPr>
-              <a:t>veniam</a:t>
-            </a:r>
-            <a:r>
-              <a:rPr lang="en-US" sz="3200" dirty="0">
-                <a:latin typeface="Arial" panose="020B0604020202020204" pitchFamily="34" charset="0"/>
-                <a:ea typeface="Source Sans Pro" panose="020B0503030403020204" pitchFamily="34" charset="0"/>
-                <a:cs typeface="Times"/>
-              </a:rPr>
-              <a:t>, </a:t>
-            </a:r>
-            <a:r>
-              <a:rPr lang="en-US" sz="3200" dirty="0" err="1">
-                <a:latin typeface="Arial" panose="020B0604020202020204" pitchFamily="34" charset="0"/>
-                <a:ea typeface="Source Sans Pro" panose="020B0503030403020204" pitchFamily="34" charset="0"/>
-                <a:cs typeface="Times"/>
-              </a:rPr>
-              <a:t>quis</a:t>
-            </a:r>
+              <a:t>The full space formulation was able to converge on 49 out of 64 instances, while the surrogate-based formulation converged in every one of them. </a:t>
+            </a:r>
+          </a:p>
+          <a:p>
             <a:endParaRPr lang="en-US" sz="3200" dirty="0">
               <a:latin typeface="Arial" panose="020B0604020202020204" pitchFamily="34" charset="0"/>
               <a:ea typeface="Source Sans Pro" panose="020B0503030403020204" pitchFamily="34" charset="0"/>
@@ -5934,187 +4836,25 @@
             </a:endParaRPr>
           </a:p>
           <a:p>
-            <a:r>
-              <a:rPr lang="en-US" sz="3200" b="1" spc="300" dirty="0">
-                <a:solidFill>
-                  <a:srgbClr val="000F7E"/>
-                </a:solidFill>
-                <a:latin typeface="Arial" panose="020B0604020202020204" pitchFamily="34" charset="0"/>
-                <a:ea typeface="Source Sans Pro" panose="020B0503030403020204" pitchFamily="34" charset="0"/>
-                <a:cs typeface="Arial" panose="020B0604020202020204" pitchFamily="34" charset="0"/>
-              </a:rPr>
-              <a:t>PERFORMANCE</a:t>
-            </a:r>
-          </a:p>
-          <a:p>
-            <a:r>
-              <a:rPr lang="en-US" sz="3200" dirty="0">
-                <a:latin typeface="Arial" panose="020B0604020202020204" pitchFamily="34" charset="0"/>
-                <a:ea typeface="Source Sans Pro" panose="020B0503030403020204" pitchFamily="34" charset="0"/>
-                <a:cs typeface="Times"/>
-              </a:rPr>
-              <a:t>Lorem ipsum dolor sit </a:t>
-            </a:r>
-            <a:r>
-              <a:rPr lang="en-US" sz="3200" dirty="0" err="1">
-                <a:latin typeface="Arial" panose="020B0604020202020204" pitchFamily="34" charset="0"/>
-                <a:ea typeface="Source Sans Pro" panose="020B0503030403020204" pitchFamily="34" charset="0"/>
-                <a:cs typeface="Times"/>
-              </a:rPr>
-              <a:t>amet</a:t>
-            </a:r>
-            <a:r>
-              <a:rPr lang="en-US" sz="3200" dirty="0">
-                <a:latin typeface="Arial" panose="020B0604020202020204" pitchFamily="34" charset="0"/>
-                <a:ea typeface="Source Sans Pro" panose="020B0503030403020204" pitchFamily="34" charset="0"/>
-                <a:cs typeface="Times"/>
-              </a:rPr>
-              <a:t>, </a:t>
-            </a:r>
-            <a:r>
-              <a:rPr lang="en-US" sz="3200" dirty="0" err="1">
-                <a:latin typeface="Arial" panose="020B0604020202020204" pitchFamily="34" charset="0"/>
-                <a:ea typeface="Source Sans Pro" panose="020B0503030403020204" pitchFamily="34" charset="0"/>
-                <a:cs typeface="Times"/>
-              </a:rPr>
-              <a:t>consectetuer</a:t>
-            </a:r>
-            <a:r>
-              <a:rPr lang="en-US" sz="3200" dirty="0">
-                <a:latin typeface="Arial" panose="020B0604020202020204" pitchFamily="34" charset="0"/>
-                <a:ea typeface="Source Sans Pro" panose="020B0503030403020204" pitchFamily="34" charset="0"/>
-                <a:cs typeface="Times"/>
-              </a:rPr>
-              <a:t> </a:t>
-            </a:r>
-            <a:r>
-              <a:rPr lang="en-US" sz="3200" dirty="0" err="1">
-                <a:latin typeface="Arial" panose="020B0604020202020204" pitchFamily="34" charset="0"/>
-                <a:ea typeface="Source Sans Pro" panose="020B0503030403020204" pitchFamily="34" charset="0"/>
-                <a:cs typeface="Times"/>
-              </a:rPr>
-              <a:t>adipiscing</a:t>
-            </a:r>
-            <a:r>
-              <a:rPr lang="en-US" sz="3200" dirty="0">
-                <a:latin typeface="Arial" panose="020B0604020202020204" pitchFamily="34" charset="0"/>
-                <a:ea typeface="Source Sans Pro" panose="020B0503030403020204" pitchFamily="34" charset="0"/>
-                <a:cs typeface="Times"/>
-              </a:rPr>
-              <a:t> </a:t>
-            </a:r>
-            <a:r>
-              <a:rPr lang="en-US" sz="3200" dirty="0" err="1">
-                <a:latin typeface="Arial" panose="020B0604020202020204" pitchFamily="34" charset="0"/>
-                <a:ea typeface="Source Sans Pro" panose="020B0503030403020204" pitchFamily="34" charset="0"/>
-                <a:cs typeface="Times"/>
-              </a:rPr>
-              <a:t>elit</a:t>
-            </a:r>
-            <a:r>
-              <a:rPr lang="en-US" sz="3200" dirty="0">
-                <a:latin typeface="Arial" panose="020B0604020202020204" pitchFamily="34" charset="0"/>
-                <a:ea typeface="Source Sans Pro" panose="020B0503030403020204" pitchFamily="34" charset="0"/>
-                <a:cs typeface="Times"/>
-              </a:rPr>
-              <a:t>, sed diam </a:t>
-            </a:r>
-            <a:r>
-              <a:rPr lang="en-US" sz="3200" dirty="0" err="1">
-                <a:latin typeface="Arial" panose="020B0604020202020204" pitchFamily="34" charset="0"/>
-                <a:ea typeface="Source Sans Pro" panose="020B0503030403020204" pitchFamily="34" charset="0"/>
-                <a:cs typeface="Times"/>
-              </a:rPr>
-              <a:t>nonummy</a:t>
-            </a:r>
-            <a:r>
-              <a:rPr lang="en-US" sz="3200" dirty="0">
-                <a:latin typeface="Arial" panose="020B0604020202020204" pitchFamily="34" charset="0"/>
-                <a:ea typeface="Source Sans Pro" panose="020B0503030403020204" pitchFamily="34" charset="0"/>
-                <a:cs typeface="Times"/>
-              </a:rPr>
-              <a:t> </a:t>
-            </a:r>
-            <a:r>
-              <a:rPr lang="en-US" sz="3200" dirty="0" err="1">
-                <a:latin typeface="Arial" panose="020B0604020202020204" pitchFamily="34" charset="0"/>
-                <a:ea typeface="Source Sans Pro" panose="020B0503030403020204" pitchFamily="34" charset="0"/>
-                <a:cs typeface="Times"/>
-              </a:rPr>
-              <a:t>nibh</a:t>
-            </a:r>
-            <a:r>
-              <a:rPr lang="en-US" sz="3200" dirty="0">
-                <a:latin typeface="Arial" panose="020B0604020202020204" pitchFamily="34" charset="0"/>
-                <a:ea typeface="Source Sans Pro" panose="020B0503030403020204" pitchFamily="34" charset="0"/>
-                <a:cs typeface="Times"/>
-              </a:rPr>
-              <a:t> </a:t>
-            </a:r>
-            <a:r>
-              <a:rPr lang="en-US" sz="3200" dirty="0" err="1">
-                <a:latin typeface="Arial" panose="020B0604020202020204" pitchFamily="34" charset="0"/>
-                <a:ea typeface="Source Sans Pro" panose="020B0503030403020204" pitchFamily="34" charset="0"/>
-                <a:cs typeface="Times"/>
-              </a:rPr>
-              <a:t>euismod</a:t>
-            </a:r>
-            <a:r>
-              <a:rPr lang="en-US" sz="3200" dirty="0">
-                <a:latin typeface="Arial" panose="020B0604020202020204" pitchFamily="34" charset="0"/>
-                <a:ea typeface="Source Sans Pro" panose="020B0503030403020204" pitchFamily="34" charset="0"/>
-                <a:cs typeface="Times"/>
-              </a:rPr>
-              <a:t> </a:t>
-            </a:r>
-            <a:r>
-              <a:rPr lang="en-US" sz="3200" dirty="0" err="1">
-                <a:latin typeface="Arial" panose="020B0604020202020204" pitchFamily="34" charset="0"/>
-                <a:ea typeface="Source Sans Pro" panose="020B0503030403020204" pitchFamily="34" charset="0"/>
-                <a:cs typeface="Times"/>
-              </a:rPr>
-              <a:t>tincidunt</a:t>
-            </a:r>
-            <a:r>
-              <a:rPr lang="en-US" sz="3200" dirty="0">
-                <a:latin typeface="Arial" panose="020B0604020202020204" pitchFamily="34" charset="0"/>
-                <a:ea typeface="Source Sans Pro" panose="020B0503030403020204" pitchFamily="34" charset="0"/>
-                <a:cs typeface="Times"/>
-              </a:rPr>
-              <a:t> </a:t>
-            </a:r>
-            <a:r>
-              <a:rPr lang="en-US" sz="3200" dirty="0" err="1">
-                <a:latin typeface="Arial" panose="020B0604020202020204" pitchFamily="34" charset="0"/>
-                <a:ea typeface="Source Sans Pro" panose="020B0503030403020204" pitchFamily="34" charset="0"/>
-                <a:cs typeface="Times"/>
-              </a:rPr>
-              <a:t>ut</a:t>
-            </a:r>
-            <a:r>
-              <a:rPr lang="en-US" sz="3200" dirty="0">
-                <a:latin typeface="Arial" panose="020B0604020202020204" pitchFamily="34" charset="0"/>
-                <a:ea typeface="Source Sans Pro" panose="020B0503030403020204" pitchFamily="34" charset="0"/>
-                <a:cs typeface="Times"/>
-              </a:rPr>
-              <a:t> </a:t>
-            </a:r>
-            <a:r>
-              <a:rPr lang="en-US" sz="3200" dirty="0" err="1">
-                <a:latin typeface="Arial" panose="020B0604020202020204" pitchFamily="34" charset="0"/>
-                <a:ea typeface="Source Sans Pro" panose="020B0503030403020204" pitchFamily="34" charset="0"/>
-                <a:cs typeface="Times"/>
-              </a:rPr>
-              <a:t>laoreet</a:t>
-            </a:r>
-            <a:r>
-              <a:rPr lang="en-US" sz="3200" dirty="0">
-                <a:latin typeface="Arial" panose="020B0604020202020204" pitchFamily="34" charset="0"/>
-                <a:ea typeface="Source Sans Pro" panose="020B0503030403020204" pitchFamily="34" charset="0"/>
-                <a:cs typeface="Times"/>
-              </a:rPr>
-              <a:t> dolore magna</a:t>
-            </a:r>
+            <a:endParaRPr lang="en-US" sz="3200" dirty="0">
+              <a:latin typeface="Arial" panose="020B0604020202020204" pitchFamily="34" charset="0"/>
+              <a:ea typeface="Source Sans Pro" panose="020B0503030403020204" pitchFamily="34" charset="0"/>
+              <a:cs typeface="Times"/>
+            </a:endParaRPr>
+          </a:p>
+          <a:p>
+            <a:endParaRPr lang="en-US" sz="3200" dirty="0">
+              <a:latin typeface="Arial" panose="020B0604020202020204" pitchFamily="34" charset="0"/>
+              <a:ea typeface="Source Sans Pro" panose="020B0503030403020204" pitchFamily="34" charset="0"/>
+              <a:cs typeface="Times"/>
+            </a:endParaRPr>
+          </a:p>
+          <a:p>
+            <a:endParaRPr lang="en-US" sz="3200" dirty="0">
+              <a:latin typeface="Arial" panose="020B0604020202020204" pitchFamily="34" charset="0"/>
+              <a:ea typeface="Source Sans Pro" panose="020B0503030403020204" pitchFamily="34" charset="0"/>
+              <a:cs typeface="Times"/>
+            </a:endParaRPr>
           </a:p>
           <a:p>
             <a:endParaRPr lang="en-US" sz="3200" dirty="0">
@@ -6188,189 +4928,6 @@
               <a:ea typeface="Source Sans Pro" panose="020B0503030403020204" pitchFamily="34" charset="0"/>
               <a:cs typeface="Arial" panose="020B0604020202020204" pitchFamily="34" charset="0"/>
             </a:endParaRPr>
-          </a:p>
-          <a:p>
-            <a:r>
-              <a:rPr lang="en-US" sz="3200" b="1" spc="300" dirty="0">
-                <a:solidFill>
-                  <a:srgbClr val="000F7E"/>
-                </a:solidFill>
-                <a:latin typeface="Arial" panose="020B0604020202020204" pitchFamily="34" charset="0"/>
-                <a:ea typeface="Source Sans Pro" panose="020B0503030403020204" pitchFamily="34" charset="0"/>
-                <a:cs typeface="Arial" panose="020B0604020202020204" pitchFamily="34" charset="0"/>
-              </a:rPr>
-              <a:t>SOLUTION QUALITY</a:t>
-            </a:r>
-          </a:p>
-          <a:p>
-            <a:r>
-              <a:rPr lang="en-US" sz="3200" dirty="0">
-                <a:latin typeface="Arial" panose="020B0604020202020204" pitchFamily="34" charset="0"/>
-                <a:ea typeface="Source Sans Pro" panose="020B0503030403020204" pitchFamily="34" charset="0"/>
-                <a:cs typeface="Times"/>
-              </a:rPr>
-              <a:t>Lorem ipsum dolor sit </a:t>
-            </a:r>
-            <a:r>
-              <a:rPr lang="en-US" sz="3200" dirty="0" err="1">
-                <a:latin typeface="Arial" panose="020B0604020202020204" pitchFamily="34" charset="0"/>
-                <a:ea typeface="Source Sans Pro" panose="020B0503030403020204" pitchFamily="34" charset="0"/>
-                <a:cs typeface="Times"/>
-              </a:rPr>
-              <a:t>amet</a:t>
-            </a:r>
-            <a:r>
-              <a:rPr lang="en-US" sz="3200" dirty="0">
-                <a:latin typeface="Arial" panose="020B0604020202020204" pitchFamily="34" charset="0"/>
-                <a:ea typeface="Source Sans Pro" panose="020B0503030403020204" pitchFamily="34" charset="0"/>
-                <a:cs typeface="Times"/>
-              </a:rPr>
-              <a:t>, </a:t>
-            </a:r>
-            <a:r>
-              <a:rPr lang="en-US" sz="3200" dirty="0" err="1">
-                <a:latin typeface="Arial" panose="020B0604020202020204" pitchFamily="34" charset="0"/>
-                <a:ea typeface="Source Sans Pro" panose="020B0503030403020204" pitchFamily="34" charset="0"/>
-                <a:cs typeface="Times"/>
-              </a:rPr>
-              <a:t>consectetuer</a:t>
-            </a:r>
-            <a:r>
-              <a:rPr lang="en-US" sz="3200" dirty="0">
-                <a:latin typeface="Arial" panose="020B0604020202020204" pitchFamily="34" charset="0"/>
-                <a:ea typeface="Source Sans Pro" panose="020B0503030403020204" pitchFamily="34" charset="0"/>
-                <a:cs typeface="Times"/>
-              </a:rPr>
-              <a:t> </a:t>
-            </a:r>
-            <a:r>
-              <a:rPr lang="en-US" sz="3200" dirty="0" err="1">
-                <a:latin typeface="Arial" panose="020B0604020202020204" pitchFamily="34" charset="0"/>
-                <a:ea typeface="Source Sans Pro" panose="020B0503030403020204" pitchFamily="34" charset="0"/>
-                <a:cs typeface="Times"/>
-              </a:rPr>
-              <a:t>adipiscing</a:t>
-            </a:r>
-            <a:r>
-              <a:rPr lang="en-US" sz="3200" dirty="0">
-                <a:latin typeface="Arial" panose="020B0604020202020204" pitchFamily="34" charset="0"/>
-                <a:ea typeface="Source Sans Pro" panose="020B0503030403020204" pitchFamily="34" charset="0"/>
-                <a:cs typeface="Times"/>
-              </a:rPr>
-              <a:t> </a:t>
-            </a:r>
-            <a:r>
-              <a:rPr lang="en-US" sz="3200" dirty="0" err="1">
-                <a:latin typeface="Arial" panose="020B0604020202020204" pitchFamily="34" charset="0"/>
-                <a:ea typeface="Source Sans Pro" panose="020B0503030403020204" pitchFamily="34" charset="0"/>
-                <a:cs typeface="Times"/>
-              </a:rPr>
-              <a:t>elit</a:t>
-            </a:r>
-            <a:r>
-              <a:rPr lang="en-US" sz="3200" dirty="0">
-                <a:latin typeface="Arial" panose="020B0604020202020204" pitchFamily="34" charset="0"/>
-                <a:ea typeface="Source Sans Pro" panose="020B0503030403020204" pitchFamily="34" charset="0"/>
-                <a:cs typeface="Times"/>
-              </a:rPr>
-              <a:t>, sed diam </a:t>
-            </a:r>
-            <a:r>
-              <a:rPr lang="en-US" sz="3200" dirty="0" err="1">
-                <a:latin typeface="Arial" panose="020B0604020202020204" pitchFamily="34" charset="0"/>
-                <a:ea typeface="Source Sans Pro" panose="020B0503030403020204" pitchFamily="34" charset="0"/>
-                <a:cs typeface="Times"/>
-              </a:rPr>
-              <a:t>nonummy</a:t>
-            </a:r>
-            <a:r>
-              <a:rPr lang="en-US" sz="3200" dirty="0">
-                <a:latin typeface="Arial" panose="020B0604020202020204" pitchFamily="34" charset="0"/>
-                <a:ea typeface="Source Sans Pro" panose="020B0503030403020204" pitchFamily="34" charset="0"/>
-                <a:cs typeface="Times"/>
-              </a:rPr>
-              <a:t> </a:t>
-            </a:r>
-            <a:r>
-              <a:rPr lang="en-US" sz="3200" dirty="0" err="1">
-                <a:latin typeface="Arial" panose="020B0604020202020204" pitchFamily="34" charset="0"/>
-                <a:ea typeface="Source Sans Pro" panose="020B0503030403020204" pitchFamily="34" charset="0"/>
-                <a:cs typeface="Times"/>
-              </a:rPr>
-              <a:t>nibh</a:t>
-            </a:r>
-            <a:r>
-              <a:rPr lang="en-US" sz="3200" dirty="0">
-                <a:latin typeface="Arial" panose="020B0604020202020204" pitchFamily="34" charset="0"/>
-                <a:ea typeface="Source Sans Pro" panose="020B0503030403020204" pitchFamily="34" charset="0"/>
-                <a:cs typeface="Times"/>
-              </a:rPr>
-              <a:t> </a:t>
-            </a:r>
-            <a:r>
-              <a:rPr lang="en-US" sz="3200" dirty="0" err="1">
-                <a:latin typeface="Arial" panose="020B0604020202020204" pitchFamily="34" charset="0"/>
-                <a:ea typeface="Source Sans Pro" panose="020B0503030403020204" pitchFamily="34" charset="0"/>
-                <a:cs typeface="Times"/>
-              </a:rPr>
-              <a:t>euismod</a:t>
-            </a:r>
-            <a:r>
-              <a:rPr lang="en-US" sz="3200" dirty="0">
-                <a:latin typeface="Arial" panose="020B0604020202020204" pitchFamily="34" charset="0"/>
-                <a:ea typeface="Source Sans Pro" panose="020B0503030403020204" pitchFamily="34" charset="0"/>
-                <a:cs typeface="Times"/>
-              </a:rPr>
-              <a:t> </a:t>
-            </a:r>
-            <a:r>
-              <a:rPr lang="en-US" sz="3200" dirty="0" err="1">
-                <a:latin typeface="Arial" panose="020B0604020202020204" pitchFamily="34" charset="0"/>
-                <a:ea typeface="Source Sans Pro" panose="020B0503030403020204" pitchFamily="34" charset="0"/>
-                <a:cs typeface="Times"/>
-              </a:rPr>
-              <a:t>tincidunt</a:t>
-            </a:r>
-            <a:r>
-              <a:rPr lang="en-US" sz="3200" dirty="0">
-                <a:latin typeface="Arial" panose="020B0604020202020204" pitchFamily="34" charset="0"/>
-                <a:ea typeface="Source Sans Pro" panose="020B0503030403020204" pitchFamily="34" charset="0"/>
-                <a:cs typeface="Times"/>
-              </a:rPr>
-              <a:t> </a:t>
-            </a:r>
-            <a:r>
-              <a:rPr lang="en-US" sz="3200" dirty="0" err="1">
-                <a:latin typeface="Arial" panose="020B0604020202020204" pitchFamily="34" charset="0"/>
-                <a:ea typeface="Source Sans Pro" panose="020B0503030403020204" pitchFamily="34" charset="0"/>
-                <a:cs typeface="Times"/>
-              </a:rPr>
-              <a:t>ut</a:t>
-            </a:r>
-            <a:r>
-              <a:rPr lang="en-US" sz="3200" dirty="0">
-                <a:latin typeface="Arial" panose="020B0604020202020204" pitchFamily="34" charset="0"/>
-                <a:ea typeface="Source Sans Pro" panose="020B0503030403020204" pitchFamily="34" charset="0"/>
-                <a:cs typeface="Times"/>
-              </a:rPr>
-              <a:t> </a:t>
-            </a:r>
-            <a:r>
-              <a:rPr lang="en-US" sz="3200" dirty="0" err="1">
-                <a:latin typeface="Arial" panose="020B0604020202020204" pitchFamily="34" charset="0"/>
-                <a:ea typeface="Source Sans Pro" panose="020B0503030403020204" pitchFamily="34" charset="0"/>
-                <a:cs typeface="Times"/>
-              </a:rPr>
-              <a:t>laoreet</a:t>
-            </a:r>
-            <a:r>
-              <a:rPr lang="en-US" sz="3200" dirty="0">
-                <a:latin typeface="Arial" panose="020B0604020202020204" pitchFamily="34" charset="0"/>
-                <a:ea typeface="Source Sans Pro" panose="020B0503030403020204" pitchFamily="34" charset="0"/>
-                <a:cs typeface="Times"/>
-              </a:rPr>
-              <a:t> dolore magna</a:t>
-            </a:r>
           </a:p>
           <a:p>
             <a:endParaRPr lang="en-US" sz="3200" dirty="0">
@@ -6395,7 +4952,7 @@
         </p:nvSpPr>
         <p:spPr>
           <a:xfrm>
-            <a:off x="41706801" y="11936459"/>
+            <a:off x="41706801" y="12171780"/>
             <a:ext cx="13164501" cy="769441"/>
           </a:xfrm>
           <a:prstGeom prst="rect">
@@ -6425,10 +4982,783 @@
       </p:sp>
       <p:sp>
         <p:nvSpPr>
-          <p:cNvPr id="68" name="Text Box 180">
+          <p:cNvPr id="2" name="Rectangle 1">
             <a:extLst>
               <a:ext uri="{FF2B5EF4-FFF2-40B4-BE49-F238E27FC236}">
-                <a16:creationId xmlns:a16="http://schemas.microsoft.com/office/drawing/2014/main" id="{5B8B6028-5F92-E847-AA91-E8D2F23CE973}"/>
+                <a16:creationId xmlns:a16="http://schemas.microsoft.com/office/drawing/2014/main" id="{102A30A4-D345-7F40-BD1E-CD71BE6CFEBA}"/>
+              </a:ext>
+            </a:extLst>
+          </p:cNvPr>
+          <p:cNvSpPr/>
+          <p:nvPr/>
+        </p:nvSpPr>
+        <p:spPr>
+          <a:xfrm>
+            <a:off x="-11884204" y="18631876"/>
+            <a:ext cx="2438400" cy="2402869"/>
+          </a:xfrm>
+          <a:prstGeom prst="rect">
+            <a:avLst/>
+          </a:prstGeom>
+          <a:solidFill>
+            <a:srgbClr val="000F7E"/>
+          </a:solidFill>
+          <a:ln>
+            <a:noFill/>
+          </a:ln>
+        </p:spPr>
+        <p:style>
+          <a:lnRef idx="1">
+            <a:schemeClr val="accent1"/>
+          </a:lnRef>
+          <a:fillRef idx="3">
+            <a:schemeClr val="accent1"/>
+          </a:fillRef>
+          <a:effectRef idx="2">
+            <a:schemeClr val="accent1"/>
+          </a:effectRef>
+          <a:fontRef idx="minor">
+            <a:schemeClr val="lt1"/>
+          </a:fontRef>
+        </p:style>
+        <p:txBody>
+          <a:bodyPr rtlCol="0" anchor="ctr"/>
+          <a:lstStyle/>
+          <a:p>
+            <a:pPr algn="ctr"/>
+            <a:endParaRPr lang="en-US" dirty="0">
+              <a:latin typeface="Arial" panose="020B0604020202020204" pitchFamily="34" charset="0"/>
+            </a:endParaRPr>
+          </a:p>
+        </p:txBody>
+      </p:sp>
+      <p:sp>
+        <p:nvSpPr>
+          <p:cNvPr id="3" name="TextBox 2">
+            <a:extLst>
+              <a:ext uri="{FF2B5EF4-FFF2-40B4-BE49-F238E27FC236}">
+                <a16:creationId xmlns:a16="http://schemas.microsoft.com/office/drawing/2014/main" id="{EFC6F27A-4F30-9740-B167-6369DBAC09BC}"/>
+              </a:ext>
+            </a:extLst>
+          </p:cNvPr>
+          <p:cNvSpPr txBox="1"/>
+          <p:nvPr/>
+        </p:nvSpPr>
+        <p:spPr>
+          <a:xfrm>
+            <a:off x="-11884205" y="21286523"/>
+            <a:ext cx="9953727" cy="2616101"/>
+          </a:xfrm>
+          <a:prstGeom prst="rect">
+            <a:avLst/>
+          </a:prstGeom>
+          <a:noFill/>
+        </p:spPr>
+        <p:txBody>
+          <a:bodyPr wrap="square" rtlCol="0">
+            <a:spAutoFit/>
+          </a:bodyPr>
+          <a:lstStyle/>
+          <a:p>
+            <a:r>
+              <a:rPr lang="en-US" dirty="0">
+                <a:solidFill>
+                  <a:srgbClr val="000F7E"/>
+                </a:solidFill>
+                <a:latin typeface="Arial" panose="020B0604020202020204" pitchFamily="34" charset="0"/>
+                <a:ea typeface="Source Sans Pro" panose="020B0503030403020204" pitchFamily="34" charset="0"/>
+              </a:rPr>
+              <a:t>Primary LANL Blue</a:t>
+            </a:r>
+            <a:endParaRPr lang="en-US" dirty="0">
+              <a:solidFill>
+                <a:srgbClr val="000F7E"/>
+              </a:solidFill>
+              <a:latin typeface="Arial" panose="020B0604020202020204" pitchFamily="34" charset="0"/>
+            </a:endParaRPr>
+          </a:p>
+          <a:p>
+            <a:endParaRPr lang="en-US" dirty="0">
+              <a:latin typeface="Arial" panose="020B0604020202020204" pitchFamily="34" charset="0"/>
+            </a:endParaRPr>
+          </a:p>
+        </p:txBody>
+      </p:sp>
+      <p:sp>
+        <p:nvSpPr>
+          <p:cNvPr id="40" name="TextBox 39">
+            <a:extLst>
+              <a:ext uri="{FF2B5EF4-FFF2-40B4-BE49-F238E27FC236}">
+                <a16:creationId xmlns:a16="http://schemas.microsoft.com/office/drawing/2014/main" id="{98723D97-E242-9344-8CA1-C07A4A358E74}"/>
+              </a:ext>
+            </a:extLst>
+          </p:cNvPr>
+          <p:cNvSpPr txBox="1"/>
+          <p:nvPr/>
+        </p:nvSpPr>
+        <p:spPr>
+          <a:xfrm>
+            <a:off x="41706801" y="3143249"/>
+            <a:ext cx="9921630" cy="7663636"/>
+          </a:xfrm>
+          <a:prstGeom prst="rect">
+            <a:avLst/>
+          </a:prstGeom>
+          <a:noFill/>
+        </p:spPr>
+        <p:txBody>
+          <a:bodyPr wrap="square" rtlCol="0">
+            <a:spAutoFit/>
+          </a:bodyPr>
+          <a:lstStyle/>
+          <a:p>
+            <a:r>
+              <a:rPr lang="en-US" dirty="0">
+                <a:solidFill>
+                  <a:srgbClr val="000F7E"/>
+                </a:solidFill>
+                <a:latin typeface="Arial" panose="020B0604020202020204" pitchFamily="34" charset="0"/>
+                <a:ea typeface="Source Sans Pro" panose="020B0503030403020204" pitchFamily="34" charset="0"/>
+                <a:sym typeface="Wingdings" pitchFamily="2" charset="2"/>
+              </a:rPr>
+              <a:t></a:t>
+            </a:r>
+            <a:r>
+              <a:rPr lang="en-US" dirty="0">
+                <a:solidFill>
+                  <a:srgbClr val="000F7E"/>
+                </a:solidFill>
+                <a:latin typeface="Arial" panose="020B0604020202020204" pitchFamily="34" charset="0"/>
+                <a:ea typeface="Source Sans Pro" panose="020B0503030403020204" pitchFamily="34" charset="0"/>
+              </a:rPr>
+              <a:t>Additional Logos can be placed in line with the blue </a:t>
+            </a:r>
+            <a:r>
+              <a:rPr lang="en-US" b="1" dirty="0">
+                <a:solidFill>
+                  <a:srgbClr val="000F7E"/>
+                </a:solidFill>
+                <a:latin typeface="Arial" panose="020B0604020202020204" pitchFamily="34" charset="0"/>
+                <a:ea typeface="Source Sans Pro" panose="020B0503030403020204" pitchFamily="34" charset="0"/>
+              </a:rPr>
+              <a:t>Principal Investigator and Affiliations box.</a:t>
+            </a:r>
+            <a:endParaRPr lang="en-US" b="1" dirty="0">
+              <a:solidFill>
+                <a:srgbClr val="000F7E"/>
+              </a:solidFill>
+              <a:latin typeface="Arial" panose="020B0604020202020204" pitchFamily="34" charset="0"/>
+            </a:endParaRPr>
+          </a:p>
+        </p:txBody>
+      </p:sp>
+      <p:sp>
+        <p:nvSpPr>
+          <p:cNvPr id="41" name="Rectangle 40">
+            <a:extLst>
+              <a:ext uri="{FF2B5EF4-FFF2-40B4-BE49-F238E27FC236}">
+                <a16:creationId xmlns:a16="http://schemas.microsoft.com/office/drawing/2014/main" id="{BBCDDF19-58D7-944A-9741-A7EC4D6D388E}"/>
+              </a:ext>
+            </a:extLst>
+          </p:cNvPr>
+          <p:cNvSpPr/>
+          <p:nvPr/>
+        </p:nvSpPr>
+        <p:spPr>
+          <a:xfrm>
+            <a:off x="-11884204" y="24159070"/>
+            <a:ext cx="2438400" cy="2402869"/>
+          </a:xfrm>
+          <a:prstGeom prst="rect">
+            <a:avLst/>
+          </a:prstGeom>
+          <a:solidFill>
+            <a:srgbClr val="0070C1"/>
+          </a:solidFill>
+          <a:ln>
+            <a:noFill/>
+          </a:ln>
+        </p:spPr>
+        <p:style>
+          <a:lnRef idx="1">
+            <a:schemeClr val="accent1"/>
+          </a:lnRef>
+          <a:fillRef idx="3">
+            <a:schemeClr val="accent1"/>
+          </a:fillRef>
+          <a:effectRef idx="2">
+            <a:schemeClr val="accent1"/>
+          </a:effectRef>
+          <a:fontRef idx="minor">
+            <a:schemeClr val="lt1"/>
+          </a:fontRef>
+        </p:style>
+        <p:txBody>
+          <a:bodyPr rtlCol="0" anchor="ctr"/>
+          <a:lstStyle/>
+          <a:p>
+            <a:pPr algn="ctr"/>
+            <a:endParaRPr lang="en-US" dirty="0">
+              <a:solidFill>
+                <a:srgbClr val="0070C1"/>
+              </a:solidFill>
+              <a:latin typeface="Arial" panose="020B0604020202020204" pitchFamily="34" charset="0"/>
+            </a:endParaRPr>
+          </a:p>
+        </p:txBody>
+      </p:sp>
+      <p:sp>
+        <p:nvSpPr>
+          <p:cNvPr id="45" name="TextBox 44">
+            <a:extLst>
+              <a:ext uri="{FF2B5EF4-FFF2-40B4-BE49-F238E27FC236}">
+                <a16:creationId xmlns:a16="http://schemas.microsoft.com/office/drawing/2014/main" id="{488F1E08-5D7C-D04E-8CDA-ABAC6780AC20}"/>
+              </a:ext>
+            </a:extLst>
+          </p:cNvPr>
+          <p:cNvSpPr txBox="1"/>
+          <p:nvPr/>
+        </p:nvSpPr>
+        <p:spPr>
+          <a:xfrm>
+            <a:off x="-11887199" y="26813717"/>
+            <a:ext cx="11887199" cy="2616101"/>
+          </a:xfrm>
+          <a:prstGeom prst="rect">
+            <a:avLst/>
+          </a:prstGeom>
+          <a:noFill/>
+        </p:spPr>
+        <p:txBody>
+          <a:bodyPr wrap="square" rtlCol="0">
+            <a:spAutoFit/>
+          </a:bodyPr>
+          <a:lstStyle/>
+          <a:p>
+            <a:r>
+              <a:rPr lang="en-US" dirty="0">
+                <a:solidFill>
+                  <a:srgbClr val="0070C1"/>
+                </a:solidFill>
+                <a:latin typeface="Arial" panose="020B0604020202020204" pitchFamily="34" charset="0"/>
+                <a:ea typeface="Source Sans Pro" panose="020B0503030403020204" pitchFamily="34" charset="0"/>
+              </a:rPr>
+              <a:t>Secondary LANL Blue</a:t>
+            </a:r>
+            <a:endParaRPr lang="en-US" dirty="0">
+              <a:solidFill>
+                <a:srgbClr val="0070C1"/>
+              </a:solidFill>
+              <a:latin typeface="Arial" panose="020B0604020202020204" pitchFamily="34" charset="0"/>
+            </a:endParaRPr>
+          </a:p>
+          <a:p>
+            <a:endParaRPr lang="en-US" dirty="0">
+              <a:latin typeface="Arial" panose="020B0604020202020204" pitchFamily="34" charset="0"/>
+            </a:endParaRPr>
+          </a:p>
+        </p:txBody>
+      </p:sp>
+      <p:sp>
+        <p:nvSpPr>
+          <p:cNvPr id="46" name="TextBox 45">
+            <a:extLst>
+              <a:ext uri="{FF2B5EF4-FFF2-40B4-BE49-F238E27FC236}">
+                <a16:creationId xmlns:a16="http://schemas.microsoft.com/office/drawing/2014/main" id="{FBAABBF4-F40D-5A45-BBE2-9A4AEE710887}"/>
+              </a:ext>
+            </a:extLst>
+          </p:cNvPr>
+          <p:cNvSpPr txBox="1"/>
+          <p:nvPr/>
+        </p:nvSpPr>
+        <p:spPr>
+          <a:xfrm>
+            <a:off x="-11884204" y="1300600"/>
+            <a:ext cx="11519203" cy="1908215"/>
+          </a:xfrm>
+          <a:prstGeom prst="rect">
+            <a:avLst/>
+          </a:prstGeom>
+          <a:noFill/>
+        </p:spPr>
+        <p:txBody>
+          <a:bodyPr wrap="square" rtlCol="0">
+            <a:spAutoFit/>
+          </a:bodyPr>
+          <a:lstStyle/>
+          <a:p>
+            <a:pPr algn="r"/>
+            <a:r>
+              <a:rPr lang="en-US" dirty="0">
+                <a:solidFill>
+                  <a:srgbClr val="000F7E"/>
+                </a:solidFill>
+                <a:latin typeface="Arial" panose="020B0604020202020204" pitchFamily="34" charset="0"/>
+                <a:ea typeface="Source Sans Pro" panose="020B0503030403020204" pitchFamily="34" charset="0"/>
+                <a:sym typeface="Wingdings" pitchFamily="2" charset="2"/>
+              </a:rPr>
+              <a:t>Type is </a:t>
+            </a:r>
+            <a:r>
+              <a:rPr lang="en-US" b="1" dirty="0">
+                <a:solidFill>
+                  <a:srgbClr val="000F7E"/>
+                </a:solidFill>
+                <a:latin typeface="Arial" panose="020B0604020202020204" pitchFamily="34" charset="0"/>
+                <a:ea typeface="Source Sans Pro" panose="020B0503030403020204" pitchFamily="34" charset="0"/>
+                <a:sym typeface="Wingdings" pitchFamily="2" charset="2"/>
+              </a:rPr>
+              <a:t>Arial</a:t>
+            </a:r>
+            <a:r>
+              <a:rPr lang="en-US" dirty="0">
+                <a:solidFill>
+                  <a:srgbClr val="000F7E"/>
+                </a:solidFill>
+                <a:latin typeface="Arial" panose="020B0604020202020204" pitchFamily="34" charset="0"/>
+                <a:ea typeface="Source Sans Pro" panose="020B0503030403020204" pitchFamily="34" charset="0"/>
+                <a:sym typeface="Wingdings" pitchFamily="2" charset="2"/>
+              </a:rPr>
+              <a:t></a:t>
+            </a:r>
+            <a:br>
+              <a:rPr lang="en-US" dirty="0">
+                <a:solidFill>
+                  <a:srgbClr val="000F7E"/>
+                </a:solidFill>
+                <a:latin typeface="Arial" panose="020B0604020202020204" pitchFamily="34" charset="0"/>
+                <a:ea typeface="Source Sans Pro" panose="020B0503030403020204" pitchFamily="34" charset="0"/>
+                <a:sym typeface="Wingdings" pitchFamily="2" charset="2"/>
+              </a:rPr>
+            </a:br>
+            <a:endParaRPr lang="en-US" sz="3600" dirty="0">
+              <a:solidFill>
+                <a:srgbClr val="000F7E"/>
+              </a:solidFill>
+              <a:latin typeface="Arial" panose="020B0604020202020204" pitchFamily="34" charset="0"/>
+              <a:ea typeface="Source Sans Pro" panose="020B0503030403020204" pitchFamily="34" charset="0"/>
+              <a:sym typeface="Wingdings" pitchFamily="2" charset="2"/>
+            </a:endParaRPr>
+          </a:p>
+        </p:txBody>
+      </p:sp>
+      <p:sp>
+        <p:nvSpPr>
+          <p:cNvPr id="39" name="TextBox 38">
+            <a:extLst>
+              <a:ext uri="{FF2B5EF4-FFF2-40B4-BE49-F238E27FC236}">
+                <a16:creationId xmlns:a16="http://schemas.microsoft.com/office/drawing/2014/main" id="{13A27F63-C1FC-154C-9319-9DA7EEC73679}"/>
+              </a:ext>
+            </a:extLst>
+          </p:cNvPr>
+          <p:cNvSpPr txBox="1"/>
+          <p:nvPr/>
+        </p:nvSpPr>
+        <p:spPr>
+          <a:xfrm>
+            <a:off x="-11884204" y="4450200"/>
+            <a:ext cx="11519203" cy="2616101"/>
+          </a:xfrm>
+          <a:prstGeom prst="rect">
+            <a:avLst/>
+          </a:prstGeom>
+          <a:noFill/>
+        </p:spPr>
+        <p:txBody>
+          <a:bodyPr wrap="square" rtlCol="0">
+            <a:spAutoFit/>
+          </a:bodyPr>
+          <a:lstStyle/>
+          <a:p>
+            <a:pPr algn="r"/>
+            <a:r>
+              <a:rPr lang="en-US" dirty="0">
+                <a:solidFill>
+                  <a:srgbClr val="000F7E"/>
+                </a:solidFill>
+                <a:latin typeface="Arial" panose="020B0604020202020204" pitchFamily="34" charset="0"/>
+                <a:ea typeface="Source Sans Pro" panose="020B0503030403020204" pitchFamily="34" charset="0"/>
+                <a:sym typeface="Wingdings" pitchFamily="2" charset="2"/>
+              </a:rPr>
+              <a:t>Go to </a:t>
+            </a:r>
+            <a:r>
+              <a:rPr lang="en-US" b="1" dirty="0">
+                <a:solidFill>
+                  <a:srgbClr val="000F7E"/>
+                </a:solidFill>
+                <a:latin typeface="Arial" panose="020B0604020202020204" pitchFamily="34" charset="0"/>
+                <a:ea typeface="Source Sans Pro" panose="020B0503030403020204" pitchFamily="34" charset="0"/>
+                <a:sym typeface="Wingdings" pitchFamily="2" charset="2"/>
+              </a:rPr>
+              <a:t>View&gt;Guides </a:t>
+            </a:r>
+            <a:r>
+              <a:rPr lang="en-US" dirty="0">
+                <a:solidFill>
+                  <a:srgbClr val="000F7E"/>
+                </a:solidFill>
+                <a:latin typeface="Arial" panose="020B0604020202020204" pitchFamily="34" charset="0"/>
+                <a:ea typeface="Source Sans Pro" panose="020B0503030403020204" pitchFamily="34" charset="0"/>
+                <a:sym typeface="Wingdings" pitchFamily="2" charset="2"/>
+              </a:rPr>
+              <a:t>to view layout guidelines.</a:t>
+            </a:r>
+            <a:endParaRPr lang="en-US" sz="3600" dirty="0">
+              <a:solidFill>
+                <a:srgbClr val="000F7E"/>
+              </a:solidFill>
+              <a:latin typeface="Arial" panose="020B0604020202020204" pitchFamily="34" charset="0"/>
+              <a:ea typeface="Source Sans Pro" panose="020B0503030403020204" pitchFamily="34" charset="0"/>
+              <a:sym typeface="Wingdings" pitchFamily="2" charset="2"/>
+            </a:endParaRPr>
+          </a:p>
+        </p:txBody>
+      </p:sp>
+      <p:sp>
+        <p:nvSpPr>
+          <p:cNvPr id="48" name="TextBox 47">
+            <a:extLst>
+              <a:ext uri="{FF2B5EF4-FFF2-40B4-BE49-F238E27FC236}">
+                <a16:creationId xmlns:a16="http://schemas.microsoft.com/office/drawing/2014/main" id="{76A0D8EC-E309-CA4F-8877-872D252E60E3}"/>
+              </a:ext>
+            </a:extLst>
+          </p:cNvPr>
+          <p:cNvSpPr txBox="1"/>
+          <p:nvPr/>
+        </p:nvSpPr>
+        <p:spPr>
+          <a:xfrm>
+            <a:off x="-14494932" y="8512535"/>
+            <a:ext cx="14031534" cy="3877985"/>
+          </a:xfrm>
+          <a:prstGeom prst="rect">
+            <a:avLst/>
+          </a:prstGeom>
+          <a:noFill/>
+        </p:spPr>
+        <p:txBody>
+          <a:bodyPr wrap="square" rtlCol="0">
+            <a:spAutoFit/>
+          </a:bodyPr>
+          <a:lstStyle/>
+          <a:p>
+            <a:pPr algn="r"/>
+            <a:r>
+              <a:rPr lang="en-US" dirty="0">
+                <a:solidFill>
+                  <a:srgbClr val="000F7E"/>
+                </a:solidFill>
+                <a:latin typeface="Arial" panose="020B0604020202020204" pitchFamily="34" charset="0"/>
+                <a:ea typeface="Source Sans Pro" panose="020B0503030403020204" pitchFamily="34" charset="0"/>
+                <a:sym typeface="Wingdings" pitchFamily="2" charset="2"/>
+              </a:rPr>
+              <a:t>*Character spacing can be set in the </a:t>
+            </a:r>
+            <a:r>
+              <a:rPr lang="en-US" b="1" dirty="0">
+                <a:solidFill>
+                  <a:srgbClr val="000F7E"/>
+                </a:solidFill>
+                <a:latin typeface="Arial" panose="020B0604020202020204" pitchFamily="34" charset="0"/>
+                <a:ea typeface="Source Sans Pro" panose="020B0503030403020204" pitchFamily="34" charset="0"/>
+                <a:sym typeface="Wingdings" pitchFamily="2" charset="2"/>
+              </a:rPr>
+              <a:t>Home Tab </a:t>
+            </a:r>
+            <a:r>
+              <a:rPr lang="en-US" dirty="0">
+                <a:solidFill>
+                  <a:srgbClr val="000F7E"/>
+                </a:solidFill>
+                <a:latin typeface="Arial" panose="020B0604020202020204" pitchFamily="34" charset="0"/>
+                <a:ea typeface="Source Sans Pro" panose="020B0503030403020204" pitchFamily="34" charset="0"/>
+                <a:sym typeface="Wingdings" pitchFamily="2" charset="2"/>
+              </a:rPr>
+              <a:t>on the </a:t>
+            </a:r>
+            <a:r>
+              <a:rPr lang="en-US" b="1" dirty="0">
+                <a:solidFill>
+                  <a:srgbClr val="000F7E"/>
+                </a:solidFill>
+                <a:latin typeface="Arial" panose="020B0604020202020204" pitchFamily="34" charset="0"/>
+                <a:ea typeface="Source Sans Pro" panose="020B0503030403020204" pitchFamily="34" charset="0"/>
+                <a:sym typeface="Wingdings" pitchFamily="2" charset="2"/>
+              </a:rPr>
+              <a:t>Toolbar</a:t>
+            </a:r>
+            <a:r>
+              <a:rPr lang="en-US" dirty="0">
+                <a:solidFill>
+                  <a:srgbClr val="000F7E"/>
+                </a:solidFill>
+                <a:latin typeface="Arial" panose="020B0604020202020204" pitchFamily="34" charset="0"/>
+                <a:ea typeface="Source Sans Pro" panose="020B0503030403020204" pitchFamily="34" charset="0"/>
+                <a:sym typeface="Wingdings" pitchFamily="2" charset="2"/>
+              </a:rPr>
+              <a:t> below font name</a:t>
+            </a:r>
+            <a:endParaRPr lang="en-US" sz="3600" dirty="0">
+              <a:solidFill>
+                <a:srgbClr val="000F7E"/>
+              </a:solidFill>
+              <a:latin typeface="Arial" panose="020B0604020202020204" pitchFamily="34" charset="0"/>
+              <a:ea typeface="Source Sans Pro" panose="020B0503030403020204" pitchFamily="34" charset="0"/>
+              <a:sym typeface="Wingdings" pitchFamily="2" charset="2"/>
+            </a:endParaRPr>
+          </a:p>
+        </p:txBody>
+      </p:sp>
+      <p:pic>
+        <p:nvPicPr>
+          <p:cNvPr id="6" name="Picture 5">
+            <a:extLst>
+              <a:ext uri="{FF2B5EF4-FFF2-40B4-BE49-F238E27FC236}">
+                <a16:creationId xmlns:a16="http://schemas.microsoft.com/office/drawing/2014/main" id="{BF4DC08E-CDF7-F847-8943-0952D8008ED9}"/>
+              </a:ext>
+            </a:extLst>
+          </p:cNvPr>
+          <p:cNvPicPr>
+            <a:picLocks noChangeAspect="1"/>
+          </p:cNvPicPr>
+          <p:nvPr/>
+        </p:nvPicPr>
+        <p:blipFill>
+          <a:blip r:embed="rId3"/>
+          <a:srcRect/>
+          <a:stretch/>
+        </p:blipFill>
+        <p:spPr>
+          <a:xfrm>
+            <a:off x="-12115666" y="12390520"/>
+            <a:ext cx="11652268" cy="2402869"/>
+          </a:xfrm>
+          <a:prstGeom prst="rect">
+            <a:avLst/>
+          </a:prstGeom>
+        </p:spPr>
+      </p:pic>
+      <p:sp>
+        <p:nvSpPr>
+          <p:cNvPr id="35" name="Text Placeholder 4">
+            <a:extLst>
+              <a:ext uri="{FF2B5EF4-FFF2-40B4-BE49-F238E27FC236}">
+                <a16:creationId xmlns:a16="http://schemas.microsoft.com/office/drawing/2014/main" id="{ADF15B3B-EC7D-B24B-B259-473561AA6778}"/>
+              </a:ext>
+            </a:extLst>
+          </p:cNvPr>
+          <p:cNvSpPr txBox="1">
+            <a:spLocks/>
+          </p:cNvSpPr>
+          <p:nvPr/>
+        </p:nvSpPr>
+        <p:spPr>
+          <a:xfrm>
+            <a:off x="20155545" y="30909917"/>
+            <a:ext cx="3290956" cy="356782"/>
+          </a:xfrm>
+          <a:prstGeom prst="rect">
+            <a:avLst/>
+          </a:prstGeom>
+        </p:spPr>
+        <p:txBody>
+          <a:bodyPr lIns="0" tIns="0" rIns="0" bIns="0" anchor="ctr" anchorCtr="0"/>
+          <a:lstStyle>
+            <a:lvl1pPr marL="1567533" indent="-1567533" algn="l" defTabSz="2090044" rtl="0" eaLnBrk="1" latinLnBrk="0" hangingPunct="1">
+              <a:spcBef>
+                <a:spcPct val="20000"/>
+              </a:spcBef>
+              <a:buFontTx/>
+              <a:buNone/>
+              <a:defRPr sz="1000" b="0" i="0" kern="1200">
+                <a:solidFill>
+                  <a:schemeClr val="bg1">
+                    <a:lumMod val="65000"/>
+                  </a:schemeClr>
+                </a:solidFill>
+                <a:latin typeface="Arial" panose="020B0604020202020204" pitchFamily="34" charset="0"/>
+                <a:ea typeface="+mn-ea"/>
+                <a:cs typeface="+mn-cs"/>
+              </a:defRPr>
+            </a:lvl1pPr>
+            <a:lvl2pPr marL="3396322" indent="-1306278" algn="l" defTabSz="2090044" rtl="0" eaLnBrk="1" latinLnBrk="0" hangingPunct="1">
+              <a:spcBef>
+                <a:spcPct val="20000"/>
+              </a:spcBef>
+              <a:buFontTx/>
+              <a:buNone/>
+              <a:defRPr sz="1200" b="0" i="0" kern="1200">
+                <a:solidFill>
+                  <a:schemeClr val="bg1">
+                    <a:lumMod val="65000"/>
+                  </a:schemeClr>
+                </a:solidFill>
+                <a:latin typeface="Arial" panose="020B0604020202020204" pitchFamily="34" charset="0"/>
+                <a:ea typeface="+mn-ea"/>
+                <a:cs typeface="+mn-cs"/>
+              </a:defRPr>
+            </a:lvl2pPr>
+            <a:lvl3pPr marL="5225110" indent="-1045022" algn="l" defTabSz="2090044" rtl="0" eaLnBrk="1" latinLnBrk="0" hangingPunct="1">
+              <a:spcBef>
+                <a:spcPct val="20000"/>
+              </a:spcBef>
+              <a:buFontTx/>
+              <a:buNone/>
+              <a:defRPr sz="1200" b="0" i="0" kern="1200">
+                <a:solidFill>
+                  <a:schemeClr val="bg1">
+                    <a:lumMod val="65000"/>
+                  </a:schemeClr>
+                </a:solidFill>
+                <a:latin typeface="Arial" panose="020B0604020202020204" pitchFamily="34" charset="0"/>
+                <a:ea typeface="+mn-ea"/>
+                <a:cs typeface="+mn-cs"/>
+              </a:defRPr>
+            </a:lvl3pPr>
+            <a:lvl4pPr marL="7315154" indent="-1045022" algn="l" defTabSz="2090044" rtl="0" eaLnBrk="1" latinLnBrk="0" hangingPunct="1">
+              <a:spcBef>
+                <a:spcPct val="20000"/>
+              </a:spcBef>
+              <a:buFontTx/>
+              <a:buNone/>
+              <a:defRPr sz="1200" b="0" i="0" kern="1200">
+                <a:solidFill>
+                  <a:schemeClr val="bg1">
+                    <a:lumMod val="65000"/>
+                  </a:schemeClr>
+                </a:solidFill>
+                <a:latin typeface="Arial" panose="020B0604020202020204" pitchFamily="34" charset="0"/>
+                <a:ea typeface="+mn-ea"/>
+                <a:cs typeface="+mn-cs"/>
+              </a:defRPr>
+            </a:lvl4pPr>
+            <a:lvl5pPr marL="9405198" indent="-1045022" algn="l" defTabSz="2090044" rtl="0" eaLnBrk="1" latinLnBrk="0" hangingPunct="1">
+              <a:spcBef>
+                <a:spcPct val="20000"/>
+              </a:spcBef>
+              <a:buFontTx/>
+              <a:buNone/>
+              <a:defRPr sz="1200" b="0" i="0" kern="1200">
+                <a:solidFill>
+                  <a:schemeClr val="bg1">
+                    <a:lumMod val="65000"/>
+                  </a:schemeClr>
+                </a:solidFill>
+                <a:latin typeface="Arial" panose="020B0604020202020204" pitchFamily="34" charset="0"/>
+                <a:ea typeface="+mn-ea"/>
+                <a:cs typeface="+mn-cs"/>
+              </a:defRPr>
+            </a:lvl5pPr>
+            <a:lvl6pPr marL="11495242" indent="-1045022" algn="l" defTabSz="2090044" rtl="0" eaLnBrk="1" latinLnBrk="0" hangingPunct="1">
+              <a:spcBef>
+                <a:spcPct val="20000"/>
+              </a:spcBef>
+              <a:buFont typeface="Arial"/>
+              <a:buChar char="•"/>
+              <a:defRPr sz="9100" kern="1200">
+                <a:solidFill>
+                  <a:schemeClr val="tx1"/>
+                </a:solidFill>
+                <a:latin typeface="+mn-lt"/>
+                <a:ea typeface="+mn-ea"/>
+                <a:cs typeface="+mn-cs"/>
+              </a:defRPr>
+            </a:lvl6pPr>
+            <a:lvl7pPr marL="13585287" indent="-1045022" algn="l" defTabSz="2090044" rtl="0" eaLnBrk="1" latinLnBrk="0" hangingPunct="1">
+              <a:spcBef>
+                <a:spcPct val="20000"/>
+              </a:spcBef>
+              <a:buFont typeface="Arial"/>
+              <a:buChar char="•"/>
+              <a:defRPr sz="9100" kern="1200">
+                <a:solidFill>
+                  <a:schemeClr val="tx1"/>
+                </a:solidFill>
+                <a:latin typeface="+mn-lt"/>
+                <a:ea typeface="+mn-ea"/>
+                <a:cs typeface="+mn-cs"/>
+              </a:defRPr>
+            </a:lvl7pPr>
+            <a:lvl8pPr marL="15675331" indent="-1045022" algn="l" defTabSz="2090044" rtl="0" eaLnBrk="1" latinLnBrk="0" hangingPunct="1">
+              <a:spcBef>
+                <a:spcPct val="20000"/>
+              </a:spcBef>
+              <a:buFont typeface="Arial"/>
+              <a:buChar char="•"/>
+              <a:defRPr sz="9100" kern="1200">
+                <a:solidFill>
+                  <a:schemeClr val="tx1"/>
+                </a:solidFill>
+                <a:latin typeface="+mn-lt"/>
+                <a:ea typeface="+mn-ea"/>
+                <a:cs typeface="+mn-cs"/>
+              </a:defRPr>
+            </a:lvl8pPr>
+            <a:lvl9pPr marL="17765375" indent="-1045022" algn="l" defTabSz="2090044" rtl="0" eaLnBrk="1" latinLnBrk="0" hangingPunct="1">
+              <a:spcBef>
+                <a:spcPct val="20000"/>
+              </a:spcBef>
+              <a:buFont typeface="Arial"/>
+              <a:buChar char="•"/>
+              <a:defRPr sz="9100" kern="1200">
+                <a:solidFill>
+                  <a:schemeClr val="tx1"/>
+                </a:solidFill>
+                <a:latin typeface="+mn-lt"/>
+                <a:ea typeface="+mn-ea"/>
+                <a:cs typeface="+mn-cs"/>
+              </a:defRPr>
+            </a:lvl9pPr>
+          </a:lstStyle>
+          <a:p>
+            <a:r>
+              <a:rPr lang="en-US" sz="1800" dirty="0">
+                <a:solidFill>
+                  <a:srgbClr val="CDD1E2"/>
+                </a:solidFill>
+              </a:rPr>
+              <a:t>LA-UR# number goes here</a:t>
+            </a:r>
+          </a:p>
+        </p:txBody>
+      </p:sp>
+      <p:pic>
+        <p:nvPicPr>
+          <p:cNvPr id="15" name="Picture 14">
+            <a:extLst>
+              <a:ext uri="{FF2B5EF4-FFF2-40B4-BE49-F238E27FC236}">
+                <a16:creationId xmlns:a16="http://schemas.microsoft.com/office/drawing/2014/main" id="{DD8A48F2-2E29-7EB8-6DB6-C294AC285F83}"/>
+              </a:ext>
+            </a:extLst>
+          </p:cNvPr>
+          <p:cNvPicPr>
+            <a:picLocks noChangeAspect="1"/>
+          </p:cNvPicPr>
+          <p:nvPr/>
+        </p:nvPicPr>
+        <p:blipFill>
+          <a:blip r:embed="rId4"/>
+          <a:stretch>
+            <a:fillRect/>
+          </a:stretch>
+        </p:blipFill>
+        <p:spPr>
+          <a:xfrm>
+            <a:off x="14740425" y="10514374"/>
+            <a:ext cx="11915775" cy="7629525"/>
+          </a:xfrm>
+          <a:prstGeom prst="rect">
+            <a:avLst/>
+          </a:prstGeom>
+        </p:spPr>
+      </p:pic>
+      <p:sp>
+        <p:nvSpPr>
+          <p:cNvPr id="18" name="Text Box 180">
+            <a:extLst>
+              <a:ext uri="{FF2B5EF4-FFF2-40B4-BE49-F238E27FC236}">
+                <a16:creationId xmlns:a16="http://schemas.microsoft.com/office/drawing/2014/main" id="{8F5C3C6C-97A6-6E6D-E687-6B3BC5AAF368}"/>
               </a:ext>
             </a:extLst>
           </p:cNvPr>
@@ -6439,8 +5769,8 @@
         </p:nvSpPr>
         <p:spPr bwMode="auto">
           <a:xfrm>
-            <a:off x="27889200" y="28604388"/>
-            <a:ext cx="3819611" cy="438569"/>
+            <a:off x="14624186" y="23954932"/>
+            <a:ext cx="7377636" cy="438569"/>
           </a:xfrm>
           <a:prstGeom prst="rect">
             <a:avLst/>
@@ -6494,7 +5824,7 @@
                 <a:latin typeface="Arial" panose="020B0604020202020204" pitchFamily="34" charset="0"/>
                 <a:ea typeface="Source Sans Pro" panose="020B0503030403020204" pitchFamily="34" charset="0"/>
               </a:rPr>
-              <a:t>Chart 1. </a:t>
+              <a:t>Chart 3. </a:t>
             </a:r>
             <a:r>
               <a:rPr lang="en-US" sz="2400" kern="1200" dirty="0">
@@ -6504,903 +5834,8 @@
                 <a:latin typeface="Arial" panose="020B0604020202020204" pitchFamily="34" charset="0"/>
                 <a:ea typeface="Source Sans Pro" panose="020B0503030403020204" pitchFamily="34" charset="0"/>
               </a:rPr>
-              <a:t>Label in 24pt </a:t>
-            </a:r>
-            <a:r>
-              <a:rPr lang="en-US" sz="2400" dirty="0">
-                <a:solidFill>
-                  <a:srgbClr val="000F7E"/>
-                </a:solidFill>
-                <a:latin typeface="Arial" panose="020B0604020202020204" pitchFamily="34" charset="0"/>
-                <a:ea typeface="Source Sans Pro" panose="020B0503030403020204" pitchFamily="34" charset="0"/>
-                <a:cs typeface="Times"/>
-              </a:rPr>
-              <a:t>Arial</a:t>
-            </a:r>
-            <a:endParaRPr lang="en-US" sz="2400" kern="1200" dirty="0">
-              <a:solidFill>
-                <a:srgbClr val="000F7E"/>
-              </a:solidFill>
-              <a:latin typeface="Arial" panose="020B0604020202020204" pitchFamily="34" charset="0"/>
-              <a:ea typeface="Source Sans Pro" panose="020B0503030403020204" pitchFamily="34" charset="0"/>
-            </a:endParaRPr>
-          </a:p>
-        </p:txBody>
-      </p:sp>
-      <p:sp>
-        <p:nvSpPr>
-          <p:cNvPr id="2" name="Rectangle 1">
-            <a:extLst>
-              <a:ext uri="{FF2B5EF4-FFF2-40B4-BE49-F238E27FC236}">
-                <a16:creationId xmlns:a16="http://schemas.microsoft.com/office/drawing/2014/main" id="{102A30A4-D345-7F40-BD1E-CD71BE6CFEBA}"/>
-              </a:ext>
-            </a:extLst>
-          </p:cNvPr>
-          <p:cNvSpPr/>
-          <p:nvPr/>
-        </p:nvSpPr>
-        <p:spPr>
-          <a:xfrm>
-            <a:off x="-11884204" y="18631876"/>
-            <a:ext cx="2438400" cy="2402869"/>
-          </a:xfrm>
-          <a:prstGeom prst="rect">
-            <a:avLst/>
-          </a:prstGeom>
-          <a:solidFill>
-            <a:srgbClr val="000F7E"/>
-          </a:solidFill>
-          <a:ln>
-            <a:noFill/>
-          </a:ln>
-        </p:spPr>
-        <p:style>
-          <a:lnRef idx="1">
-            <a:schemeClr val="accent1"/>
-          </a:lnRef>
-          <a:fillRef idx="3">
-            <a:schemeClr val="accent1"/>
-          </a:fillRef>
-          <a:effectRef idx="2">
-            <a:schemeClr val="accent1"/>
-          </a:effectRef>
-          <a:fontRef idx="minor">
-            <a:schemeClr val="lt1"/>
-          </a:fontRef>
-        </p:style>
-        <p:txBody>
-          <a:bodyPr rtlCol="0" anchor="ctr"/>
-          <a:lstStyle/>
-          <a:p>
-            <a:pPr algn="ctr"/>
-            <a:endParaRPr lang="en-US" dirty="0">
-              <a:latin typeface="Arial" panose="020B0604020202020204" pitchFamily="34" charset="0"/>
-            </a:endParaRPr>
-          </a:p>
-        </p:txBody>
-      </p:sp>
-      <p:sp>
-        <p:nvSpPr>
-          <p:cNvPr id="3" name="TextBox 2">
-            <a:extLst>
-              <a:ext uri="{FF2B5EF4-FFF2-40B4-BE49-F238E27FC236}">
-                <a16:creationId xmlns:a16="http://schemas.microsoft.com/office/drawing/2014/main" id="{EFC6F27A-4F30-9740-B167-6369DBAC09BC}"/>
-              </a:ext>
-            </a:extLst>
-          </p:cNvPr>
-          <p:cNvSpPr txBox="1"/>
-          <p:nvPr/>
-        </p:nvSpPr>
-        <p:spPr>
-          <a:xfrm>
-            <a:off x="-11884205" y="21286523"/>
-            <a:ext cx="9953727" cy="2616101"/>
-          </a:xfrm>
-          <a:prstGeom prst="rect">
-            <a:avLst/>
-          </a:prstGeom>
-          <a:noFill/>
-        </p:spPr>
-        <p:txBody>
-          <a:bodyPr wrap="square" rtlCol="0">
-            <a:spAutoFit/>
-          </a:bodyPr>
-          <a:lstStyle/>
-          <a:p>
-            <a:r>
-              <a:rPr lang="en-US" dirty="0">
-                <a:solidFill>
-                  <a:srgbClr val="000F7E"/>
-                </a:solidFill>
-                <a:latin typeface="Arial" panose="020B0604020202020204" pitchFamily="34" charset="0"/>
-                <a:ea typeface="Source Sans Pro" panose="020B0503030403020204" pitchFamily="34" charset="0"/>
-              </a:rPr>
-              <a:t>Primary LANL Blue</a:t>
-            </a:r>
-            <a:endParaRPr lang="en-US" dirty="0">
-              <a:solidFill>
-                <a:srgbClr val="000F7E"/>
-              </a:solidFill>
-              <a:latin typeface="Arial" panose="020B0604020202020204" pitchFamily="34" charset="0"/>
-            </a:endParaRPr>
-          </a:p>
-          <a:p>
-            <a:endParaRPr lang="en-US" dirty="0">
-              <a:latin typeface="Arial" panose="020B0604020202020204" pitchFamily="34" charset="0"/>
-            </a:endParaRPr>
-          </a:p>
-        </p:txBody>
-      </p:sp>
-      <p:sp>
-        <p:nvSpPr>
-          <p:cNvPr id="40" name="TextBox 39">
-            <a:extLst>
-              <a:ext uri="{FF2B5EF4-FFF2-40B4-BE49-F238E27FC236}">
-                <a16:creationId xmlns:a16="http://schemas.microsoft.com/office/drawing/2014/main" id="{98723D97-E242-9344-8CA1-C07A4A358E74}"/>
-              </a:ext>
-            </a:extLst>
-          </p:cNvPr>
-          <p:cNvSpPr txBox="1"/>
-          <p:nvPr/>
-        </p:nvSpPr>
-        <p:spPr>
-          <a:xfrm>
-            <a:off x="41706801" y="3143249"/>
-            <a:ext cx="9921630" cy="7663636"/>
-          </a:xfrm>
-          <a:prstGeom prst="rect">
-            <a:avLst/>
-          </a:prstGeom>
-          <a:noFill/>
-        </p:spPr>
-        <p:txBody>
-          <a:bodyPr wrap="square" rtlCol="0">
-            <a:spAutoFit/>
-          </a:bodyPr>
-          <a:lstStyle/>
-          <a:p>
-            <a:r>
-              <a:rPr lang="en-US" dirty="0">
-                <a:solidFill>
-                  <a:srgbClr val="000F7E"/>
-                </a:solidFill>
-                <a:latin typeface="Arial" panose="020B0604020202020204" pitchFamily="34" charset="0"/>
-                <a:ea typeface="Source Sans Pro" panose="020B0503030403020204" pitchFamily="34" charset="0"/>
-                <a:sym typeface="Wingdings" pitchFamily="2" charset="2"/>
-              </a:rPr>
-              <a:t></a:t>
-            </a:r>
-            <a:r>
-              <a:rPr lang="en-US" dirty="0">
-                <a:solidFill>
-                  <a:srgbClr val="000F7E"/>
-                </a:solidFill>
-                <a:latin typeface="Arial" panose="020B0604020202020204" pitchFamily="34" charset="0"/>
-                <a:ea typeface="Source Sans Pro" panose="020B0503030403020204" pitchFamily="34" charset="0"/>
-              </a:rPr>
-              <a:t>Additional Logos can be placed in line with the blue </a:t>
-            </a:r>
-            <a:r>
-              <a:rPr lang="en-US" b="1" dirty="0">
-                <a:solidFill>
-                  <a:srgbClr val="000F7E"/>
-                </a:solidFill>
-                <a:latin typeface="Arial" panose="020B0604020202020204" pitchFamily="34" charset="0"/>
-                <a:ea typeface="Source Sans Pro" panose="020B0503030403020204" pitchFamily="34" charset="0"/>
-              </a:rPr>
-              <a:t>Principal Investigator and Affiliations box.</a:t>
-            </a:r>
-            <a:endParaRPr lang="en-US" b="1" dirty="0">
-              <a:solidFill>
-                <a:srgbClr val="000F7E"/>
-              </a:solidFill>
-              <a:latin typeface="Arial" panose="020B0604020202020204" pitchFamily="34" charset="0"/>
-            </a:endParaRPr>
-          </a:p>
-        </p:txBody>
-      </p:sp>
-      <p:sp>
-        <p:nvSpPr>
-          <p:cNvPr id="41" name="Rectangle 40">
-            <a:extLst>
-              <a:ext uri="{FF2B5EF4-FFF2-40B4-BE49-F238E27FC236}">
-                <a16:creationId xmlns:a16="http://schemas.microsoft.com/office/drawing/2014/main" id="{BBCDDF19-58D7-944A-9741-A7EC4D6D388E}"/>
-              </a:ext>
-            </a:extLst>
-          </p:cNvPr>
-          <p:cNvSpPr/>
-          <p:nvPr/>
-        </p:nvSpPr>
-        <p:spPr>
-          <a:xfrm>
-            <a:off x="-11884204" y="24159070"/>
-            <a:ext cx="2438400" cy="2402869"/>
-          </a:xfrm>
-          <a:prstGeom prst="rect">
-            <a:avLst/>
-          </a:prstGeom>
-          <a:solidFill>
-            <a:srgbClr val="0070C1"/>
-          </a:solidFill>
-          <a:ln>
-            <a:noFill/>
-          </a:ln>
-        </p:spPr>
-        <p:style>
-          <a:lnRef idx="1">
-            <a:schemeClr val="accent1"/>
-          </a:lnRef>
-          <a:fillRef idx="3">
-            <a:schemeClr val="accent1"/>
-          </a:fillRef>
-          <a:effectRef idx="2">
-            <a:schemeClr val="accent1"/>
-          </a:effectRef>
-          <a:fontRef idx="minor">
-            <a:schemeClr val="lt1"/>
-          </a:fontRef>
-        </p:style>
-        <p:txBody>
-          <a:bodyPr rtlCol="0" anchor="ctr"/>
-          <a:lstStyle/>
-          <a:p>
-            <a:pPr algn="ctr"/>
-            <a:endParaRPr lang="en-US" dirty="0">
-              <a:solidFill>
-                <a:srgbClr val="0070C1"/>
-              </a:solidFill>
-              <a:latin typeface="Arial" panose="020B0604020202020204" pitchFamily="34" charset="0"/>
-            </a:endParaRPr>
-          </a:p>
-        </p:txBody>
-      </p:sp>
-      <p:sp>
-        <p:nvSpPr>
-          <p:cNvPr id="45" name="TextBox 44">
-            <a:extLst>
-              <a:ext uri="{FF2B5EF4-FFF2-40B4-BE49-F238E27FC236}">
-                <a16:creationId xmlns:a16="http://schemas.microsoft.com/office/drawing/2014/main" id="{488F1E08-5D7C-D04E-8CDA-ABAC6780AC20}"/>
-              </a:ext>
-            </a:extLst>
-          </p:cNvPr>
-          <p:cNvSpPr txBox="1"/>
-          <p:nvPr/>
-        </p:nvSpPr>
-        <p:spPr>
-          <a:xfrm>
-            <a:off x="-11887199" y="26813717"/>
-            <a:ext cx="11887199" cy="2616101"/>
-          </a:xfrm>
-          <a:prstGeom prst="rect">
-            <a:avLst/>
-          </a:prstGeom>
-          <a:noFill/>
-        </p:spPr>
-        <p:txBody>
-          <a:bodyPr wrap="square" rtlCol="0">
-            <a:spAutoFit/>
-          </a:bodyPr>
-          <a:lstStyle/>
-          <a:p>
-            <a:r>
-              <a:rPr lang="en-US" dirty="0">
-                <a:solidFill>
-                  <a:srgbClr val="0070C1"/>
-                </a:solidFill>
-                <a:latin typeface="Arial" panose="020B0604020202020204" pitchFamily="34" charset="0"/>
-                <a:ea typeface="Source Sans Pro" panose="020B0503030403020204" pitchFamily="34" charset="0"/>
-              </a:rPr>
-              <a:t>Secondary LANL Blue</a:t>
-            </a:r>
-            <a:endParaRPr lang="en-US" dirty="0">
-              <a:solidFill>
-                <a:srgbClr val="0070C1"/>
-              </a:solidFill>
-              <a:latin typeface="Arial" panose="020B0604020202020204" pitchFamily="34" charset="0"/>
-            </a:endParaRPr>
-          </a:p>
-          <a:p>
-            <a:endParaRPr lang="en-US" dirty="0">
-              <a:latin typeface="Arial" panose="020B0604020202020204" pitchFamily="34" charset="0"/>
-            </a:endParaRPr>
-          </a:p>
-        </p:txBody>
-      </p:sp>
-      <p:sp>
-        <p:nvSpPr>
-          <p:cNvPr id="46" name="TextBox 45">
-            <a:extLst>
-              <a:ext uri="{FF2B5EF4-FFF2-40B4-BE49-F238E27FC236}">
-                <a16:creationId xmlns:a16="http://schemas.microsoft.com/office/drawing/2014/main" id="{FBAABBF4-F40D-5A45-BBE2-9A4AEE710887}"/>
-              </a:ext>
-            </a:extLst>
-          </p:cNvPr>
-          <p:cNvSpPr txBox="1"/>
-          <p:nvPr/>
-        </p:nvSpPr>
-        <p:spPr>
-          <a:xfrm>
-            <a:off x="-11884204" y="1300600"/>
-            <a:ext cx="11519203" cy="1908215"/>
-          </a:xfrm>
-          <a:prstGeom prst="rect">
-            <a:avLst/>
-          </a:prstGeom>
-          <a:noFill/>
-        </p:spPr>
-        <p:txBody>
-          <a:bodyPr wrap="square" rtlCol="0">
-            <a:spAutoFit/>
-          </a:bodyPr>
-          <a:lstStyle/>
-          <a:p>
-            <a:pPr algn="r"/>
-            <a:r>
-              <a:rPr lang="en-US" dirty="0">
-                <a:solidFill>
-                  <a:srgbClr val="000F7E"/>
-                </a:solidFill>
-                <a:latin typeface="Arial" panose="020B0604020202020204" pitchFamily="34" charset="0"/>
-                <a:ea typeface="Source Sans Pro" panose="020B0503030403020204" pitchFamily="34" charset="0"/>
-                <a:sym typeface="Wingdings" pitchFamily="2" charset="2"/>
-              </a:rPr>
-              <a:t>Type is </a:t>
-            </a:r>
-            <a:r>
-              <a:rPr lang="en-US" b="1" dirty="0">
-                <a:solidFill>
-                  <a:srgbClr val="000F7E"/>
-                </a:solidFill>
-                <a:latin typeface="Arial" panose="020B0604020202020204" pitchFamily="34" charset="0"/>
-                <a:ea typeface="Source Sans Pro" panose="020B0503030403020204" pitchFamily="34" charset="0"/>
-                <a:sym typeface="Wingdings" pitchFamily="2" charset="2"/>
-              </a:rPr>
-              <a:t>Arial</a:t>
-            </a:r>
-            <a:r>
-              <a:rPr lang="en-US" dirty="0">
-                <a:solidFill>
-                  <a:srgbClr val="000F7E"/>
-                </a:solidFill>
-                <a:latin typeface="Arial" panose="020B0604020202020204" pitchFamily="34" charset="0"/>
-                <a:ea typeface="Source Sans Pro" panose="020B0503030403020204" pitchFamily="34" charset="0"/>
-                <a:sym typeface="Wingdings" pitchFamily="2" charset="2"/>
-              </a:rPr>
-              <a:t></a:t>
-            </a:r>
-            <a:br>
-              <a:rPr lang="en-US" dirty="0">
-                <a:solidFill>
-                  <a:srgbClr val="000F7E"/>
-                </a:solidFill>
-                <a:latin typeface="Arial" panose="020B0604020202020204" pitchFamily="34" charset="0"/>
-                <a:ea typeface="Source Sans Pro" panose="020B0503030403020204" pitchFamily="34" charset="0"/>
-                <a:sym typeface="Wingdings" pitchFamily="2" charset="2"/>
-              </a:rPr>
-            </a:br>
-            <a:endParaRPr lang="en-US" sz="3600" dirty="0">
-              <a:solidFill>
-                <a:srgbClr val="000F7E"/>
-              </a:solidFill>
-              <a:latin typeface="Arial" panose="020B0604020202020204" pitchFamily="34" charset="0"/>
-              <a:ea typeface="Source Sans Pro" panose="020B0503030403020204" pitchFamily="34" charset="0"/>
-              <a:sym typeface="Wingdings" pitchFamily="2" charset="2"/>
-            </a:endParaRPr>
-          </a:p>
-        </p:txBody>
-      </p:sp>
-      <p:sp>
-        <p:nvSpPr>
-          <p:cNvPr id="39" name="TextBox 38">
-            <a:extLst>
-              <a:ext uri="{FF2B5EF4-FFF2-40B4-BE49-F238E27FC236}">
-                <a16:creationId xmlns:a16="http://schemas.microsoft.com/office/drawing/2014/main" id="{13A27F63-C1FC-154C-9319-9DA7EEC73679}"/>
-              </a:ext>
-            </a:extLst>
-          </p:cNvPr>
-          <p:cNvSpPr txBox="1"/>
-          <p:nvPr/>
-        </p:nvSpPr>
-        <p:spPr>
-          <a:xfrm>
-            <a:off x="-11884204" y="4450200"/>
-            <a:ext cx="11519203" cy="2616101"/>
-          </a:xfrm>
-          <a:prstGeom prst="rect">
-            <a:avLst/>
-          </a:prstGeom>
-          <a:noFill/>
-        </p:spPr>
-        <p:txBody>
-          <a:bodyPr wrap="square" rtlCol="0">
-            <a:spAutoFit/>
-          </a:bodyPr>
-          <a:lstStyle/>
-          <a:p>
-            <a:pPr algn="r"/>
-            <a:r>
-              <a:rPr lang="en-US" dirty="0">
-                <a:solidFill>
-                  <a:srgbClr val="000F7E"/>
-                </a:solidFill>
-                <a:latin typeface="Arial" panose="020B0604020202020204" pitchFamily="34" charset="0"/>
-                <a:ea typeface="Source Sans Pro" panose="020B0503030403020204" pitchFamily="34" charset="0"/>
-                <a:sym typeface="Wingdings" pitchFamily="2" charset="2"/>
-              </a:rPr>
-              <a:t>Go to </a:t>
-            </a:r>
-            <a:r>
-              <a:rPr lang="en-US" b="1" dirty="0">
-                <a:solidFill>
-                  <a:srgbClr val="000F7E"/>
-                </a:solidFill>
-                <a:latin typeface="Arial" panose="020B0604020202020204" pitchFamily="34" charset="0"/>
-                <a:ea typeface="Source Sans Pro" panose="020B0503030403020204" pitchFamily="34" charset="0"/>
-                <a:sym typeface="Wingdings" pitchFamily="2" charset="2"/>
-              </a:rPr>
-              <a:t>View&gt;Guides </a:t>
-            </a:r>
-            <a:r>
-              <a:rPr lang="en-US" dirty="0">
-                <a:solidFill>
-                  <a:srgbClr val="000F7E"/>
-                </a:solidFill>
-                <a:latin typeface="Arial" panose="020B0604020202020204" pitchFamily="34" charset="0"/>
-                <a:ea typeface="Source Sans Pro" panose="020B0503030403020204" pitchFamily="34" charset="0"/>
-                <a:sym typeface="Wingdings" pitchFamily="2" charset="2"/>
-              </a:rPr>
-              <a:t>to view layout guidelines.</a:t>
-            </a:r>
-            <a:endParaRPr lang="en-US" sz="3600" dirty="0">
-              <a:solidFill>
-                <a:srgbClr val="000F7E"/>
-              </a:solidFill>
-              <a:latin typeface="Arial" panose="020B0604020202020204" pitchFamily="34" charset="0"/>
-              <a:ea typeface="Source Sans Pro" panose="020B0503030403020204" pitchFamily="34" charset="0"/>
-              <a:sym typeface="Wingdings" pitchFamily="2" charset="2"/>
-            </a:endParaRPr>
-          </a:p>
-        </p:txBody>
-      </p:sp>
-      <p:sp>
-        <p:nvSpPr>
-          <p:cNvPr id="48" name="TextBox 47">
-            <a:extLst>
-              <a:ext uri="{FF2B5EF4-FFF2-40B4-BE49-F238E27FC236}">
-                <a16:creationId xmlns:a16="http://schemas.microsoft.com/office/drawing/2014/main" id="{76A0D8EC-E309-CA4F-8877-872D252E60E3}"/>
-              </a:ext>
-            </a:extLst>
-          </p:cNvPr>
-          <p:cNvSpPr txBox="1"/>
-          <p:nvPr/>
-        </p:nvSpPr>
-        <p:spPr>
-          <a:xfrm>
-            <a:off x="-14494932" y="8512535"/>
-            <a:ext cx="14031534" cy="3877985"/>
-          </a:xfrm>
-          <a:prstGeom prst="rect">
-            <a:avLst/>
-          </a:prstGeom>
-          <a:noFill/>
-        </p:spPr>
-        <p:txBody>
-          <a:bodyPr wrap="square" rtlCol="0">
-            <a:spAutoFit/>
-          </a:bodyPr>
-          <a:lstStyle/>
-          <a:p>
-            <a:pPr algn="r"/>
-            <a:r>
-              <a:rPr lang="en-US" dirty="0">
-                <a:solidFill>
-                  <a:srgbClr val="000F7E"/>
-                </a:solidFill>
-                <a:latin typeface="Arial" panose="020B0604020202020204" pitchFamily="34" charset="0"/>
-                <a:ea typeface="Source Sans Pro" panose="020B0503030403020204" pitchFamily="34" charset="0"/>
-                <a:sym typeface="Wingdings" pitchFamily="2" charset="2"/>
-              </a:rPr>
-              <a:t>*Character spacing can be set in the </a:t>
-            </a:r>
-            <a:r>
-              <a:rPr lang="en-US" b="1" dirty="0">
-                <a:solidFill>
-                  <a:srgbClr val="000F7E"/>
-                </a:solidFill>
-                <a:latin typeface="Arial" panose="020B0604020202020204" pitchFamily="34" charset="0"/>
-                <a:ea typeface="Source Sans Pro" panose="020B0503030403020204" pitchFamily="34" charset="0"/>
-                <a:sym typeface="Wingdings" pitchFamily="2" charset="2"/>
-              </a:rPr>
-              <a:t>Home Tab </a:t>
-            </a:r>
-            <a:r>
-              <a:rPr lang="en-US" dirty="0">
-                <a:solidFill>
-                  <a:srgbClr val="000F7E"/>
-                </a:solidFill>
-                <a:latin typeface="Arial" panose="020B0604020202020204" pitchFamily="34" charset="0"/>
-                <a:ea typeface="Source Sans Pro" panose="020B0503030403020204" pitchFamily="34" charset="0"/>
-                <a:sym typeface="Wingdings" pitchFamily="2" charset="2"/>
-              </a:rPr>
-              <a:t>on the </a:t>
-            </a:r>
-            <a:r>
-              <a:rPr lang="en-US" b="1" dirty="0">
-                <a:solidFill>
-                  <a:srgbClr val="000F7E"/>
-                </a:solidFill>
-                <a:latin typeface="Arial" panose="020B0604020202020204" pitchFamily="34" charset="0"/>
-                <a:ea typeface="Source Sans Pro" panose="020B0503030403020204" pitchFamily="34" charset="0"/>
-                <a:sym typeface="Wingdings" pitchFamily="2" charset="2"/>
-              </a:rPr>
-              <a:t>Toolbar</a:t>
-            </a:r>
-            <a:r>
-              <a:rPr lang="en-US" dirty="0">
-                <a:solidFill>
-                  <a:srgbClr val="000F7E"/>
-                </a:solidFill>
-                <a:latin typeface="Arial" panose="020B0604020202020204" pitchFamily="34" charset="0"/>
-                <a:ea typeface="Source Sans Pro" panose="020B0503030403020204" pitchFamily="34" charset="0"/>
-                <a:sym typeface="Wingdings" pitchFamily="2" charset="2"/>
-              </a:rPr>
-              <a:t> below font name</a:t>
-            </a:r>
-            <a:endParaRPr lang="en-US" sz="3600" dirty="0">
-              <a:solidFill>
-                <a:srgbClr val="000F7E"/>
-              </a:solidFill>
-              <a:latin typeface="Arial" panose="020B0604020202020204" pitchFamily="34" charset="0"/>
-              <a:ea typeface="Source Sans Pro" panose="020B0503030403020204" pitchFamily="34" charset="0"/>
-              <a:sym typeface="Wingdings" pitchFamily="2" charset="2"/>
-            </a:endParaRPr>
-          </a:p>
-        </p:txBody>
-      </p:sp>
-      <p:pic>
-        <p:nvPicPr>
-          <p:cNvPr id="6" name="Picture 5">
-            <a:extLst>
-              <a:ext uri="{FF2B5EF4-FFF2-40B4-BE49-F238E27FC236}">
-                <a16:creationId xmlns:a16="http://schemas.microsoft.com/office/drawing/2014/main" id="{BF4DC08E-CDF7-F847-8943-0952D8008ED9}"/>
-              </a:ext>
-            </a:extLst>
-          </p:cNvPr>
-          <p:cNvPicPr>
-            <a:picLocks noChangeAspect="1"/>
-          </p:cNvPicPr>
-          <p:nvPr/>
-        </p:nvPicPr>
-        <p:blipFill>
-          <a:blip r:embed="rId4"/>
-          <a:srcRect/>
-          <a:stretch/>
-        </p:blipFill>
-        <p:spPr>
-          <a:xfrm>
-            <a:off x="-12115666" y="12390520"/>
-            <a:ext cx="11652268" cy="2402869"/>
-          </a:xfrm>
-          <a:prstGeom prst="rect">
-            <a:avLst/>
-          </a:prstGeom>
-        </p:spPr>
-      </p:pic>
-      <p:sp>
-        <p:nvSpPr>
-          <p:cNvPr id="35" name="Text Placeholder 4">
-            <a:extLst>
-              <a:ext uri="{FF2B5EF4-FFF2-40B4-BE49-F238E27FC236}">
-                <a16:creationId xmlns:a16="http://schemas.microsoft.com/office/drawing/2014/main" id="{ADF15B3B-EC7D-B24B-B259-473561AA6778}"/>
-              </a:ext>
-            </a:extLst>
-          </p:cNvPr>
-          <p:cNvSpPr txBox="1">
-            <a:spLocks/>
-          </p:cNvSpPr>
-          <p:nvPr/>
-        </p:nvSpPr>
-        <p:spPr>
-          <a:xfrm>
-            <a:off x="20155545" y="30909917"/>
-            <a:ext cx="3290956" cy="356782"/>
-          </a:xfrm>
-          <a:prstGeom prst="rect">
-            <a:avLst/>
-          </a:prstGeom>
-        </p:spPr>
-        <p:txBody>
-          <a:bodyPr lIns="0" tIns="0" rIns="0" bIns="0" anchor="ctr" anchorCtr="0"/>
-          <a:lstStyle>
-            <a:lvl1pPr marL="1567533" indent="-1567533" algn="l" defTabSz="2090044" rtl="0" eaLnBrk="1" latinLnBrk="0" hangingPunct="1">
-              <a:spcBef>
-                <a:spcPct val="20000"/>
-              </a:spcBef>
-              <a:buFontTx/>
-              <a:buNone/>
-              <a:defRPr sz="1000" b="0" i="0" kern="1200">
-                <a:solidFill>
-                  <a:schemeClr val="bg1">
-                    <a:lumMod val="65000"/>
-                  </a:schemeClr>
-                </a:solidFill>
-                <a:latin typeface="Arial" panose="020B0604020202020204" pitchFamily="34" charset="0"/>
-                <a:ea typeface="+mn-ea"/>
-                <a:cs typeface="+mn-cs"/>
-              </a:defRPr>
-            </a:lvl1pPr>
-            <a:lvl2pPr marL="3396322" indent="-1306278" algn="l" defTabSz="2090044" rtl="0" eaLnBrk="1" latinLnBrk="0" hangingPunct="1">
-              <a:spcBef>
-                <a:spcPct val="20000"/>
-              </a:spcBef>
-              <a:buFontTx/>
-              <a:buNone/>
-              <a:defRPr sz="1200" b="0" i="0" kern="1200">
-                <a:solidFill>
-                  <a:schemeClr val="bg1">
-                    <a:lumMod val="65000"/>
-                  </a:schemeClr>
-                </a:solidFill>
-                <a:latin typeface="Arial" panose="020B0604020202020204" pitchFamily="34" charset="0"/>
-                <a:ea typeface="+mn-ea"/>
-                <a:cs typeface="+mn-cs"/>
-              </a:defRPr>
-            </a:lvl2pPr>
-            <a:lvl3pPr marL="5225110" indent="-1045022" algn="l" defTabSz="2090044" rtl="0" eaLnBrk="1" latinLnBrk="0" hangingPunct="1">
-              <a:spcBef>
-                <a:spcPct val="20000"/>
-              </a:spcBef>
-              <a:buFontTx/>
-              <a:buNone/>
-              <a:defRPr sz="1200" b="0" i="0" kern="1200">
-                <a:solidFill>
-                  <a:schemeClr val="bg1">
-                    <a:lumMod val="65000"/>
-                  </a:schemeClr>
-                </a:solidFill>
-                <a:latin typeface="Arial" panose="020B0604020202020204" pitchFamily="34" charset="0"/>
-                <a:ea typeface="+mn-ea"/>
-                <a:cs typeface="+mn-cs"/>
-              </a:defRPr>
-            </a:lvl3pPr>
-            <a:lvl4pPr marL="7315154" indent="-1045022" algn="l" defTabSz="2090044" rtl="0" eaLnBrk="1" latinLnBrk="0" hangingPunct="1">
-              <a:spcBef>
-                <a:spcPct val="20000"/>
-              </a:spcBef>
-              <a:buFontTx/>
-              <a:buNone/>
-              <a:defRPr sz="1200" b="0" i="0" kern="1200">
-                <a:solidFill>
-                  <a:schemeClr val="bg1">
-                    <a:lumMod val="65000"/>
-                  </a:schemeClr>
-                </a:solidFill>
-                <a:latin typeface="Arial" panose="020B0604020202020204" pitchFamily="34" charset="0"/>
-                <a:ea typeface="+mn-ea"/>
-                <a:cs typeface="+mn-cs"/>
-              </a:defRPr>
-            </a:lvl4pPr>
-            <a:lvl5pPr marL="9405198" indent="-1045022" algn="l" defTabSz="2090044" rtl="0" eaLnBrk="1" latinLnBrk="0" hangingPunct="1">
-              <a:spcBef>
-                <a:spcPct val="20000"/>
-              </a:spcBef>
-              <a:buFontTx/>
-              <a:buNone/>
-              <a:defRPr sz="1200" b="0" i="0" kern="1200">
-                <a:solidFill>
-                  <a:schemeClr val="bg1">
-                    <a:lumMod val="65000"/>
-                  </a:schemeClr>
-                </a:solidFill>
-                <a:latin typeface="Arial" panose="020B0604020202020204" pitchFamily="34" charset="0"/>
-                <a:ea typeface="+mn-ea"/>
-                <a:cs typeface="+mn-cs"/>
-              </a:defRPr>
-            </a:lvl5pPr>
-            <a:lvl6pPr marL="11495242" indent="-1045022" algn="l" defTabSz="2090044" rtl="0" eaLnBrk="1" latinLnBrk="0" hangingPunct="1">
-              <a:spcBef>
-                <a:spcPct val="20000"/>
-              </a:spcBef>
-              <a:buFont typeface="Arial"/>
-              <a:buChar char="•"/>
-              <a:defRPr sz="9100" kern="1200">
-                <a:solidFill>
-                  <a:schemeClr val="tx1"/>
-                </a:solidFill>
-                <a:latin typeface="+mn-lt"/>
-                <a:ea typeface="+mn-ea"/>
-                <a:cs typeface="+mn-cs"/>
-              </a:defRPr>
-            </a:lvl6pPr>
-            <a:lvl7pPr marL="13585287" indent="-1045022" algn="l" defTabSz="2090044" rtl="0" eaLnBrk="1" latinLnBrk="0" hangingPunct="1">
-              <a:spcBef>
-                <a:spcPct val="20000"/>
-              </a:spcBef>
-              <a:buFont typeface="Arial"/>
-              <a:buChar char="•"/>
-              <a:defRPr sz="9100" kern="1200">
-                <a:solidFill>
-                  <a:schemeClr val="tx1"/>
-                </a:solidFill>
-                <a:latin typeface="+mn-lt"/>
-                <a:ea typeface="+mn-ea"/>
-                <a:cs typeface="+mn-cs"/>
-              </a:defRPr>
-            </a:lvl7pPr>
-            <a:lvl8pPr marL="15675331" indent="-1045022" algn="l" defTabSz="2090044" rtl="0" eaLnBrk="1" latinLnBrk="0" hangingPunct="1">
-              <a:spcBef>
-                <a:spcPct val="20000"/>
-              </a:spcBef>
-              <a:buFont typeface="Arial"/>
-              <a:buChar char="•"/>
-              <a:defRPr sz="9100" kern="1200">
-                <a:solidFill>
-                  <a:schemeClr val="tx1"/>
-                </a:solidFill>
-                <a:latin typeface="+mn-lt"/>
-                <a:ea typeface="+mn-ea"/>
-                <a:cs typeface="+mn-cs"/>
-              </a:defRPr>
-            </a:lvl8pPr>
-            <a:lvl9pPr marL="17765375" indent="-1045022" algn="l" defTabSz="2090044" rtl="0" eaLnBrk="1" latinLnBrk="0" hangingPunct="1">
-              <a:spcBef>
-                <a:spcPct val="20000"/>
-              </a:spcBef>
-              <a:buFont typeface="Arial"/>
-              <a:buChar char="•"/>
-              <a:defRPr sz="9100" kern="1200">
-                <a:solidFill>
-                  <a:schemeClr val="tx1"/>
-                </a:solidFill>
-                <a:latin typeface="+mn-lt"/>
-                <a:ea typeface="+mn-ea"/>
-                <a:cs typeface="+mn-cs"/>
-              </a:defRPr>
-            </a:lvl9pPr>
-          </a:lstStyle>
-          <a:p>
-            <a:r>
-              <a:rPr lang="en-US" sz="1800" dirty="0">
-                <a:solidFill>
-                  <a:srgbClr val="CDD1E2"/>
-                </a:solidFill>
-              </a:rPr>
-              <a:t>LA-UR# number goes here</a:t>
-            </a:r>
-          </a:p>
-        </p:txBody>
-      </p:sp>
-      <p:pic>
-        <p:nvPicPr>
-          <p:cNvPr id="15" name="Picture 14">
-            <a:extLst>
-              <a:ext uri="{FF2B5EF4-FFF2-40B4-BE49-F238E27FC236}">
-                <a16:creationId xmlns:a16="http://schemas.microsoft.com/office/drawing/2014/main" id="{DD8A48F2-2E29-7EB8-6DB6-C294AC285F83}"/>
-              </a:ext>
-            </a:extLst>
-          </p:cNvPr>
-          <p:cNvPicPr>
-            <a:picLocks noChangeAspect="1"/>
-          </p:cNvPicPr>
-          <p:nvPr/>
-        </p:nvPicPr>
-        <p:blipFill>
-          <a:blip r:embed="rId5"/>
-          <a:stretch>
-            <a:fillRect/>
-          </a:stretch>
-        </p:blipFill>
-        <p:spPr>
-          <a:xfrm>
-            <a:off x="14616112" y="8280779"/>
-            <a:ext cx="11915775" cy="7629525"/>
-          </a:xfrm>
-          <a:prstGeom prst="rect">
-            <a:avLst/>
-          </a:prstGeom>
-        </p:spPr>
-      </p:pic>
-      <p:sp>
-        <p:nvSpPr>
-          <p:cNvPr id="18" name="Text Box 180">
-            <a:extLst>
-              <a:ext uri="{FF2B5EF4-FFF2-40B4-BE49-F238E27FC236}">
-                <a16:creationId xmlns:a16="http://schemas.microsoft.com/office/drawing/2014/main" id="{8F5C3C6C-97A6-6E6D-E687-6B3BC5AAF368}"/>
-              </a:ext>
-            </a:extLst>
-          </p:cNvPr>
-          <p:cNvSpPr txBox="1">
-            <a:spLocks noChangeArrowheads="1"/>
-          </p:cNvSpPr>
-          <p:nvPr/>
-        </p:nvSpPr>
-        <p:spPr bwMode="auto">
-          <a:xfrm>
-            <a:off x="14752927" y="22587701"/>
-            <a:ext cx="3819611" cy="438569"/>
-          </a:xfrm>
-          <a:prstGeom prst="rect">
-            <a:avLst/>
-          </a:prstGeom>
-          <a:noFill/>
-          <a:ln>
-            <a:noFill/>
-          </a:ln>
-          <a:effectLst/>
-          <a:extLst>
-            <a:ext uri="{909E8E84-426E-40dd-AFC4-6F175D3DCCD1}">
-              <a14:hiddenFill xmlns="" xmlns:a14="http://schemas.microsoft.com/office/drawing/2010/main">
-                <a:solidFill>
-                  <a:schemeClr val="accent1"/>
-                </a:solidFill>
-              </a14:hiddenFill>
-            </a:ext>
-            <a:ext uri="{91240B29-F687-4f45-9708-019B960494DF}">
-              <a14:hiddenLine xmlns="" xmlns:a14="http://schemas.microsoft.com/office/drawing/2010/main" w="9525">
-                <a:solidFill>
-                  <a:schemeClr val="tx1"/>
-                </a:solidFill>
-                <a:miter lim="800000"/>
-                <a:headEnd/>
-                <a:tailEnd/>
-              </a14:hiddenLine>
-            </a:ext>
-            <a:ext uri="{AF507438-7753-43e0-B8FC-AC1667EBCBE1}">
-              <a14:hiddenEffects xmlns="" xmlns:a14="http://schemas.microsoft.com/office/drawing/2010/main">
-                <a:effectLst>
-                  <a:outerShdw dist="35921" dir="2700000" algn="ctr" rotWithShape="0">
-                    <a:schemeClr val="bg2"/>
-                  </a:outerShdw>
-                </a:effectLst>
-              </a14:hiddenEffects>
-            </a:ext>
-          </a:extLst>
-        </p:spPr>
-        <p:txBody>
-          <a:bodyPr wrap="none" lIns="68568" tIns="34284" rIns="68568" bIns="34284" anchor="ctr" anchorCtr="0">
-            <a:spAutoFit/>
-          </a:bodyPr>
-          <a:lstStyle/>
-          <a:p>
-            <a:pPr algn="ctr" eaLnBrk="1" hangingPunct="1"/>
-            <a:r>
-              <a:rPr lang="en-US" sz="2400" b="1" kern="1200" dirty="0">
-                <a:solidFill>
-                  <a:srgbClr val="000F7E"/>
-                </a:solidFill>
-                <a:latin typeface="Arial" panose="020B0604020202020204" pitchFamily="34" charset="0"/>
-                <a:ea typeface="Source Sans Pro" panose="020B0503030403020204" pitchFamily="34" charset="0"/>
-              </a:rPr>
-              <a:t>Chart 1. </a:t>
-            </a:r>
-            <a:r>
-              <a:rPr lang="en-US" sz="2400" kern="1200" dirty="0">
-                <a:solidFill>
-                  <a:srgbClr val="000F7E"/>
-                </a:solidFill>
-                <a:latin typeface="Arial" panose="020B0604020202020204" pitchFamily="34" charset="0"/>
-                <a:ea typeface="Source Sans Pro" panose="020B0503030403020204" pitchFamily="34" charset="0"/>
-              </a:rPr>
-              <a:t>Label in 24pt </a:t>
-            </a:r>
-            <a:r>
-              <a:rPr lang="en-US" sz="2400" dirty="0">
-                <a:solidFill>
-                  <a:srgbClr val="000F7E"/>
-                </a:solidFill>
-                <a:latin typeface="Arial" panose="020B0604020202020204" pitchFamily="34" charset="0"/>
-                <a:ea typeface="Source Sans Pro" panose="020B0503030403020204" pitchFamily="34" charset="0"/>
-                <a:cs typeface="Times"/>
-              </a:rPr>
-              <a:t>Arial</a:t>
-            </a:r>
-            <a:endParaRPr lang="en-US" sz="2400" kern="1200" dirty="0">
-              <a:solidFill>
-                <a:srgbClr val="000F7E"/>
-              </a:solidFill>
-              <a:latin typeface="Arial" panose="020B0604020202020204" pitchFamily="34" charset="0"/>
-              <a:ea typeface="Source Sans Pro" panose="020B0503030403020204" pitchFamily="34" charset="0"/>
-            </a:endParaRPr>
+              <a:t>Representation of a surrogate reactor block.</a:t>
+            </a:r>
           </a:p>
         </p:txBody>
       </p:sp>
@@ -7419,14 +5854,14 @@
           <p:nvPr/>
         </p:nvPicPr>
         <p:blipFill>
-          <a:blip r:embed="rId6"/>
+          <a:blip r:embed="rId5"/>
           <a:stretch>
             <a:fillRect/>
           </a:stretch>
         </p:blipFill>
         <p:spPr>
           <a:xfrm>
-            <a:off x="27891102" y="8340057"/>
+            <a:off x="27984603" y="7932440"/>
             <a:ext cx="6037841" cy="4351950"/>
           </a:xfrm>
           <a:prstGeom prst="rect">
@@ -7449,14 +5884,14 @@
           <p:nvPr/>
         </p:nvPicPr>
         <p:blipFill>
-          <a:blip r:embed="rId7"/>
+          <a:blip r:embed="rId6"/>
           <a:stretch>
             <a:fillRect/>
           </a:stretch>
         </p:blipFill>
         <p:spPr>
           <a:xfrm>
-            <a:off x="33836604" y="8386774"/>
+            <a:off x="33930105" y="7979157"/>
             <a:ext cx="6037841" cy="4351950"/>
           </a:xfrm>
           <a:prstGeom prst="rect">
@@ -7479,47 +5914,54 @@
           <p:nvPr>
             <p:extLst>
               <p:ext uri="{D42A27DB-BD31-4B8C-83A1-F6EECF244321}">
-                <p14:modId xmlns:p14="http://schemas.microsoft.com/office/powerpoint/2010/main" val="3799943330"/>
+                <p14:modId xmlns:p14="http://schemas.microsoft.com/office/powerpoint/2010/main" val="3570199820"/>
               </p:ext>
             </p:extLst>
           </p:nvPr>
         </p:nvGraphicFramePr>
         <p:xfrm>
-          <a:off x="27883286" y="21944632"/>
-          <a:ext cx="11266715" cy="2848796"/>
+          <a:off x="27782487" y="15435442"/>
+          <a:ext cx="11769335" cy="2491198"/>
         </p:xfrm>
         <a:graphic>
           <a:graphicData uri="http://schemas.openxmlformats.org/drawingml/2006/table">
             <a:tbl>
               <a:tblPr firstRow="1" bandRow="1">
-                <a:tableStyleId>{5C22544A-7EE6-4342-B048-85BDC9FD1C3A}</a:tableStyleId>
+                <a:tableStyleId>{69012ECD-51FC-41F1-AA8D-1B2483CD663E}</a:tableStyleId>
               </a:tblPr>
               <a:tblGrid>
-                <a:gridCol w="2816679">
+                <a:gridCol w="2287875">
                   <a:extLst>
                     <a:ext uri="{9D8B030D-6E8A-4147-A177-3AD203B41FA5}">
                       <a16:colId xmlns:a16="http://schemas.microsoft.com/office/drawing/2014/main" val="3199565002"/>
                     </a:ext>
                   </a:extLst>
                 </a:gridCol>
-                <a:gridCol w="2462133">
+                <a:gridCol w="2315183">
                   <a:extLst>
                     <a:ext uri="{9D8B030D-6E8A-4147-A177-3AD203B41FA5}">
                       <a16:colId xmlns:a16="http://schemas.microsoft.com/office/drawing/2014/main" val="2518139333"/>
                     </a:ext>
                   </a:extLst>
                 </a:gridCol>
-                <a:gridCol w="2854470">
+                <a:gridCol w="2548647">
                   <a:extLst>
                     <a:ext uri="{9D8B030D-6E8A-4147-A177-3AD203B41FA5}">
                       <a16:colId xmlns:a16="http://schemas.microsoft.com/office/drawing/2014/main" val="1546166080"/>
                     </a:ext>
                   </a:extLst>
                 </a:gridCol>
-                <a:gridCol w="3133433">
+                <a:gridCol w="2324790">
                   <a:extLst>
                     <a:ext uri="{9D8B030D-6E8A-4147-A177-3AD203B41FA5}">
                       <a16:colId xmlns:a16="http://schemas.microsoft.com/office/drawing/2014/main" val="4278986291"/>
+                    </a:ext>
+                  </a:extLst>
+                </a:gridCol>
+                <a:gridCol w="2292840">
+                  <a:extLst>
+                    <a:ext uri="{9D8B030D-6E8A-4147-A177-3AD203B41FA5}">
+                      <a16:colId xmlns:a16="http://schemas.microsoft.com/office/drawing/2014/main" val="1442976112"/>
                     </a:ext>
                   </a:extLst>
                 </a:gridCol>
@@ -7530,6 +5972,7 @@
                     <a:bodyPr/>
                     <a:lstStyle/>
                     <a:p>
+                      <a:pPr algn="ctr"/>
                       <a:r>
                         <a:rPr lang="en-US" sz="3200" dirty="0"/>
                         <a:t>Formulation</a:t>
@@ -7543,6 +5986,7 @@
                     <a:bodyPr/>
                     <a:lstStyle/>
                     <a:p>
+                      <a:pPr algn="ctr"/>
                       <a:r>
                         <a:rPr lang="en-US" sz="3200" dirty="0"/>
                         <a:t># Variables</a:t>
@@ -7556,6 +6000,7 @@
                     <a:bodyPr/>
                     <a:lstStyle/>
                     <a:p>
+                      <a:pPr algn="ctr"/>
                       <a:r>
                         <a:rPr lang="en-US" sz="3200" dirty="0"/>
                         <a:t># Constraints</a:t>
@@ -7569,9 +6014,31 @@
                     <a:bodyPr/>
                     <a:lstStyle/>
                     <a:p>
+                      <a:pPr algn="ctr"/>
                       <a:r>
                         <a:rPr lang="en-US" sz="3200" dirty="0"/>
-                        <a:t>Solve time (s)</a:t>
+                        <a:t>Avg. solve time (s)</a:t>
+                      </a:r>
+                    </a:p>
+                  </a:txBody>
+                  <a:tcPr/>
+                </a:tc>
+                <a:tc>
+                  <a:txBody>
+                    <a:bodyPr/>
+                    <a:lstStyle/>
+                    <a:p>
+                      <a:pPr algn="ctr"/>
+                      <a:r>
+                        <a:rPr lang="en-US" sz="3200" dirty="0"/>
+                        <a:t>Standard </a:t>
+                      </a:r>
+                    </a:p>
+                    <a:p>
+                      <a:pPr algn="ctr"/>
+                      <a:r>
+                        <a:rPr lang="en-US" sz="3200" dirty="0"/>
+                        <a:t>dev. (s)</a:t>
                       </a:r>
                     </a:p>
                   </a:txBody>
@@ -7589,7 +6056,11 @@
                     <a:bodyPr/>
                     <a:lstStyle/>
                     <a:p>
-                      <a:endParaRPr lang="en-US" sz="3200" dirty="0"/>
+                      <a:pPr algn="ctr"/>
+                      <a:r>
+                        <a:rPr lang="en-US" sz="3200" dirty="0"/>
+                        <a:t>Full Space</a:t>
+                      </a:r>
                     </a:p>
                   </a:txBody>
                   <a:tcPr/>
@@ -7599,7 +6070,11 @@
                     <a:bodyPr/>
                     <a:lstStyle/>
                     <a:p>
-                      <a:endParaRPr lang="en-US" sz="3200" dirty="0"/>
+                      <a:pPr algn="ctr"/>
+                      <a:r>
+                        <a:rPr lang="en-US" sz="3200" dirty="0"/>
+                        <a:t>897</a:t>
+                      </a:r>
                     </a:p>
                   </a:txBody>
                   <a:tcPr/>
@@ -7609,7 +6084,11 @@
                     <a:bodyPr/>
                     <a:lstStyle/>
                     <a:p>
-                      <a:endParaRPr lang="en-US" sz="3200" dirty="0"/>
+                      <a:pPr algn="ctr"/>
+                      <a:r>
+                        <a:rPr lang="en-US" sz="3200" dirty="0"/>
+                        <a:t>895</a:t>
+                      </a:r>
                     </a:p>
                   </a:txBody>
                   <a:tcPr/>
@@ -7619,7 +6098,25 @@
                     <a:bodyPr/>
                     <a:lstStyle/>
                     <a:p>
-                      <a:endParaRPr lang="en-US" sz="3200" dirty="0"/>
+                      <a:pPr algn="ctr"/>
+                      <a:r>
+                        <a:rPr lang="en-US" sz="3200" dirty="0"/>
+                        <a:t>5.97</a:t>
+                      </a:r>
+                    </a:p>
+                  </a:txBody>
+                  <a:tcPr/>
+                </a:tc>
+                <a:tc>
+                  <a:txBody>
+                    <a:bodyPr/>
+                    <a:lstStyle/>
+                    <a:p>
+                      <a:pPr algn="ctr"/>
+                      <a:r>
+                        <a:rPr lang="en-US" sz="3200" dirty="0"/>
+                        <a:t>8.02</a:t>
+                      </a:r>
                     </a:p>
                   </a:txBody>
                   <a:tcPr/>
@@ -7636,7 +6133,11 @@
                     <a:bodyPr/>
                     <a:lstStyle/>
                     <a:p>
-                      <a:endParaRPr lang="en-US" sz="3200"/>
+                      <a:pPr algn="ctr"/>
+                      <a:r>
+                        <a:rPr lang="en-US" sz="3200" dirty="0"/>
+                        <a:t>ALAMO</a:t>
+                      </a:r>
                     </a:p>
                   </a:txBody>
                   <a:tcPr/>
@@ -7646,7 +6147,11 @@
                     <a:bodyPr/>
                     <a:lstStyle/>
                     <a:p>
-                      <a:endParaRPr lang="en-US" sz="3200"/>
+                      <a:pPr algn="ctr"/>
+                      <a:r>
+                        <a:rPr lang="en-US" sz="3200" dirty="0"/>
+                        <a:t>451</a:t>
+                      </a:r>
                     </a:p>
                   </a:txBody>
                   <a:tcPr/>
@@ -7656,7 +6161,11 @@
                     <a:bodyPr/>
                     <a:lstStyle/>
                     <a:p>
-                      <a:endParaRPr lang="en-US" sz="3200"/>
+                      <a:pPr algn="ctr"/>
+                      <a:r>
+                        <a:rPr lang="en-US" sz="3200" dirty="0"/>
+                        <a:t>449</a:t>
+                      </a:r>
                     </a:p>
                   </a:txBody>
                   <a:tcPr/>
@@ -7666,24 +6175,11 @@
                     <a:bodyPr/>
                     <a:lstStyle/>
                     <a:p>
-                      <a:endParaRPr lang="en-US" sz="3200"/>
-                    </a:p>
-                  </a:txBody>
-                  <a:tcPr/>
-                </a:tc>
-                <a:extLst>
-                  <a:ext uri="{0D108BD9-81ED-4DB2-BD59-A6C34878D82A}">
-                    <a16:rowId xmlns:a16="http://schemas.microsoft.com/office/drawing/2014/main" val="3968807499"/>
-                  </a:ext>
-                </a:extLst>
-              </a:tr>
-              <a:tr h="712199">
-                <a:tc>
-                  <a:txBody>
-                    <a:bodyPr/>
-                    <a:lstStyle/>
-                    <a:p>
-                      <a:endParaRPr lang="en-US" sz="3200"/>
+                      <a:pPr algn="ctr"/>
+                      <a:r>
+                        <a:rPr lang="en-US" sz="3200" dirty="0"/>
+                        <a:t>1.26</a:t>
+                      </a:r>
                     </a:p>
                   </a:txBody>
                   <a:tcPr/>
@@ -7693,34 +6189,18 @@
                     <a:bodyPr/>
                     <a:lstStyle/>
                     <a:p>
-                      <a:endParaRPr lang="en-US" sz="3200" dirty="0"/>
-                    </a:p>
-                  </a:txBody>
-                  <a:tcPr/>
-                </a:tc>
-                <a:tc>
-                  <a:txBody>
-                    <a:bodyPr/>
-                    <a:lstStyle/>
-                    <a:p>
-                      <a:endParaRPr lang="en-US" sz="3200" dirty="0"/>
-                    </a:p>
-                  </a:txBody>
-                  <a:tcPr/>
-                </a:tc>
-                <a:tc>
-                  <a:txBody>
-                    <a:bodyPr/>
-                    <a:lstStyle/>
-                    <a:p>
-                      <a:endParaRPr lang="en-US" sz="3200" dirty="0"/>
+                      <a:pPr algn="ctr"/>
+                      <a:r>
+                        <a:rPr lang="en-US" sz="3200" dirty="0"/>
+                        <a:t>0.42</a:t>
+                      </a:r>
                     </a:p>
                   </a:txBody>
                   <a:tcPr/>
                 </a:tc>
                 <a:extLst>
                   <a:ext uri="{0D108BD9-81ED-4DB2-BD59-A6C34878D82A}">
-                    <a16:rowId xmlns:a16="http://schemas.microsoft.com/office/drawing/2014/main" val="1169987640"/>
+                    <a16:rowId xmlns:a16="http://schemas.microsoft.com/office/drawing/2014/main" val="3968807499"/>
                   </a:ext>
                 </a:extLst>
               </a:tr>
@@ -7743,14 +6223,14 @@
           <p:nvPr/>
         </p:nvPicPr>
         <p:blipFill>
-          <a:blip r:embed="rId8"/>
+          <a:blip r:embed="rId7"/>
           <a:stretch>
             <a:fillRect/>
           </a:stretch>
         </p:blipFill>
         <p:spPr>
           <a:xfrm>
-            <a:off x="33695925" y="15584993"/>
+            <a:off x="33576179" y="18022772"/>
             <a:ext cx="5943600" cy="4280623"/>
           </a:xfrm>
           <a:prstGeom prst="rect">
@@ -7773,45 +6253,15 @@
           <p:nvPr/>
         </p:nvPicPr>
         <p:blipFill>
-          <a:blip r:embed="rId9"/>
+          <a:blip r:embed="rId8"/>
           <a:stretch>
             <a:fillRect/>
           </a:stretch>
         </p:blipFill>
         <p:spPr>
           <a:xfrm>
-            <a:off x="27705888" y="15562582"/>
+            <a:off x="27586142" y="18000361"/>
             <a:ext cx="5943599" cy="4325446"/>
-          </a:xfrm>
-          <a:prstGeom prst="rect">
-            <a:avLst/>
-          </a:prstGeom>
-        </p:spPr>
-      </p:pic>
-      <p:pic>
-        <p:nvPicPr>
-          <p:cNvPr id="29" name="Picture 28">
-            <a:extLst>
-              <a:ext uri="{FF2B5EF4-FFF2-40B4-BE49-F238E27FC236}">
-                <a16:creationId xmlns:a16="http://schemas.microsoft.com/office/drawing/2014/main" id="{7426FCDC-657A-47A0-6AC2-CA2AF7375966}"/>
-              </a:ext>
-            </a:extLst>
-          </p:cNvPr>
-          <p:cNvPicPr>
-            <a:picLocks noChangeAspect="1"/>
-          </p:cNvPicPr>
-          <p:nvPr/>
-        </p:nvPicPr>
-        <p:blipFill>
-          <a:blip r:embed="rId10"/>
-          <a:stretch>
-            <a:fillRect/>
-          </a:stretch>
-        </p:blipFill>
-        <p:spPr>
-          <a:xfrm>
-            <a:off x="14792325" y="19654001"/>
-            <a:ext cx="11563350" cy="2933700"/>
           </a:xfrm>
           <a:prstGeom prst="rect">
             <a:avLst/>
@@ -7832,8 +6282,8 @@
         </p:nvSpPr>
         <p:spPr>
           <a:xfrm>
-            <a:off x="14792325" y="23116921"/>
-            <a:ext cx="11887200" cy="2554545"/>
+            <a:off x="14754712" y="24469673"/>
+            <a:ext cx="11887200" cy="1569660"/>
           </a:xfrm>
           <a:prstGeom prst="rect">
             <a:avLst/>
@@ -7854,7 +6304,7 @@
                 <a:ea typeface="Source Sans Pro" panose="020B0503030403020204" pitchFamily="34" charset="0"/>
                 <a:cs typeface="Arial" panose="020B0604020202020204" pitchFamily="34" charset="0"/>
               </a:rPr>
-              <a:t>VALIDATION </a:t>
+              <a:t>VALIDATION – SOLUTION QUALITY </a:t>
             </a:r>
           </a:p>
           <a:p>
@@ -7864,375 +6314,7 @@
                 <a:ea typeface="Source Sans Pro" panose="020B0503030403020204" pitchFamily="34" charset="0"/>
                 <a:cs typeface="Times"/>
               </a:rPr>
-              <a:t>Lorem ipsum dolor sit </a:t>
-            </a:r>
-            <a:r>
-              <a:rPr lang="en-US" sz="3200" dirty="0" err="1">
-                <a:latin typeface="Arial" panose="020B0604020202020204" pitchFamily="34" charset="0"/>
-                <a:ea typeface="Source Sans Pro" panose="020B0503030403020204" pitchFamily="34" charset="0"/>
-                <a:cs typeface="Times"/>
-              </a:rPr>
-              <a:t>amet</a:t>
-            </a:r>
-            <a:r>
-              <a:rPr lang="en-US" sz="3200" dirty="0">
-                <a:latin typeface="Arial" panose="020B0604020202020204" pitchFamily="34" charset="0"/>
-                <a:ea typeface="Source Sans Pro" panose="020B0503030403020204" pitchFamily="34" charset="0"/>
-                <a:cs typeface="Times"/>
-              </a:rPr>
-              <a:t>, </a:t>
-            </a:r>
-            <a:r>
-              <a:rPr lang="en-US" sz="3200" dirty="0" err="1">
-                <a:latin typeface="Arial" panose="020B0604020202020204" pitchFamily="34" charset="0"/>
-                <a:ea typeface="Source Sans Pro" panose="020B0503030403020204" pitchFamily="34" charset="0"/>
-                <a:cs typeface="Times"/>
-              </a:rPr>
-              <a:t>consectetuer</a:t>
-            </a:r>
-            <a:r>
-              <a:rPr lang="en-US" sz="3200" dirty="0">
-                <a:latin typeface="Arial" panose="020B0604020202020204" pitchFamily="34" charset="0"/>
-                <a:ea typeface="Source Sans Pro" panose="020B0503030403020204" pitchFamily="34" charset="0"/>
-                <a:cs typeface="Times"/>
-              </a:rPr>
-              <a:t> </a:t>
-            </a:r>
-            <a:r>
-              <a:rPr lang="en-US" sz="3200" dirty="0" err="1">
-                <a:latin typeface="Arial" panose="020B0604020202020204" pitchFamily="34" charset="0"/>
-                <a:ea typeface="Source Sans Pro" panose="020B0503030403020204" pitchFamily="34" charset="0"/>
-                <a:cs typeface="Times"/>
-              </a:rPr>
-              <a:t>adipiscing</a:t>
-            </a:r>
-            <a:r>
-              <a:rPr lang="en-US" sz="3200" dirty="0">
-                <a:latin typeface="Arial" panose="020B0604020202020204" pitchFamily="34" charset="0"/>
-                <a:ea typeface="Source Sans Pro" panose="020B0503030403020204" pitchFamily="34" charset="0"/>
-                <a:cs typeface="Times"/>
-              </a:rPr>
-              <a:t> </a:t>
-            </a:r>
-            <a:r>
-              <a:rPr lang="en-US" sz="3200" dirty="0" err="1">
-                <a:latin typeface="Arial" panose="020B0604020202020204" pitchFamily="34" charset="0"/>
-                <a:ea typeface="Source Sans Pro" panose="020B0503030403020204" pitchFamily="34" charset="0"/>
-                <a:cs typeface="Times"/>
-              </a:rPr>
-              <a:t>elit</a:t>
-            </a:r>
-            <a:r>
-              <a:rPr lang="en-US" sz="3200" dirty="0">
-                <a:latin typeface="Arial" panose="020B0604020202020204" pitchFamily="34" charset="0"/>
-                <a:ea typeface="Source Sans Pro" panose="020B0503030403020204" pitchFamily="34" charset="0"/>
-                <a:cs typeface="Times"/>
-              </a:rPr>
-              <a:t>, s </a:t>
-            </a:r>
-            <a:r>
-              <a:rPr lang="en-US" sz="3200" dirty="0" err="1">
-                <a:latin typeface="Arial" panose="020B0604020202020204" pitchFamily="34" charset="0"/>
-                <a:ea typeface="Source Sans Pro" panose="020B0503030403020204" pitchFamily="34" charset="0"/>
-                <a:cs typeface="Times"/>
-              </a:rPr>
-              <a:t>zzril</a:t>
-            </a:r>
-            <a:r>
-              <a:rPr lang="en-US" sz="3200" dirty="0">
-                <a:latin typeface="Arial" panose="020B0604020202020204" pitchFamily="34" charset="0"/>
-                <a:ea typeface="Source Sans Pro" panose="020B0503030403020204" pitchFamily="34" charset="0"/>
-                <a:cs typeface="Times"/>
-              </a:rPr>
-              <a:t> </a:t>
-            </a:r>
-            <a:r>
-              <a:rPr lang="en-US" sz="3200" dirty="0" err="1">
-                <a:latin typeface="Arial" panose="020B0604020202020204" pitchFamily="34" charset="0"/>
-                <a:ea typeface="Source Sans Pro" panose="020B0503030403020204" pitchFamily="34" charset="0"/>
-                <a:cs typeface="Times"/>
-              </a:rPr>
-              <a:t>delenit</a:t>
-            </a:r>
-            <a:r>
-              <a:rPr lang="en-US" sz="3200" dirty="0">
-                <a:latin typeface="Arial" panose="020B0604020202020204" pitchFamily="34" charset="0"/>
-                <a:ea typeface="Source Sans Pro" panose="020B0503030403020204" pitchFamily="34" charset="0"/>
-                <a:cs typeface="Times"/>
-              </a:rPr>
-              <a:t> </a:t>
-            </a:r>
-            <a:r>
-              <a:rPr lang="en-US" sz="3200" dirty="0" err="1">
-                <a:latin typeface="Arial" panose="020B0604020202020204" pitchFamily="34" charset="0"/>
-                <a:ea typeface="Source Sans Pro" panose="020B0503030403020204" pitchFamily="34" charset="0"/>
-                <a:cs typeface="Times"/>
-              </a:rPr>
-              <a:t>augue</a:t>
-            </a:r>
-            <a:r>
-              <a:rPr lang="en-US" sz="3200" dirty="0">
-                <a:latin typeface="Arial" panose="020B0604020202020204" pitchFamily="34" charset="0"/>
-                <a:ea typeface="Source Sans Pro" panose="020B0503030403020204" pitchFamily="34" charset="0"/>
-                <a:cs typeface="Times"/>
-              </a:rPr>
-              <a:t> </a:t>
-            </a:r>
-            <a:r>
-              <a:rPr lang="en-US" sz="3200" dirty="0" err="1">
-                <a:latin typeface="Arial" panose="020B0604020202020204" pitchFamily="34" charset="0"/>
-                <a:ea typeface="Source Sans Pro" panose="020B0503030403020204" pitchFamily="34" charset="0"/>
-                <a:cs typeface="Times"/>
-              </a:rPr>
-              <a:t>duis</a:t>
-            </a:r>
-            <a:r>
-              <a:rPr lang="en-US" sz="3200" dirty="0">
-                <a:latin typeface="Arial" panose="020B0604020202020204" pitchFamily="34" charset="0"/>
-                <a:ea typeface="Source Sans Pro" panose="020B0503030403020204" pitchFamily="34" charset="0"/>
-                <a:cs typeface="Times"/>
-              </a:rPr>
-              <a:t> dolore </a:t>
-            </a:r>
-            <a:r>
-              <a:rPr lang="en-US" sz="3200" dirty="0" err="1">
-                <a:latin typeface="Arial" panose="020B0604020202020204" pitchFamily="34" charset="0"/>
-                <a:ea typeface="Source Sans Pro" panose="020B0503030403020204" pitchFamily="34" charset="0"/>
-                <a:cs typeface="Times"/>
-              </a:rPr>
-              <a:t>te</a:t>
-            </a:r>
-            <a:r>
-              <a:rPr lang="en-US" sz="3200" dirty="0">
-                <a:latin typeface="Arial" panose="020B0604020202020204" pitchFamily="34" charset="0"/>
-                <a:ea typeface="Source Sans Pro" panose="020B0503030403020204" pitchFamily="34" charset="0"/>
-                <a:cs typeface="Times"/>
-              </a:rPr>
-              <a:t> </a:t>
-            </a:r>
-            <a:r>
-              <a:rPr lang="en-US" sz="3200" dirty="0" err="1">
-                <a:latin typeface="Arial" panose="020B0604020202020204" pitchFamily="34" charset="0"/>
-                <a:ea typeface="Source Sans Pro" panose="020B0503030403020204" pitchFamily="34" charset="0"/>
-                <a:cs typeface="Times"/>
-              </a:rPr>
-              <a:t>feugait</a:t>
-            </a:r>
-            <a:r>
-              <a:rPr lang="en-US" sz="3200" dirty="0">
-                <a:latin typeface="Arial" panose="020B0604020202020204" pitchFamily="34" charset="0"/>
-                <a:ea typeface="Source Sans Pro" panose="020B0503030403020204" pitchFamily="34" charset="0"/>
-                <a:cs typeface="Times"/>
-              </a:rPr>
-              <a:t> </a:t>
-            </a:r>
-            <a:r>
-              <a:rPr lang="en-US" sz="3200" dirty="0" err="1">
-                <a:latin typeface="Arial" panose="020B0604020202020204" pitchFamily="34" charset="0"/>
-                <a:ea typeface="Source Sans Pro" panose="020B0503030403020204" pitchFamily="34" charset="0"/>
-                <a:cs typeface="Times"/>
-              </a:rPr>
-              <a:t>nulla</a:t>
-            </a:r>
-            <a:r>
-              <a:rPr lang="en-US" sz="3200" dirty="0">
-                <a:latin typeface="Arial" panose="020B0604020202020204" pitchFamily="34" charset="0"/>
-                <a:ea typeface="Source Sans Pro" panose="020B0503030403020204" pitchFamily="34" charset="0"/>
-                <a:cs typeface="Times"/>
-              </a:rPr>
-              <a:t> </a:t>
-            </a:r>
-            <a:r>
-              <a:rPr lang="en-US" sz="3200" dirty="0" err="1">
-                <a:latin typeface="Arial" panose="020B0604020202020204" pitchFamily="34" charset="0"/>
-                <a:ea typeface="Source Sans Pro" panose="020B0503030403020204" pitchFamily="34" charset="0"/>
-                <a:cs typeface="Times"/>
-              </a:rPr>
-              <a:t>facilisi</a:t>
-            </a:r>
-            <a:r>
-              <a:rPr lang="en-US" sz="3200" dirty="0">
-                <a:latin typeface="Arial" panose="020B0604020202020204" pitchFamily="34" charset="0"/>
-                <a:ea typeface="Source Sans Pro" panose="020B0503030403020204" pitchFamily="34" charset="0"/>
-                <a:cs typeface="Times"/>
-              </a:rPr>
-              <a:t>. Lorem ipsum dolor sit </a:t>
-            </a:r>
-            <a:r>
-              <a:rPr lang="en-US" sz="3200" dirty="0" err="1">
-                <a:latin typeface="Arial" panose="020B0604020202020204" pitchFamily="34" charset="0"/>
-                <a:ea typeface="Source Sans Pro" panose="020B0503030403020204" pitchFamily="34" charset="0"/>
-                <a:cs typeface="Times"/>
-              </a:rPr>
-              <a:t>amet</a:t>
-            </a:r>
-            <a:r>
-              <a:rPr lang="en-US" sz="3200" dirty="0">
-                <a:latin typeface="Arial" panose="020B0604020202020204" pitchFamily="34" charset="0"/>
-                <a:ea typeface="Source Sans Pro" panose="020B0503030403020204" pitchFamily="34" charset="0"/>
-                <a:cs typeface="Times"/>
-              </a:rPr>
-              <a:t>, </a:t>
-            </a:r>
-            <a:r>
-              <a:rPr lang="en-US" sz="3200" dirty="0" err="1">
-                <a:latin typeface="Arial" panose="020B0604020202020204" pitchFamily="34" charset="0"/>
-                <a:ea typeface="Source Sans Pro" panose="020B0503030403020204" pitchFamily="34" charset="0"/>
-                <a:cs typeface="Times"/>
-              </a:rPr>
-              <a:t>consectetuer</a:t>
-            </a:r>
-            <a:r>
-              <a:rPr lang="en-US" sz="3200" dirty="0">
-                <a:latin typeface="Arial" panose="020B0604020202020204" pitchFamily="34" charset="0"/>
-                <a:ea typeface="Source Sans Pro" panose="020B0503030403020204" pitchFamily="34" charset="0"/>
-                <a:cs typeface="Times"/>
-              </a:rPr>
-              <a:t> </a:t>
-            </a:r>
-            <a:r>
-              <a:rPr lang="en-US" sz="3200" dirty="0" err="1">
-                <a:latin typeface="Arial" panose="020B0604020202020204" pitchFamily="34" charset="0"/>
-                <a:ea typeface="Source Sans Pro" panose="020B0503030403020204" pitchFamily="34" charset="0"/>
-                <a:cs typeface="Times"/>
-              </a:rPr>
-              <a:t>adipiscing</a:t>
-            </a:r>
-            <a:r>
-              <a:rPr lang="en-US" sz="3200" dirty="0">
-                <a:latin typeface="Arial" panose="020B0604020202020204" pitchFamily="34" charset="0"/>
-                <a:ea typeface="Source Sans Pro" panose="020B0503030403020204" pitchFamily="34" charset="0"/>
-                <a:cs typeface="Times"/>
-              </a:rPr>
-              <a:t> </a:t>
-            </a:r>
-            <a:r>
-              <a:rPr lang="en-US" sz="3200" dirty="0" err="1">
-                <a:latin typeface="Arial" panose="020B0604020202020204" pitchFamily="34" charset="0"/>
-                <a:ea typeface="Source Sans Pro" panose="020B0503030403020204" pitchFamily="34" charset="0"/>
-                <a:cs typeface="Times"/>
-              </a:rPr>
-              <a:t>elit</a:t>
-            </a:r>
-            <a:r>
-              <a:rPr lang="en-US" sz="3200" dirty="0">
-                <a:latin typeface="Arial" panose="020B0604020202020204" pitchFamily="34" charset="0"/>
-                <a:ea typeface="Source Sans Pro" panose="020B0503030403020204" pitchFamily="34" charset="0"/>
-                <a:cs typeface="Times"/>
-              </a:rPr>
-              <a:t>, sed diam </a:t>
-            </a:r>
-            <a:r>
-              <a:rPr lang="en-US" sz="3200" dirty="0" err="1">
-                <a:latin typeface="Arial" panose="020B0604020202020204" pitchFamily="34" charset="0"/>
-                <a:ea typeface="Source Sans Pro" panose="020B0503030403020204" pitchFamily="34" charset="0"/>
-                <a:cs typeface="Times"/>
-              </a:rPr>
-              <a:t>nonummy</a:t>
-            </a:r>
-            <a:r>
-              <a:rPr lang="en-US" sz="3200" dirty="0">
-                <a:latin typeface="Arial" panose="020B0604020202020204" pitchFamily="34" charset="0"/>
-                <a:ea typeface="Source Sans Pro" panose="020B0503030403020204" pitchFamily="34" charset="0"/>
-                <a:cs typeface="Times"/>
-              </a:rPr>
-              <a:t> </a:t>
-            </a:r>
-            <a:r>
-              <a:rPr lang="en-US" sz="3200" dirty="0" err="1">
-                <a:latin typeface="Arial" panose="020B0604020202020204" pitchFamily="34" charset="0"/>
-                <a:ea typeface="Source Sans Pro" panose="020B0503030403020204" pitchFamily="34" charset="0"/>
-                <a:cs typeface="Times"/>
-              </a:rPr>
-              <a:t>nibh</a:t>
-            </a:r>
-            <a:r>
-              <a:rPr lang="en-US" sz="3200" dirty="0">
-                <a:latin typeface="Arial" panose="020B0604020202020204" pitchFamily="34" charset="0"/>
-                <a:ea typeface="Source Sans Pro" panose="020B0503030403020204" pitchFamily="34" charset="0"/>
-                <a:cs typeface="Times"/>
-              </a:rPr>
-              <a:t> </a:t>
-            </a:r>
-            <a:r>
-              <a:rPr lang="en-US" sz="3200" dirty="0" err="1">
-                <a:latin typeface="Arial" panose="020B0604020202020204" pitchFamily="34" charset="0"/>
-                <a:ea typeface="Source Sans Pro" panose="020B0503030403020204" pitchFamily="34" charset="0"/>
-                <a:cs typeface="Times"/>
-              </a:rPr>
-              <a:t>euismod</a:t>
-            </a:r>
-            <a:r>
-              <a:rPr lang="en-US" sz="3200" dirty="0">
-                <a:latin typeface="Arial" panose="020B0604020202020204" pitchFamily="34" charset="0"/>
-                <a:ea typeface="Source Sans Pro" panose="020B0503030403020204" pitchFamily="34" charset="0"/>
-                <a:cs typeface="Times"/>
-              </a:rPr>
-              <a:t> </a:t>
-            </a:r>
-            <a:r>
-              <a:rPr lang="en-US" sz="3200" dirty="0" err="1">
-                <a:latin typeface="Arial" panose="020B0604020202020204" pitchFamily="34" charset="0"/>
-                <a:ea typeface="Source Sans Pro" panose="020B0503030403020204" pitchFamily="34" charset="0"/>
-                <a:cs typeface="Times"/>
-              </a:rPr>
-              <a:t>tincidunt</a:t>
-            </a:r>
-            <a:r>
-              <a:rPr lang="en-US" sz="3200" dirty="0">
-                <a:latin typeface="Arial" panose="020B0604020202020204" pitchFamily="34" charset="0"/>
-                <a:ea typeface="Source Sans Pro" panose="020B0503030403020204" pitchFamily="34" charset="0"/>
-                <a:cs typeface="Times"/>
-              </a:rPr>
-              <a:t> </a:t>
-            </a:r>
-            <a:r>
-              <a:rPr lang="en-US" sz="3200" dirty="0" err="1">
-                <a:latin typeface="Arial" panose="020B0604020202020204" pitchFamily="34" charset="0"/>
-                <a:ea typeface="Source Sans Pro" panose="020B0503030403020204" pitchFamily="34" charset="0"/>
-                <a:cs typeface="Times"/>
-              </a:rPr>
-              <a:t>ut</a:t>
-            </a:r>
-            <a:r>
-              <a:rPr lang="en-US" sz="3200" dirty="0">
-                <a:latin typeface="Arial" panose="020B0604020202020204" pitchFamily="34" charset="0"/>
-                <a:ea typeface="Source Sans Pro" panose="020B0503030403020204" pitchFamily="34" charset="0"/>
-                <a:cs typeface="Times"/>
-              </a:rPr>
-              <a:t> </a:t>
-            </a:r>
-            <a:r>
-              <a:rPr lang="en-US" sz="3200" dirty="0" err="1">
-                <a:latin typeface="Arial" panose="020B0604020202020204" pitchFamily="34" charset="0"/>
-                <a:ea typeface="Source Sans Pro" panose="020B0503030403020204" pitchFamily="34" charset="0"/>
-                <a:cs typeface="Times"/>
-              </a:rPr>
-              <a:t>laoreet</a:t>
-            </a:r>
-            <a:r>
-              <a:rPr lang="en-US" sz="3200" dirty="0">
-                <a:latin typeface="Arial" panose="020B0604020202020204" pitchFamily="34" charset="0"/>
-                <a:ea typeface="Source Sans Pro" panose="020B0503030403020204" pitchFamily="34" charset="0"/>
-                <a:cs typeface="Times"/>
-              </a:rPr>
-              <a:t> dolore magna </a:t>
-            </a:r>
-            <a:r>
-              <a:rPr lang="en-US" sz="3200" dirty="0" err="1">
-                <a:latin typeface="Arial" panose="020B0604020202020204" pitchFamily="34" charset="0"/>
-                <a:ea typeface="Source Sans Pro" panose="020B0503030403020204" pitchFamily="34" charset="0"/>
-                <a:cs typeface="Times"/>
-              </a:rPr>
-              <a:t>aliquam</a:t>
-            </a:r>
-            <a:r>
-              <a:rPr lang="en-US" sz="3200" dirty="0">
-                <a:latin typeface="Arial" panose="020B0604020202020204" pitchFamily="34" charset="0"/>
-                <a:ea typeface="Source Sans Pro" panose="020B0503030403020204" pitchFamily="34" charset="0"/>
-                <a:cs typeface="Times"/>
-              </a:rPr>
-              <a:t> era</a:t>
+              <a:t>The procedure shown in Chart 4 was employed to assess the discrepancy between solutions. </a:t>
             </a:r>
           </a:p>
         </p:txBody>
@@ -8253,7 +6335,7 @@
         </p:nvSpPr>
         <p:spPr bwMode="auto">
           <a:xfrm>
-            <a:off x="14792325" y="28897030"/>
+            <a:off x="14815407" y="30094693"/>
             <a:ext cx="3819611" cy="438569"/>
           </a:xfrm>
           <a:prstGeom prst="rect">
@@ -8355,7 +6437,7 @@
         </p:nvSpPr>
         <p:spPr>
           <a:xfrm>
-            <a:off x="1470620" y="12315023"/>
+            <a:off x="1368958" y="12171780"/>
             <a:ext cx="11887200" cy="4577343"/>
           </a:xfrm>
           <a:prstGeom prst="rect">
@@ -8515,15 +6597,15 @@
           <p:nvPr/>
         </p:nvPicPr>
         <p:blipFill>
-          <a:blip r:embed="rId11"/>
+          <a:blip r:embed="rId9"/>
           <a:stretch>
             <a:fillRect/>
           </a:stretch>
         </p:blipFill>
         <p:spPr>
           <a:xfrm>
-            <a:off x="16147281" y="25842347"/>
-            <a:ext cx="8763000" cy="2981325"/>
+            <a:off x="16053962" y="26115506"/>
+            <a:ext cx="9027647" cy="3071362"/>
           </a:xfrm>
           <a:prstGeom prst="rect">
             <a:avLst/>
@@ -8546,8 +6628,8 @@
         </p:nvSpPr>
         <p:spPr bwMode="auto">
           <a:xfrm>
-            <a:off x="1460362" y="26534337"/>
-            <a:ext cx="3819611" cy="438569"/>
+            <a:off x="1397463" y="29169574"/>
+            <a:ext cx="9470377" cy="438569"/>
           </a:xfrm>
           <a:prstGeom prst="rect">
             <a:avLst/>
@@ -8587,7 +6669,7 @@
           </a:extLst>
         </p:spPr>
         <p:txBody>
-          <a:bodyPr wrap="none" lIns="68568" tIns="34284" rIns="68568" bIns="34284" anchor="ctr" anchorCtr="0">
+          <a:bodyPr wrap="square" lIns="68568" tIns="34284" rIns="68568" bIns="34284" anchor="ctr" anchorCtr="0">
             <a:spAutoFit/>
           </a:bodyPr>
           <a:lstStyle/>
@@ -8611,26 +6693,8 @@
                 <a:latin typeface="Arial" panose="020B0604020202020204" pitchFamily="34" charset="0"/>
                 <a:ea typeface="Source Sans Pro" panose="020B0503030403020204" pitchFamily="34" charset="0"/>
               </a:rPr>
-              <a:t>Label in 24pt </a:t>
-            </a:r>
-            <a:r>
-              <a:rPr lang="en-US" sz="2400" dirty="0">
-                <a:solidFill>
-                  <a:srgbClr val="000F7E"/>
-                </a:solidFill>
-                <a:latin typeface="Arial" panose="020B0604020202020204" pitchFamily="34" charset="0"/>
-                <a:ea typeface="Source Sans Pro" panose="020B0503030403020204" pitchFamily="34" charset="0"/>
-                <a:cs typeface="Times"/>
-              </a:rPr>
-              <a:t>Arial</a:t>
-            </a:r>
-            <a:endParaRPr lang="en-US" sz="2400" kern="1200" dirty="0">
-              <a:solidFill>
-                <a:srgbClr val="000F7E"/>
-              </a:solidFill>
-              <a:latin typeface="Arial" panose="020B0604020202020204" pitchFamily="34" charset="0"/>
-              <a:ea typeface="Source Sans Pro" panose="020B0503030403020204" pitchFamily="34" charset="0"/>
-            </a:endParaRPr>
+              <a:t>Block flow diagram of a low-carbon manufacturing process.</a:t>
+            </a:r>
           </a:p>
         </p:txBody>
       </p:sp>
@@ -8649,14 +6713,14 @@
           <p:nvPr/>
         </p:nvPicPr>
         <p:blipFill>
-          <a:blip r:embed="rId12"/>
+          <a:blip r:embed="rId10"/>
           <a:stretch>
             <a:fillRect/>
           </a:stretch>
         </p:blipFill>
         <p:spPr>
           <a:xfrm>
-            <a:off x="1444892" y="24694926"/>
+            <a:off x="1470755" y="27245151"/>
             <a:ext cx="11840580" cy="1839411"/>
           </a:xfrm>
           <a:prstGeom prst="rect">
@@ -8678,8 +6742,8 @@
         </p:nvSpPr>
         <p:spPr>
           <a:xfrm>
-            <a:off x="1398272" y="27074779"/>
-            <a:ext cx="11887200" cy="4524315"/>
+            <a:off x="14565345" y="5863098"/>
+            <a:ext cx="11996556" cy="2554545"/>
           </a:xfrm>
           <a:prstGeom prst="rect">
             <a:avLst/>
@@ -8711,7 +6775,545 @@
                 <a:ea typeface="Source Sans Pro" panose="020B0503030403020204" pitchFamily="34" charset="0"/>
                 <a:cs typeface="Times"/>
               </a:rPr>
-              <a:t>Pyomo, an open-source optimization modeling language, and the IDAES framework (Institute for the Design of Advanced Energy Systems) were used to build the ATR flowsheets in Python 3.10.11. The NLP solver used was IPOPT 3.13 using linear solver MA27. </a:t>
+              <a:t>Pyomo, an open-source optimization modeling language, and the IDAES framework (Institute for the Design of Advanced Energy Systems) were used to model the ATR flowsheets in Python 3.10.11. NLP solver used was IPOPT 3.13.2, linear solver MA27. </a:t>
+            </a:r>
+          </a:p>
+        </p:txBody>
+      </p:sp>
+      <p:sp>
+        <p:nvSpPr>
+          <p:cNvPr id="5" name="TextBox 4">
+            <a:extLst>
+              <a:ext uri="{FF2B5EF4-FFF2-40B4-BE49-F238E27FC236}">
+                <a16:creationId xmlns:a16="http://schemas.microsoft.com/office/drawing/2014/main" id="{4EF7186F-BA77-CD5E-9659-7D050FB56B8C}"/>
+              </a:ext>
+            </a:extLst>
+          </p:cNvPr>
+          <p:cNvSpPr txBox="1"/>
+          <p:nvPr/>
+        </p:nvSpPr>
+        <p:spPr>
+          <a:xfrm>
+            <a:off x="1510797" y="19747822"/>
+            <a:ext cx="11887200" cy="2264402"/>
+          </a:xfrm>
+          <a:prstGeom prst="rect">
+            <a:avLst/>
+          </a:prstGeom>
+          <a:noFill/>
+        </p:spPr>
+        <p:txBody>
+          <a:bodyPr wrap="square">
+            <a:spAutoFit/>
+          </a:bodyPr>
+          <a:lstStyle/>
+          <a:p>
+            <a:pPr algn="just">
+              <a:lnSpc>
+                <a:spcPct val="107000"/>
+              </a:lnSpc>
+              <a:spcAft>
+                <a:spcPts val="800"/>
+              </a:spcAft>
+            </a:pPr>
+            <a:r>
+              <a:rPr lang="en-US" sz="3200" b="1" spc="300" dirty="0">
+                <a:solidFill>
+                  <a:srgbClr val="000F7E"/>
+                </a:solidFill>
+                <a:latin typeface="Arial" panose="020B0604020202020204" pitchFamily="34" charset="0"/>
+                <a:ea typeface="Source Sans Pro" panose="020B0503030403020204" pitchFamily="34" charset="0"/>
+                <a:cs typeface="Arial" panose="020B0604020202020204" pitchFamily="34" charset="0"/>
+              </a:rPr>
+              <a:t>OBJECTIVE</a:t>
+            </a:r>
+            <a:endParaRPr lang="en-US" sz="3200" kern="100" dirty="0">
+              <a:solidFill>
+                <a:srgbClr val="000000"/>
+              </a:solidFill>
+              <a:effectLst/>
+              <a:latin typeface="Arial" panose="020B0604020202020204" pitchFamily="34" charset="0"/>
+              <a:ea typeface="Calibri" panose="020F0502020204030204" pitchFamily="34" charset="0"/>
+              <a:cs typeface="Arial" panose="020B0604020202020204" pitchFamily="34" charset="0"/>
+            </a:endParaRPr>
+          </a:p>
+          <a:p>
+            <a:pPr marL="457200" indent="-457200" algn="just">
+              <a:lnSpc>
+                <a:spcPct val="107000"/>
+              </a:lnSpc>
+              <a:spcAft>
+                <a:spcPts val="800"/>
+              </a:spcAft>
+              <a:buFont typeface="Wingdings" panose="05000000000000000000" pitchFamily="2" charset="2"/>
+              <a:buChar char="§"/>
+            </a:pPr>
+            <a:r>
+              <a:rPr lang="en-US" sz="3200" kern="100" dirty="0">
+                <a:solidFill>
+                  <a:srgbClr val="000000"/>
+                </a:solidFill>
+                <a:effectLst/>
+                <a:latin typeface="Arial" panose="020B0604020202020204" pitchFamily="34" charset="0"/>
+                <a:ea typeface="Calibri" panose="020F0502020204030204" pitchFamily="34" charset="0"/>
+                <a:cs typeface="Arial" panose="020B0604020202020204" pitchFamily="34" charset="0"/>
+              </a:rPr>
+              <a:t>Compare </a:t>
+            </a:r>
+            <a:r>
+              <a:rPr lang="en-US" sz="3200" b="1" kern="100" dirty="0">
+                <a:solidFill>
+                  <a:srgbClr val="000000"/>
+                </a:solidFill>
+                <a:effectLst/>
+                <a:latin typeface="Arial" panose="020B0604020202020204" pitchFamily="34" charset="0"/>
+                <a:ea typeface="Calibri" panose="020F0502020204030204" pitchFamily="34" charset="0"/>
+                <a:cs typeface="Arial" panose="020B0604020202020204" pitchFamily="34" charset="0"/>
+              </a:rPr>
+              <a:t>convergence reliability</a:t>
+            </a:r>
+            <a:r>
+              <a:rPr lang="en-US" sz="3200" kern="100" dirty="0">
+                <a:solidFill>
+                  <a:srgbClr val="000000"/>
+                </a:solidFill>
+                <a:effectLst/>
+                <a:latin typeface="Arial" panose="020B0604020202020204" pitchFamily="34" charset="0"/>
+                <a:ea typeface="Calibri" panose="020F0502020204030204" pitchFamily="34" charset="0"/>
+                <a:cs typeface="Arial" panose="020B0604020202020204" pitchFamily="34" charset="0"/>
+              </a:rPr>
+              <a:t>, </a:t>
+            </a:r>
+            <a:r>
+              <a:rPr lang="en-US" sz="3200" b="1" kern="100" dirty="0">
+                <a:solidFill>
+                  <a:srgbClr val="000000"/>
+                </a:solidFill>
+                <a:effectLst/>
+                <a:latin typeface="Arial" panose="020B0604020202020204" pitchFamily="34" charset="0"/>
+                <a:ea typeface="Calibri" panose="020F0502020204030204" pitchFamily="34" charset="0"/>
+                <a:cs typeface="Arial" panose="020B0604020202020204" pitchFamily="34" charset="0"/>
+              </a:rPr>
+              <a:t>solve time </a:t>
+            </a:r>
+            <a:r>
+              <a:rPr lang="en-US" sz="3200" kern="100" dirty="0">
+                <a:solidFill>
+                  <a:srgbClr val="000000"/>
+                </a:solidFill>
+                <a:effectLst/>
+                <a:latin typeface="Arial" panose="020B0604020202020204" pitchFamily="34" charset="0"/>
+                <a:ea typeface="Calibri" panose="020F0502020204030204" pitchFamily="34" charset="0"/>
+                <a:cs typeface="Arial" panose="020B0604020202020204" pitchFamily="34" charset="0"/>
+              </a:rPr>
+              <a:t>and </a:t>
+            </a:r>
+            <a:r>
+              <a:rPr lang="en-US" sz="3200" b="1" kern="100" dirty="0">
+                <a:solidFill>
+                  <a:srgbClr val="000000"/>
+                </a:solidFill>
+                <a:effectLst/>
+                <a:latin typeface="Arial" panose="020B0604020202020204" pitchFamily="34" charset="0"/>
+                <a:ea typeface="Calibri" panose="020F0502020204030204" pitchFamily="34" charset="0"/>
+                <a:cs typeface="Arial" panose="020B0604020202020204" pitchFamily="34" charset="0"/>
+              </a:rPr>
+              <a:t>solution quality</a:t>
+            </a:r>
+            <a:r>
+              <a:rPr lang="en-US" sz="3200" kern="100" dirty="0">
+                <a:solidFill>
+                  <a:srgbClr val="000000"/>
+                </a:solidFill>
+                <a:effectLst/>
+                <a:latin typeface="Arial" panose="020B0604020202020204" pitchFamily="34" charset="0"/>
+                <a:ea typeface="Calibri" panose="020F0502020204030204" pitchFamily="34" charset="0"/>
+                <a:cs typeface="Arial" panose="020B0604020202020204" pitchFamily="34" charset="0"/>
+              </a:rPr>
+              <a:t> between classical (or full space) and surrogate-based optimization formulations.</a:t>
+            </a:r>
+            <a:endParaRPr lang="en-US" sz="3200" kern="100" dirty="0">
+              <a:effectLst/>
+              <a:latin typeface="Arial" panose="020B0604020202020204" pitchFamily="34" charset="0"/>
+              <a:ea typeface="Calibri" panose="020F0502020204030204" pitchFamily="34" charset="0"/>
+              <a:cs typeface="Arial" panose="020B0604020202020204" pitchFamily="34" charset="0"/>
+            </a:endParaRPr>
+          </a:p>
+        </p:txBody>
+      </p:sp>
+      <p:sp>
+        <p:nvSpPr>
+          <p:cNvPr id="8" name="TextBox 7">
+            <a:extLst>
+              <a:ext uri="{FF2B5EF4-FFF2-40B4-BE49-F238E27FC236}">
+                <a16:creationId xmlns:a16="http://schemas.microsoft.com/office/drawing/2014/main" id="{3523470C-5DEB-C4C3-6EB9-15DF5B23CDCD}"/>
+              </a:ext>
+            </a:extLst>
+          </p:cNvPr>
+          <p:cNvSpPr txBox="1"/>
+          <p:nvPr/>
+        </p:nvSpPr>
+        <p:spPr>
+          <a:xfrm>
+            <a:off x="14569402" y="8502474"/>
+            <a:ext cx="11883143" cy="2062103"/>
+          </a:xfrm>
+          <a:prstGeom prst="rect">
+            <a:avLst/>
+          </a:prstGeom>
+          <a:noFill/>
+        </p:spPr>
+        <p:txBody>
+          <a:bodyPr wrap="square">
+            <a:spAutoFit/>
+          </a:bodyPr>
+          <a:lstStyle/>
+          <a:p>
+            <a:r>
+              <a:rPr lang="en-US" sz="3200" b="1" spc="300" dirty="0">
+                <a:solidFill>
+                  <a:srgbClr val="000F7E"/>
+                </a:solidFill>
+                <a:latin typeface="Arial" panose="020B0604020202020204" pitchFamily="34" charset="0"/>
+                <a:ea typeface="Source Sans Pro" panose="020B0503030403020204" pitchFamily="34" charset="0"/>
+                <a:cs typeface="Arial" panose="020B0604020202020204" pitchFamily="34" charset="0"/>
+              </a:rPr>
+              <a:t>FULL SPACE ATR FLOWSHEET</a:t>
+            </a:r>
+          </a:p>
+          <a:p>
+            <a:pPr algn="just"/>
+            <a:r>
+              <a:rPr lang="en-US" sz="3200" dirty="0">
+                <a:latin typeface="Arial" panose="020B0604020202020204" pitchFamily="34" charset="0"/>
+                <a:ea typeface="Source Sans Pro" panose="020B0503030403020204" pitchFamily="34" charset="0"/>
+                <a:cs typeface="Times"/>
+              </a:rPr>
+              <a:t>The goal is to maximize H</a:t>
+            </a:r>
+            <a:r>
+              <a:rPr lang="en-US" sz="3200" baseline="-25000" dirty="0">
+                <a:latin typeface="Arial" panose="020B0604020202020204" pitchFamily="34" charset="0"/>
+                <a:ea typeface="Source Sans Pro" panose="020B0503030403020204" pitchFamily="34" charset="0"/>
+                <a:cs typeface="Times"/>
+              </a:rPr>
+              <a:t>2</a:t>
+            </a:r>
+            <a:r>
+              <a:rPr lang="en-US" sz="3200" dirty="0">
+                <a:latin typeface="Arial" panose="020B0604020202020204" pitchFamily="34" charset="0"/>
+                <a:ea typeface="Source Sans Pro" panose="020B0503030403020204" pitchFamily="34" charset="0"/>
+                <a:cs typeface="Times"/>
+              </a:rPr>
+              <a:t> concentration in the syngas stream while satisfying the constraints shown in Chart 2. The degrees of freedom are the inlet steam flow and the bypass fraction.</a:t>
+            </a:r>
+          </a:p>
+        </p:txBody>
+      </p:sp>
+      <p:pic>
+        <p:nvPicPr>
+          <p:cNvPr id="10" name="Picture 9">
+            <a:extLst>
+              <a:ext uri="{FF2B5EF4-FFF2-40B4-BE49-F238E27FC236}">
+                <a16:creationId xmlns:a16="http://schemas.microsoft.com/office/drawing/2014/main" id="{D2E4505B-0AEC-5C59-8CDE-4BE69BA92B9C}"/>
+              </a:ext>
+            </a:extLst>
+          </p:cNvPr>
+          <p:cNvPicPr>
+            <a:picLocks noChangeAspect="1"/>
+          </p:cNvPicPr>
+          <p:nvPr/>
+        </p:nvPicPr>
+        <p:blipFill>
+          <a:blip r:embed="rId11"/>
+          <a:stretch>
+            <a:fillRect/>
+          </a:stretch>
+        </p:blipFill>
+        <p:spPr>
+          <a:xfrm>
+            <a:off x="14740425" y="20714852"/>
+            <a:ext cx="11635581" cy="3251560"/>
+          </a:xfrm>
+          <a:prstGeom prst="rect">
+            <a:avLst/>
+          </a:prstGeom>
+        </p:spPr>
+      </p:pic>
+      <p:sp>
+        <p:nvSpPr>
+          <p:cNvPr id="13" name="Text Box 180">
+            <a:extLst>
+              <a:ext uri="{FF2B5EF4-FFF2-40B4-BE49-F238E27FC236}">
+                <a16:creationId xmlns:a16="http://schemas.microsoft.com/office/drawing/2014/main" id="{E1EEF852-2AA2-162F-C24F-3DA2ECCA1854}"/>
+              </a:ext>
+            </a:extLst>
+          </p:cNvPr>
+          <p:cNvSpPr txBox="1">
+            <a:spLocks noChangeArrowheads="1"/>
+          </p:cNvSpPr>
+          <p:nvPr/>
+        </p:nvSpPr>
+        <p:spPr bwMode="auto">
+          <a:xfrm>
+            <a:off x="14488806" y="29171370"/>
+            <a:ext cx="7377636" cy="438569"/>
+          </a:xfrm>
+          <a:prstGeom prst="rect">
+            <a:avLst/>
+          </a:prstGeom>
+          <a:noFill/>
+          <a:ln>
+            <a:noFill/>
+          </a:ln>
+          <a:effectLst/>
+          <a:extLst>
+            <a:ext uri="{909E8E84-426E-40dd-AFC4-6F175D3DCCD1}">
+              <a14:hiddenFill xmlns="" xmlns:a14="http://schemas.microsoft.com/office/drawing/2010/main">
+                <a:solidFill>
+                  <a:schemeClr val="accent1"/>
+                </a:solidFill>
+              </a14:hiddenFill>
+            </a:ext>
+            <a:ext uri="{91240B29-F687-4f45-9708-019B960494DF}">
+              <a14:hiddenLine xmlns="" xmlns:a14="http://schemas.microsoft.com/office/drawing/2010/main" w="9525">
+                <a:solidFill>
+                  <a:schemeClr val="tx1"/>
+                </a:solidFill>
+                <a:miter lim="800000"/>
+                <a:headEnd/>
+                <a:tailEnd/>
+              </a14:hiddenLine>
+            </a:ext>
+            <a:ext uri="{AF507438-7753-43e0-B8FC-AC1667EBCBE1}">
+              <a14:hiddenEffects xmlns="" xmlns:a14="http://schemas.microsoft.com/office/drawing/2010/main">
+                <a:effectLst>
+                  <a:outerShdw dist="35921" dir="2700000" algn="ctr" rotWithShape="0">
+                    <a:schemeClr val="bg2"/>
+                  </a:outerShdw>
+                </a:effectLst>
+              </a14:hiddenEffects>
+            </a:ext>
+          </a:extLst>
+        </p:spPr>
+        <p:txBody>
+          <a:bodyPr wrap="none" lIns="68568" tIns="34284" rIns="68568" bIns="34284" anchor="ctr" anchorCtr="0">
+            <a:spAutoFit/>
+          </a:bodyPr>
+          <a:lstStyle/>
+          <a:p>
+            <a:pPr algn="ctr" eaLnBrk="1" hangingPunct="1"/>
+            <a:r>
+              <a:rPr lang="en-US" sz="2400" b="1" kern="1200" dirty="0">
+                <a:solidFill>
+                  <a:srgbClr val="000F7E"/>
+                </a:solidFill>
+                <a:latin typeface="Arial" panose="020B0604020202020204" pitchFamily="34" charset="0"/>
+                <a:ea typeface="Source Sans Pro" panose="020B0503030403020204" pitchFamily="34" charset="0"/>
+              </a:rPr>
+              <a:t>Chart 4. </a:t>
+            </a:r>
+            <a:r>
+              <a:rPr lang="en-US" sz="2400" kern="1200" dirty="0">
+                <a:solidFill>
+                  <a:srgbClr val="000F7E"/>
+                </a:solidFill>
+                <a:latin typeface="Arial" panose="020B0604020202020204" pitchFamily="34" charset="0"/>
+                <a:ea typeface="Source Sans Pro" panose="020B0503030403020204" pitchFamily="34" charset="0"/>
+              </a:rPr>
+              <a:t>Representation of a surrogate reactor block.</a:t>
+            </a:r>
+          </a:p>
+        </p:txBody>
+      </p:sp>
+      <p:sp>
+        <p:nvSpPr>
+          <p:cNvPr id="14" name="Text Box 180">
+            <a:extLst>
+              <a:ext uri="{FF2B5EF4-FFF2-40B4-BE49-F238E27FC236}">
+                <a16:creationId xmlns:a16="http://schemas.microsoft.com/office/drawing/2014/main" id="{DBFBE5DD-5472-8E38-C7A8-3FA6B1304778}"/>
+              </a:ext>
+            </a:extLst>
+          </p:cNvPr>
+          <p:cNvSpPr txBox="1">
+            <a:spLocks noChangeArrowheads="1"/>
+          </p:cNvSpPr>
+          <p:nvPr/>
+        </p:nvSpPr>
+        <p:spPr bwMode="auto">
+          <a:xfrm>
+            <a:off x="27682364" y="12244676"/>
+            <a:ext cx="7075724" cy="438569"/>
+          </a:xfrm>
+          <a:prstGeom prst="rect">
+            <a:avLst/>
+          </a:prstGeom>
+          <a:noFill/>
+          <a:ln>
+            <a:noFill/>
+          </a:ln>
+          <a:effectLst/>
+          <a:extLst>
+            <a:ext uri="{909E8E84-426E-40dd-AFC4-6F175D3DCCD1}">
+              <a14:hiddenFill xmlns="" xmlns:a14="http://schemas.microsoft.com/office/drawing/2010/main">
+                <a:solidFill>
+                  <a:schemeClr val="accent1"/>
+                </a:solidFill>
+              </a14:hiddenFill>
+            </a:ext>
+            <a:ext uri="{91240B29-F687-4f45-9708-019B960494DF}">
+              <a14:hiddenLine xmlns="" xmlns:a14="http://schemas.microsoft.com/office/drawing/2010/main" w="9525">
+                <a:solidFill>
+                  <a:schemeClr val="tx1"/>
+                </a:solidFill>
+                <a:miter lim="800000"/>
+                <a:headEnd/>
+                <a:tailEnd/>
+              </a14:hiddenLine>
+            </a:ext>
+            <a:ext uri="{AF507438-7753-43e0-B8FC-AC1667EBCBE1}">
+              <a14:hiddenEffects xmlns="" xmlns:a14="http://schemas.microsoft.com/office/drawing/2010/main">
+                <a:effectLst>
+                  <a:outerShdw dist="35921" dir="2700000" algn="ctr" rotWithShape="0">
+                    <a:schemeClr val="bg2"/>
+                  </a:outerShdw>
+                </a:effectLst>
+              </a14:hiddenEffects>
+            </a:ext>
+          </a:extLst>
+        </p:spPr>
+        <p:txBody>
+          <a:bodyPr wrap="square" lIns="68568" tIns="34284" rIns="68568" bIns="34284" anchor="ctr" anchorCtr="0">
+            <a:spAutoFit/>
+          </a:bodyPr>
+          <a:lstStyle/>
+          <a:p>
+            <a:pPr algn="ctr" eaLnBrk="1" hangingPunct="1"/>
+            <a:r>
+              <a:rPr lang="en-US" sz="2400" b="1" kern="1200" dirty="0">
+                <a:solidFill>
+                  <a:srgbClr val="000F7E"/>
+                </a:solidFill>
+                <a:latin typeface="Arial" panose="020B0604020202020204" pitchFamily="34" charset="0"/>
+                <a:ea typeface="Source Sans Pro" panose="020B0503030403020204" pitchFamily="34" charset="0"/>
+              </a:rPr>
+              <a:t>Chart 5. </a:t>
+            </a:r>
+            <a:r>
+              <a:rPr lang="en-US" sz="2400" kern="1200" dirty="0">
+                <a:solidFill>
+                  <a:srgbClr val="000F7E"/>
+                </a:solidFill>
+                <a:latin typeface="Arial" panose="020B0604020202020204" pitchFamily="34" charset="0"/>
+                <a:ea typeface="Source Sans Pro" panose="020B0503030403020204" pitchFamily="34" charset="0"/>
+              </a:rPr>
+              <a:t>Convergence status for each formulation.</a:t>
+            </a:r>
+          </a:p>
+        </p:txBody>
+      </p:sp>
+      <p:sp>
+        <p:nvSpPr>
+          <p:cNvPr id="19" name="TextBox 18">
+            <a:extLst>
+              <a:ext uri="{FF2B5EF4-FFF2-40B4-BE49-F238E27FC236}">
+                <a16:creationId xmlns:a16="http://schemas.microsoft.com/office/drawing/2014/main" id="{8631F67B-8E7D-F4D3-31DA-67B746352FFB}"/>
+              </a:ext>
+            </a:extLst>
+          </p:cNvPr>
+          <p:cNvSpPr txBox="1"/>
+          <p:nvPr/>
+        </p:nvSpPr>
+        <p:spPr>
+          <a:xfrm>
+            <a:off x="27683696" y="12705751"/>
+            <a:ext cx="11883143" cy="2554545"/>
+          </a:xfrm>
+          <a:prstGeom prst="rect">
+            <a:avLst/>
+          </a:prstGeom>
+          <a:noFill/>
+        </p:spPr>
+        <p:txBody>
+          <a:bodyPr wrap="square">
+            <a:spAutoFit/>
+          </a:bodyPr>
+          <a:lstStyle/>
+          <a:p>
+            <a:r>
+              <a:rPr lang="en-US" sz="3200" b="1" spc="300" dirty="0">
+                <a:solidFill>
+                  <a:srgbClr val="000F7E"/>
+                </a:solidFill>
+                <a:latin typeface="Arial" panose="020B0604020202020204" pitchFamily="34" charset="0"/>
+                <a:ea typeface="Source Sans Pro" panose="020B0503030403020204" pitchFamily="34" charset="0"/>
+                <a:cs typeface="Arial" panose="020B0604020202020204" pitchFamily="34" charset="0"/>
+              </a:rPr>
+              <a:t>PERFORMANCE</a:t>
+            </a:r>
+          </a:p>
+          <a:p>
+            <a:pPr algn="just"/>
+            <a:r>
+              <a:rPr lang="en-US" sz="3200" dirty="0">
+                <a:latin typeface="Arial" panose="020B0604020202020204" pitchFamily="34" charset="0"/>
+                <a:ea typeface="Source Sans Pro" panose="020B0503030403020204" pitchFamily="34" charset="0"/>
+                <a:cs typeface="Times"/>
+              </a:rPr>
+              <a:t>The ALAMO surrogate-based formulation is faster than the full space by a factor of five, and the solution time between instances on this parameter sweep is more uniform, with a standard deviation that is sixteen times lower. </a:t>
+            </a:r>
+          </a:p>
+        </p:txBody>
+      </p:sp>
+      <p:sp>
+        <p:nvSpPr>
+          <p:cNvPr id="21" name="TextBox 20">
+            <a:extLst>
+              <a:ext uri="{FF2B5EF4-FFF2-40B4-BE49-F238E27FC236}">
+                <a16:creationId xmlns:a16="http://schemas.microsoft.com/office/drawing/2014/main" id="{DB174467-9C7D-79B5-802A-B37F5ACF4212}"/>
+              </a:ext>
+            </a:extLst>
+          </p:cNvPr>
+          <p:cNvSpPr txBox="1"/>
+          <p:nvPr/>
+        </p:nvSpPr>
+        <p:spPr>
+          <a:xfrm>
+            <a:off x="27733163" y="22796928"/>
+            <a:ext cx="11883143" cy="2554545"/>
+          </a:xfrm>
+          <a:prstGeom prst="rect">
+            <a:avLst/>
+          </a:prstGeom>
+          <a:noFill/>
+        </p:spPr>
+        <p:txBody>
+          <a:bodyPr wrap="square">
+            <a:spAutoFit/>
+          </a:bodyPr>
+          <a:lstStyle/>
+          <a:p>
+            <a:r>
+              <a:rPr lang="en-US" sz="3200" b="1" spc="300" dirty="0">
+                <a:solidFill>
+                  <a:srgbClr val="000F7E"/>
+                </a:solidFill>
+                <a:latin typeface="Arial" panose="020B0604020202020204" pitchFamily="34" charset="0"/>
+                <a:ea typeface="Source Sans Pro" panose="020B0503030403020204" pitchFamily="34" charset="0"/>
+                <a:cs typeface="Arial" panose="020B0604020202020204" pitchFamily="34" charset="0"/>
+              </a:rPr>
+              <a:t>SOLUTION QUALITY</a:t>
+            </a:r>
+          </a:p>
+          <a:p>
+            <a:pPr algn="just"/>
+            <a:r>
+              <a:rPr lang="en-US" sz="3200" dirty="0">
+                <a:latin typeface="Arial" panose="020B0604020202020204" pitchFamily="34" charset="0"/>
+                <a:ea typeface="Source Sans Pro" panose="020B0503030403020204" pitchFamily="34" charset="0"/>
+                <a:cs typeface="Times"/>
+              </a:rPr>
+              <a:t>The mean relative error between the objective values from the Full Space and ALAMO surrogate-based formulations is 1.47%, with a standard deviation of 0.51 and a maximum error of 3.04%.</a:t>
             </a:r>
           </a:p>
           <a:p>
@@ -8721,19 +7323,185 @@
               <a:cs typeface="Times"/>
             </a:endParaRPr>
           </a:p>
-          <a:p>
-            <a:endParaRPr lang="en-US" sz="3200" dirty="0">
-              <a:latin typeface="Arial" panose="020B0604020202020204" pitchFamily="34" charset="0"/>
-              <a:ea typeface="Source Sans Pro" panose="020B0503030403020204" pitchFamily="34" charset="0"/>
-              <a:cs typeface="Times"/>
-            </a:endParaRPr>
-          </a:p>
-          <a:p>
-            <a:endParaRPr lang="en-US" sz="3200" dirty="0">
-              <a:latin typeface="Arial" panose="020B0604020202020204" pitchFamily="34" charset="0"/>
-              <a:ea typeface="Source Sans Pro" panose="020B0503030403020204" pitchFamily="34" charset="0"/>
-              <a:cs typeface="Times"/>
-            </a:endParaRPr>
+        </p:txBody>
+      </p:sp>
+      <p:sp>
+        <p:nvSpPr>
+          <p:cNvPr id="24" name="Text Box 180">
+            <a:extLst>
+              <a:ext uri="{FF2B5EF4-FFF2-40B4-BE49-F238E27FC236}">
+                <a16:creationId xmlns:a16="http://schemas.microsoft.com/office/drawing/2014/main" id="{21DAA051-53C8-CCBF-B1ED-ED5B974E0E5E}"/>
+              </a:ext>
+            </a:extLst>
+          </p:cNvPr>
+          <p:cNvSpPr txBox="1">
+            <a:spLocks noChangeArrowheads="1"/>
+          </p:cNvSpPr>
+          <p:nvPr/>
+        </p:nvSpPr>
+        <p:spPr bwMode="auto">
+          <a:xfrm>
+            <a:off x="27718434" y="22259703"/>
+            <a:ext cx="7304929" cy="438569"/>
+          </a:xfrm>
+          <a:prstGeom prst="rect">
+            <a:avLst/>
+          </a:prstGeom>
+          <a:noFill/>
+          <a:ln>
+            <a:noFill/>
+          </a:ln>
+          <a:effectLst/>
+          <a:extLst>
+            <a:ext uri="{909E8E84-426E-40dd-AFC4-6F175D3DCCD1}">
+              <a14:hiddenFill xmlns="" xmlns:a14="http://schemas.microsoft.com/office/drawing/2010/main">
+                <a:solidFill>
+                  <a:schemeClr val="accent1"/>
+                </a:solidFill>
+              </a14:hiddenFill>
+            </a:ext>
+            <a:ext uri="{91240B29-F687-4f45-9708-019B960494DF}">
+              <a14:hiddenLine xmlns="" xmlns:a14="http://schemas.microsoft.com/office/drawing/2010/main" w="9525">
+                <a:solidFill>
+                  <a:schemeClr val="tx1"/>
+                </a:solidFill>
+                <a:miter lim="800000"/>
+                <a:headEnd/>
+                <a:tailEnd/>
+              </a14:hiddenLine>
+            </a:ext>
+            <a:ext uri="{AF507438-7753-43e0-B8FC-AC1667EBCBE1}">
+              <a14:hiddenEffects xmlns="" xmlns:a14="http://schemas.microsoft.com/office/drawing/2010/main">
+                <a:effectLst>
+                  <a:outerShdw dist="35921" dir="2700000" algn="ctr" rotWithShape="0">
+                    <a:schemeClr val="bg2"/>
+                  </a:outerShdw>
+                </a:effectLst>
+              </a14:hiddenEffects>
+            </a:ext>
+          </a:extLst>
+        </p:spPr>
+        <p:txBody>
+          <a:bodyPr wrap="square" lIns="68568" tIns="34284" rIns="68568" bIns="34284" anchor="ctr" anchorCtr="0">
+            <a:spAutoFit/>
+          </a:bodyPr>
+          <a:lstStyle/>
+          <a:p>
+            <a:pPr algn="ctr" eaLnBrk="1" hangingPunct="1"/>
+            <a:r>
+              <a:rPr lang="en-US" sz="2400" b="1" kern="1200" dirty="0">
+                <a:solidFill>
+                  <a:srgbClr val="000F7E"/>
+                </a:solidFill>
+                <a:latin typeface="Arial" panose="020B0604020202020204" pitchFamily="34" charset="0"/>
+                <a:ea typeface="Source Sans Pro" panose="020B0503030403020204" pitchFamily="34" charset="0"/>
+              </a:rPr>
+              <a:t>Chart 6. </a:t>
+            </a:r>
+            <a:r>
+              <a:rPr lang="en-US" sz="2400" dirty="0">
+                <a:solidFill>
+                  <a:srgbClr val="000F7E"/>
+                </a:solidFill>
+                <a:latin typeface="Arial" panose="020B0604020202020204" pitchFamily="34" charset="0"/>
+                <a:ea typeface="Source Sans Pro" panose="020B0503030403020204" pitchFamily="34" charset="0"/>
+              </a:rPr>
+              <a:t>Solve time distribution for each formulation</a:t>
+            </a:r>
+            <a:r>
+              <a:rPr lang="en-US" sz="2400" kern="1200" dirty="0">
+                <a:solidFill>
+                  <a:srgbClr val="000F7E"/>
+                </a:solidFill>
+                <a:latin typeface="Arial" panose="020B0604020202020204" pitchFamily="34" charset="0"/>
+                <a:ea typeface="Source Sans Pro" panose="020B0503030403020204" pitchFamily="34" charset="0"/>
+              </a:rPr>
+              <a:t>.</a:t>
+            </a:r>
+          </a:p>
+        </p:txBody>
+      </p:sp>
+      <p:sp>
+        <p:nvSpPr>
+          <p:cNvPr id="32" name="TextBox 31">
+            <a:extLst>
+              <a:ext uri="{FF2B5EF4-FFF2-40B4-BE49-F238E27FC236}">
+                <a16:creationId xmlns:a16="http://schemas.microsoft.com/office/drawing/2014/main" id="{8C8F8852-97B4-DCD3-86BB-9258A0AA476E}"/>
+              </a:ext>
+            </a:extLst>
+          </p:cNvPr>
+          <p:cNvSpPr txBox="1"/>
+          <p:nvPr/>
+        </p:nvSpPr>
+        <p:spPr>
+          <a:xfrm>
+            <a:off x="27682364" y="24751308"/>
+            <a:ext cx="11884475" cy="4154984"/>
+          </a:xfrm>
+          <a:prstGeom prst="rect">
+            <a:avLst/>
+          </a:prstGeom>
+          <a:noFill/>
+        </p:spPr>
+        <p:txBody>
+          <a:bodyPr wrap="square">
+            <a:spAutoFit/>
+          </a:bodyPr>
+          <a:lstStyle/>
+          <a:p>
+            <a:pPr lvl="0"/>
+            <a:r>
+              <a:rPr lang="en-US" sz="7200" b="1" dirty="0">
+                <a:solidFill>
+                  <a:srgbClr val="000F7E"/>
+                </a:solidFill>
+                <a:latin typeface="Arial" panose="020B0604020202020204" pitchFamily="34" charset="0"/>
+                <a:cs typeface="Arial" panose="020B0604020202020204" pitchFamily="34" charset="0"/>
+              </a:rPr>
+              <a:t>Future Work</a:t>
+            </a:r>
+          </a:p>
+          <a:p>
+            <a:pPr marL="514350" indent="-514350" algn="just">
+              <a:buFont typeface="+mj-lt"/>
+              <a:buAutoNum type="arabicPeriod"/>
+            </a:pPr>
+            <a:r>
+              <a:rPr lang="en-US" sz="3200" dirty="0">
+                <a:latin typeface="Arial" panose="020B0604020202020204" pitchFamily="34" charset="0"/>
+                <a:ea typeface="Source Sans Pro" panose="020B0503030403020204" pitchFamily="34" charset="0"/>
+                <a:cs typeface="Times"/>
+              </a:rPr>
+              <a:t>Include an implicit function formulation in this comparison.</a:t>
+            </a:r>
+          </a:p>
+          <a:p>
+            <a:pPr marL="514350" indent="-514350" algn="just">
+              <a:buFont typeface="+mj-lt"/>
+              <a:buAutoNum type="arabicPeriod"/>
+            </a:pPr>
+            <a:r>
+              <a:rPr lang="en-US" sz="3200" dirty="0">
+                <a:latin typeface="Arial" panose="020B0604020202020204" pitchFamily="34" charset="0"/>
+                <a:ea typeface="Source Sans Pro" panose="020B0503030403020204" pitchFamily="34" charset="0"/>
+                <a:cs typeface="Times"/>
+              </a:rPr>
+              <a:t>Compare these three formulations (Full Space, ALAMO surrogate-based, implicit) for a more complex chemical process, such as the carbon capture section of the plant.</a:t>
+            </a:r>
+          </a:p>
+          <a:p>
+            <a:pPr marL="514350" indent="-514350" algn="just">
+              <a:buFont typeface="+mj-lt"/>
+              <a:buAutoNum type="arabicPeriod"/>
+            </a:pPr>
+            <a:r>
+              <a:rPr lang="en-US" sz="3200" dirty="0">
+                <a:latin typeface="Arial" panose="020B0604020202020204" pitchFamily="34" charset="0"/>
+                <a:ea typeface="Source Sans Pro" panose="020B0503030403020204" pitchFamily="34" charset="0"/>
+                <a:cs typeface="Times"/>
+              </a:rPr>
+              <a:t>Extend the surrogate-based formulation to dynamic optimization problems.</a:t>
+            </a:r>
           </a:p>
         </p:txBody>
       </p:sp>

--- a/svi/auto_thermal_reformer/LANL Symposium Poster.pptx
+++ b/svi/auto_thermal_reformer/LANL Symposium Poster.pptx
@@ -273,7 +273,7 @@
             <a:fld id="{C64D7CA3-7008-7349-8B55-6C7D24D241FF}" type="datetimeFigureOut">
               <a:rPr lang="en-US" smtClean="0"/>
               <a:pPr/>
-              <a:t>7/3/2023</a:t>
+              <a:t>7/4/2023</a:t>
             </a:fld>
             <a:endParaRPr lang="en-US" dirty="0"/>
           </a:p>
@@ -860,7 +860,7 @@
           <a:p>
             <a:fld id="{2FD8D12E-95C4-274C-8538-6990C022EAF5}" type="datetimeFigureOut">
               <a:rPr lang="en-US" smtClean="0"/>
-              <a:t>7/3/2023</a:t>
+              <a:t>7/4/2023</a:t>
             </a:fld>
             <a:endParaRPr lang="en-US"/>
           </a:p>
@@ -1068,7 +1068,7 @@
           <a:p>
             <a:fld id="{2FD8D12E-95C4-274C-8538-6990C022EAF5}" type="datetimeFigureOut">
               <a:rPr lang="en-US" smtClean="0"/>
-              <a:t>7/3/2023</a:t>
+              <a:t>7/4/2023</a:t>
             </a:fld>
             <a:endParaRPr lang="en-US"/>
           </a:p>
@@ -1276,7 +1276,7 @@
           <a:p>
             <a:fld id="{2FD8D12E-95C4-274C-8538-6990C022EAF5}" type="datetimeFigureOut">
               <a:rPr lang="en-US" smtClean="0"/>
-              <a:t>7/3/2023</a:t>
+              <a:t>7/4/2023</a:t>
             </a:fld>
             <a:endParaRPr lang="en-US"/>
           </a:p>
@@ -1551,7 +1551,7 @@
           <a:p>
             <a:fld id="{2FD8D12E-95C4-274C-8538-6990C022EAF5}" type="datetimeFigureOut">
               <a:rPr lang="en-US" smtClean="0"/>
-              <a:t>7/3/2023</a:t>
+              <a:t>7/4/2023</a:t>
             </a:fld>
             <a:endParaRPr lang="en-US"/>
           </a:p>
@@ -1874,7 +1874,7 @@
           <a:p>
             <a:fld id="{2FD8D12E-95C4-274C-8538-6990C022EAF5}" type="datetimeFigureOut">
               <a:rPr lang="en-US" smtClean="0"/>
-              <a:t>7/3/2023</a:t>
+              <a:t>7/4/2023</a:t>
             </a:fld>
             <a:endParaRPr lang="en-US"/>
           </a:p>
@@ -2337,7 +2337,7 @@
           <a:p>
             <a:fld id="{2FD8D12E-95C4-274C-8538-6990C022EAF5}" type="datetimeFigureOut">
               <a:rPr lang="en-US" smtClean="0"/>
-              <a:t>7/3/2023</a:t>
+              <a:t>7/4/2023</a:t>
             </a:fld>
             <a:endParaRPr lang="en-US"/>
           </a:p>
@@ -2486,7 +2486,7 @@
           <a:p>
             <a:fld id="{2FD8D12E-95C4-274C-8538-6990C022EAF5}" type="datetimeFigureOut">
               <a:rPr lang="en-US" smtClean="0"/>
-              <a:t>7/3/2023</a:t>
+              <a:t>7/4/2023</a:t>
             </a:fld>
             <a:endParaRPr lang="en-US"/>
           </a:p>
@@ -2605,7 +2605,7 @@
           <a:p>
             <a:fld id="{2FD8D12E-95C4-274C-8538-6990C022EAF5}" type="datetimeFigureOut">
               <a:rPr lang="en-US" smtClean="0"/>
-              <a:t>7/3/2023</a:t>
+              <a:t>7/4/2023</a:t>
             </a:fld>
             <a:endParaRPr lang="en-US"/>
           </a:p>
@@ -2913,7 +2913,7 @@
           <a:p>
             <a:fld id="{2FD8D12E-95C4-274C-8538-6990C022EAF5}" type="datetimeFigureOut">
               <a:rPr lang="en-US" smtClean="0"/>
-              <a:t>7/3/2023</a:t>
+              <a:t>7/4/2023</a:t>
             </a:fld>
             <a:endParaRPr lang="en-US"/>
           </a:p>
@@ -3198,7 +3198,7 @@
           <a:p>
             <a:fld id="{2FD8D12E-95C4-274C-8538-6990C022EAF5}" type="datetimeFigureOut">
               <a:rPr lang="en-US" smtClean="0"/>
-              <a:t>7/3/2023</a:t>
+              <a:t>7/4/2023</a:t>
             </a:fld>
             <a:endParaRPr lang="en-US"/>
           </a:p>
@@ -3812,14 +3812,14 @@
           <a:effectLst/>
           <a:extLst>
             <a:ext uri="{909E8E84-426E-40dd-AFC4-6F175D3DCCD1}">
-              <a14:hiddenFill xmlns="" xmlns:a14="http://schemas.microsoft.com/office/drawing/2010/main">
+              <a14:hiddenFill xmlns:a14="http://schemas.microsoft.com/office/drawing/2010/main" xmlns="">
                 <a:solidFill>
                   <a:schemeClr val="accent1"/>
                 </a:solidFill>
               </a14:hiddenFill>
             </a:ext>
             <a:ext uri="{91240B29-F687-4f45-9708-019B960494DF}">
-              <a14:hiddenLine xmlns="" xmlns:a14="http://schemas.microsoft.com/office/drawing/2010/main" w="9525">
+              <a14:hiddenLine xmlns:a14="http://schemas.microsoft.com/office/drawing/2010/main" xmlns="" w="9525">
                 <a:solidFill>
                   <a:schemeClr val="tx1"/>
                 </a:solidFill>
@@ -3829,7 +3829,7 @@
               </a14:hiddenLine>
             </a:ext>
             <a:ext uri="{AF507438-7753-43e0-B8FC-AC1667EBCBE1}">
-              <a14:hiddenEffects xmlns="" xmlns:a14="http://schemas.microsoft.com/office/drawing/2010/main">
+              <a14:hiddenEffects xmlns:a14="http://schemas.microsoft.com/office/drawing/2010/main" xmlns="">
                 <a:effectLst>
                   <a:outerShdw dist="35921" dir="2700000" algn="ctr" rotWithShape="0">
                     <a:schemeClr val="bg2"/>
@@ -3885,14 +3885,14 @@
           <a:effectLst/>
           <a:extLst>
             <a:ext uri="{909E8E84-426E-40dd-AFC4-6F175D3DCCD1}">
-              <a14:hiddenFill xmlns="" xmlns:a14="http://schemas.microsoft.com/office/drawing/2010/main">
+              <a14:hiddenFill xmlns:a14="http://schemas.microsoft.com/office/drawing/2010/main" xmlns="">
                 <a:solidFill>
                   <a:schemeClr val="accent1"/>
                 </a:solidFill>
               </a14:hiddenFill>
             </a:ext>
             <a:ext uri="{91240B29-F687-4f45-9708-019B960494DF}">
-              <a14:hiddenLine xmlns="" xmlns:a14="http://schemas.microsoft.com/office/drawing/2010/main" w="9525">
+              <a14:hiddenLine xmlns:a14="http://schemas.microsoft.com/office/drawing/2010/main" xmlns="" w="9525">
                 <a:solidFill>
                   <a:schemeClr val="tx1"/>
                 </a:solidFill>
@@ -3902,7 +3902,7 @@
               </a14:hiddenLine>
             </a:ext>
             <a:ext uri="{AF507438-7753-43e0-B8FC-AC1667EBCBE1}">
-              <a14:hiddenEffects xmlns="" xmlns:a14="http://schemas.microsoft.com/office/drawing/2010/main">
+              <a14:hiddenEffects xmlns:a14="http://schemas.microsoft.com/office/drawing/2010/main" xmlns="">
                 <a:effectLst>
                   <a:outerShdw dist="35921" dir="2700000" algn="ctr" rotWithShape="0">
                     <a:schemeClr val="bg2"/>
@@ -4340,14 +4340,14 @@
           <a:effectLst/>
           <a:extLst>
             <a:ext uri="{909E8E84-426E-40dd-AFC4-6F175D3DCCD1}">
-              <a14:hiddenFill xmlns="" xmlns:a14="http://schemas.microsoft.com/office/drawing/2010/main">
+              <a14:hiddenFill xmlns:a14="http://schemas.microsoft.com/office/drawing/2010/main" xmlns="">
                 <a:solidFill>
                   <a:schemeClr val="accent1"/>
                 </a:solidFill>
               </a14:hiddenFill>
             </a:ext>
             <a:ext uri="{91240B29-F687-4f45-9708-019B960494DF}">
-              <a14:hiddenLine xmlns="" xmlns:a14="http://schemas.microsoft.com/office/drawing/2010/main" w="9525">
+              <a14:hiddenLine xmlns:a14="http://schemas.microsoft.com/office/drawing/2010/main" xmlns="" w="9525">
                 <a:solidFill>
                   <a:schemeClr val="tx1"/>
                 </a:solidFill>
@@ -4357,7 +4357,7 @@
               </a14:hiddenLine>
             </a:ext>
             <a:ext uri="{AF507438-7753-43e0-B8FC-AC1667EBCBE1}">
-              <a14:hiddenEffects xmlns="" xmlns:a14="http://schemas.microsoft.com/office/drawing/2010/main">
+              <a14:hiddenEffects xmlns:a14="http://schemas.microsoft.com/office/drawing/2010/main" xmlns="">
                 <a:effectLst>
                   <a:outerShdw dist="35921" dir="2700000" algn="ctr" rotWithShape="0">
                     <a:schemeClr val="bg2"/>
@@ -4748,7 +4748,7 @@
                 <a:ea typeface="Source Sans Pro" panose="020B0503030403020204" pitchFamily="34" charset="0"/>
                 <a:cs typeface="Times"/>
               </a:rPr>
-              <a:t>The full space formulation was able to converge on 49 out of 64 instances, while the surrogate-based formulation converged in every one of them. </a:t>
+              <a:t>The full space formulation was able to converge 49 out of 64 instances, while the surrogate-based formulation converges all 64 instances.</a:t>
             </a:r>
           </a:p>
           <a:p>
@@ -5782,14 +5782,14 @@
           <a:effectLst/>
           <a:extLst>
             <a:ext uri="{909E8E84-426E-40dd-AFC4-6F175D3DCCD1}">
-              <a14:hiddenFill xmlns="" xmlns:a14="http://schemas.microsoft.com/office/drawing/2010/main">
+              <a14:hiddenFill xmlns:a14="http://schemas.microsoft.com/office/drawing/2010/main" xmlns="">
                 <a:solidFill>
                   <a:schemeClr val="accent1"/>
                 </a:solidFill>
               </a14:hiddenFill>
             </a:ext>
             <a:ext uri="{91240B29-F687-4f45-9708-019B960494DF}">
-              <a14:hiddenLine xmlns="" xmlns:a14="http://schemas.microsoft.com/office/drawing/2010/main" w="9525">
+              <a14:hiddenLine xmlns:a14="http://schemas.microsoft.com/office/drawing/2010/main" xmlns="" w="9525">
                 <a:solidFill>
                   <a:schemeClr val="tx1"/>
                 </a:solidFill>
@@ -5799,7 +5799,7 @@
               </a14:hiddenLine>
             </a:ext>
             <a:ext uri="{AF507438-7753-43e0-B8FC-AC1667EBCBE1}">
-              <a14:hiddenEffects xmlns="" xmlns:a14="http://schemas.microsoft.com/office/drawing/2010/main">
+              <a14:hiddenEffects xmlns:a14="http://schemas.microsoft.com/office/drawing/2010/main" xmlns="">
                 <a:effectLst>
                   <a:outerShdw dist="35921" dir="2700000" algn="ctr" rotWithShape="0">
                     <a:schemeClr val="bg2"/>
@@ -6348,14 +6348,14 @@
           <a:effectLst/>
           <a:extLst>
             <a:ext uri="{909E8E84-426E-40dd-AFC4-6F175D3DCCD1}">
-              <a14:hiddenFill xmlns="" xmlns:a14="http://schemas.microsoft.com/office/drawing/2010/main">
+              <a14:hiddenFill xmlns:a14="http://schemas.microsoft.com/office/drawing/2010/main" xmlns="">
                 <a:solidFill>
                   <a:schemeClr val="accent1"/>
                 </a:solidFill>
               </a14:hiddenFill>
             </a:ext>
             <a:ext uri="{91240B29-F687-4f45-9708-019B960494DF}">
-              <a14:hiddenLine xmlns="" xmlns:a14="http://schemas.microsoft.com/office/drawing/2010/main" w="9525">
+              <a14:hiddenLine xmlns:a14="http://schemas.microsoft.com/office/drawing/2010/main" xmlns="" w="9525">
                 <a:solidFill>
                   <a:schemeClr val="tx1"/>
                 </a:solidFill>
@@ -6365,7 +6365,7 @@
               </a14:hiddenLine>
             </a:ext>
             <a:ext uri="{AF507438-7753-43e0-B8FC-AC1667EBCBE1}">
-              <a14:hiddenEffects xmlns="" xmlns:a14="http://schemas.microsoft.com/office/drawing/2010/main">
+              <a14:hiddenEffects xmlns:a14="http://schemas.microsoft.com/office/drawing/2010/main" xmlns="">
                 <a:effectLst>
                   <a:outerShdw dist="35921" dir="2700000" algn="ctr" rotWithShape="0">
                     <a:schemeClr val="bg2"/>
@@ -6641,14 +6641,14 @@
           <a:effectLst/>
           <a:extLst>
             <a:ext uri="{909E8E84-426E-40dd-AFC4-6F175D3DCCD1}">
-              <a14:hiddenFill xmlns="" xmlns:a14="http://schemas.microsoft.com/office/drawing/2010/main">
+              <a14:hiddenFill xmlns:a14="http://schemas.microsoft.com/office/drawing/2010/main" xmlns="">
                 <a:solidFill>
                   <a:schemeClr val="accent1"/>
                 </a:solidFill>
               </a14:hiddenFill>
             </a:ext>
             <a:ext uri="{91240B29-F687-4f45-9708-019B960494DF}">
-              <a14:hiddenLine xmlns="" xmlns:a14="http://schemas.microsoft.com/office/drawing/2010/main" w="9525">
+              <a14:hiddenLine xmlns:a14="http://schemas.microsoft.com/office/drawing/2010/main" xmlns="" w="9525">
                 <a:solidFill>
                   <a:schemeClr val="tx1"/>
                 </a:solidFill>
@@ -6658,7 +6658,7 @@
               </a14:hiddenLine>
             </a:ext>
             <a:ext uri="{AF507438-7753-43e0-B8FC-AC1667EBCBE1}">
-              <a14:hiddenEffects xmlns="" xmlns:a14="http://schemas.microsoft.com/office/drawing/2010/main">
+              <a14:hiddenEffects xmlns:a14="http://schemas.microsoft.com/office/drawing/2010/main" xmlns="">
                 <a:effectLst>
                   <a:outerShdw dist="35921" dir="2700000" algn="ctr" rotWithShape="0">
                     <a:schemeClr val="bg2"/>
@@ -7069,14 +7069,14 @@
           <a:effectLst/>
           <a:extLst>
             <a:ext uri="{909E8E84-426E-40dd-AFC4-6F175D3DCCD1}">
-              <a14:hiddenFill xmlns="" xmlns:a14="http://schemas.microsoft.com/office/drawing/2010/main">
+              <a14:hiddenFill xmlns:a14="http://schemas.microsoft.com/office/drawing/2010/main" xmlns="">
                 <a:solidFill>
                   <a:schemeClr val="accent1"/>
                 </a:solidFill>
               </a14:hiddenFill>
             </a:ext>
             <a:ext uri="{91240B29-F687-4f45-9708-019B960494DF}">
-              <a14:hiddenLine xmlns="" xmlns:a14="http://schemas.microsoft.com/office/drawing/2010/main" w="9525">
+              <a14:hiddenLine xmlns:a14="http://schemas.microsoft.com/office/drawing/2010/main" xmlns="" w="9525">
                 <a:solidFill>
                   <a:schemeClr val="tx1"/>
                 </a:solidFill>
@@ -7086,7 +7086,7 @@
               </a14:hiddenLine>
             </a:ext>
             <a:ext uri="{AF507438-7753-43e0-B8FC-AC1667EBCBE1}">
-              <a14:hiddenEffects xmlns="" xmlns:a14="http://schemas.microsoft.com/office/drawing/2010/main">
+              <a14:hiddenEffects xmlns:a14="http://schemas.microsoft.com/office/drawing/2010/main" xmlns="">
                 <a:effectLst>
                   <a:outerShdw dist="35921" dir="2700000" algn="ctr" rotWithShape="0">
                     <a:schemeClr val="bg2"/>
@@ -7155,14 +7155,14 @@
           <a:effectLst/>
           <a:extLst>
             <a:ext uri="{909E8E84-426E-40dd-AFC4-6F175D3DCCD1}">
-              <a14:hiddenFill xmlns="" xmlns:a14="http://schemas.microsoft.com/office/drawing/2010/main">
+              <a14:hiddenFill xmlns:a14="http://schemas.microsoft.com/office/drawing/2010/main" xmlns="">
                 <a:solidFill>
                   <a:schemeClr val="accent1"/>
                 </a:solidFill>
               </a14:hiddenFill>
             </a:ext>
             <a:ext uri="{91240B29-F687-4f45-9708-019B960494DF}">
-              <a14:hiddenLine xmlns="" xmlns:a14="http://schemas.microsoft.com/office/drawing/2010/main" w="9525">
+              <a14:hiddenLine xmlns:a14="http://schemas.microsoft.com/office/drawing/2010/main" xmlns="" w="9525">
                 <a:solidFill>
                   <a:schemeClr val="tx1"/>
                 </a:solidFill>
@@ -7172,7 +7172,7 @@
               </a14:hiddenLine>
             </a:ext>
             <a:ext uri="{AF507438-7753-43e0-B8FC-AC1667EBCBE1}">
-              <a14:hiddenEffects xmlns="" xmlns:a14="http://schemas.microsoft.com/office/drawing/2010/main">
+              <a14:hiddenEffects xmlns:a14="http://schemas.microsoft.com/office/drawing/2010/main" xmlns="">
                 <a:effectLst>
                   <a:outerShdw dist="35921" dir="2700000" algn="ctr" rotWithShape="0">
                     <a:schemeClr val="bg2"/>
@@ -7354,14 +7354,14 @@
           <a:effectLst/>
           <a:extLst>
             <a:ext uri="{909E8E84-426E-40dd-AFC4-6F175D3DCCD1}">
-              <a14:hiddenFill xmlns="" xmlns:a14="http://schemas.microsoft.com/office/drawing/2010/main">
+              <a14:hiddenFill xmlns:a14="http://schemas.microsoft.com/office/drawing/2010/main" xmlns="">
                 <a:solidFill>
                   <a:schemeClr val="accent1"/>
                 </a:solidFill>
               </a14:hiddenFill>
             </a:ext>
             <a:ext uri="{91240B29-F687-4f45-9708-019B960494DF}">
-              <a14:hiddenLine xmlns="" xmlns:a14="http://schemas.microsoft.com/office/drawing/2010/main" w="9525">
+              <a14:hiddenLine xmlns:a14="http://schemas.microsoft.com/office/drawing/2010/main" xmlns="" w="9525">
                 <a:solidFill>
                   <a:schemeClr val="tx1"/>
                 </a:solidFill>
@@ -7371,7 +7371,7 @@
               </a14:hiddenLine>
             </a:ext>
             <a:ext uri="{AF507438-7753-43e0-B8FC-AC1667EBCBE1}">
-              <a14:hiddenEffects xmlns="" xmlns:a14="http://schemas.microsoft.com/office/drawing/2010/main">
+              <a14:hiddenEffects xmlns:a14="http://schemas.microsoft.com/office/drawing/2010/main" xmlns="">
                 <a:effectLst>
                   <a:outerShdw dist="35921" dir="2700000" algn="ctr" rotWithShape="0">
                     <a:schemeClr val="bg2"/>
@@ -7436,7 +7436,7 @@
         <p:spPr>
           <a:xfrm>
             <a:off x="27682364" y="24751308"/>
-            <a:ext cx="11884475" cy="4154984"/>
+            <a:ext cx="11884475" cy="5139869"/>
           </a:xfrm>
           <a:prstGeom prst="rect">
             <a:avLst/>
@@ -7501,6 +7501,20 @@
                 <a:cs typeface="Times"/>
               </a:rPr>
               <a:t>Extend the surrogate-based formulation to dynamic optimization problems.</a:t>
+            </a:r>
+          </a:p>
+          <a:p>
+            <a:pPr marL="514350" indent="-514350" algn="just">
+              <a:buFont typeface="+mj-lt"/>
+              <a:buAutoNum type="arabicPeriod"/>
+            </a:pPr>
+            <a:r>
+              <a:rPr lang="en-US" sz="3200" dirty="0">
+                <a:latin typeface="Arial" panose="020B0604020202020204" pitchFamily="34" charset="0"/>
+                <a:ea typeface="Source Sans Pro" panose="020B0503030403020204" pitchFamily="34" charset="0"/>
+                <a:cs typeface="Times"/>
+              </a:rPr>
+              <a:t>Extend the surrogate-based formulation to superstructure optimization problems.</a:t>
             </a:r>
           </a:p>
         </p:txBody>
